--- a/DM_Project.pptx
+++ b/DM_Project.pptx
@@ -5,7 +5,7 @@
     <p:sldMasterId id="2147483660" r:id="rId1"/>
   </p:sldMasterIdLst>
   <p:notesMasterIdLst>
-    <p:notesMasterId r:id="rId17"/>
+    <p:notesMasterId r:id="rId27"/>
   </p:notesMasterIdLst>
   <p:sldIdLst>
     <p:sldId id="256" r:id="rId2"/>
@@ -22,7 +22,17 @@
     <p:sldId id="272" r:id="rId13"/>
     <p:sldId id="273" r:id="rId14"/>
     <p:sldId id="276" r:id="rId15"/>
-    <p:sldId id="274" r:id="rId16"/>
+    <p:sldId id="277" r:id="rId16"/>
+    <p:sldId id="280" r:id="rId17"/>
+    <p:sldId id="279" r:id="rId18"/>
+    <p:sldId id="281" r:id="rId19"/>
+    <p:sldId id="282" r:id="rId20"/>
+    <p:sldId id="283" r:id="rId21"/>
+    <p:sldId id="284" r:id="rId22"/>
+    <p:sldId id="285" r:id="rId23"/>
+    <p:sldId id="286" r:id="rId24"/>
+    <p:sldId id="287" r:id="rId25"/>
+    <p:sldId id="274" r:id="rId26"/>
   </p:sldIdLst>
   <p:sldSz cx="9144000" cy="6858000" type="screen4x3"/>
   <p:notesSz cx="6858000" cy="9144000"/>
@@ -124,6 +134,161 @@
 </p:presentation>
 </file>
 
+<file path=ppt/charts/chart1.xml><?xml version="1.0" encoding="utf-8"?>
+<c:chartSpace xmlns:c="http://schemas.openxmlformats.org/drawingml/2006/chart" xmlns:a="http://schemas.openxmlformats.org/drawingml/2006/main" xmlns:r="http://schemas.openxmlformats.org/officeDocument/2006/relationships">
+  <c:date1904 val="0"/>
+  <c:lang val="en-US"/>
+  <c:roundedCorners val="0"/>
+  <mc:AlternateContent xmlns:mc="http://schemas.openxmlformats.org/markup-compatibility/2006">
+    <mc:Choice xmlns:c14="http://schemas.microsoft.com/office/drawing/2007/8/2/chart" Requires="c14">
+      <c14:style val="116"/>
+    </mc:Choice>
+    <mc:Fallback>
+      <c:style val="16"/>
+    </mc:Fallback>
+  </mc:AlternateContent>
+  <c:chart>
+    <c:title>
+      <c:layout/>
+      <c:overlay val="0"/>
+    </c:title>
+    <c:autoTitleDeleted val="0"/>
+    <c:plotArea>
+      <c:layout/>
+      <c:lineChart>
+        <c:grouping val="standard"/>
+        <c:varyColors val="0"/>
+        <c:ser>
+          <c:idx val="0"/>
+          <c:order val="0"/>
+          <c:tx>
+            <c:strRef>
+              <c:f>Sheet1!$B$1</c:f>
+              <c:strCache>
+                <c:ptCount val="1"/>
+                <c:pt idx="0">
+                  <c:v>Bitcoin Market Cap (Billion)</c:v>
+                </c:pt>
+              </c:strCache>
+            </c:strRef>
+          </c:tx>
+          <c:cat>
+            <c:numRef>
+              <c:f>Sheet1!$A$2:$A$6</c:f>
+              <c:numCache>
+                <c:formatCode>m/d/yy</c:formatCode>
+                <c:ptCount val="5"/>
+                <c:pt idx="0">
+                  <c:v>39814.0</c:v>
+                </c:pt>
+                <c:pt idx="1">
+                  <c:v>41518.0</c:v>
+                </c:pt>
+                <c:pt idx="2">
+                  <c:v>41609.0</c:v>
+                </c:pt>
+                <c:pt idx="3">
+                  <c:v>42005.0</c:v>
+                </c:pt>
+                <c:pt idx="4">
+                  <c:v>42064.0</c:v>
+                </c:pt>
+              </c:numCache>
+            </c:numRef>
+          </c:cat>
+          <c:val>
+            <c:numRef>
+              <c:f>Sheet1!$B$2:$B$6</c:f>
+              <c:numCache>
+                <c:formatCode>#,##0</c:formatCode>
+                <c:ptCount val="5"/>
+                <c:pt idx="0" formatCode="General">
+                  <c:v>0.0</c:v>
+                </c:pt>
+                <c:pt idx="1">
+                  <c:v>1.0</c:v>
+                </c:pt>
+                <c:pt idx="2">
+                  <c:v>13.0</c:v>
+                </c:pt>
+                <c:pt idx="3">
+                  <c:v>3.0</c:v>
+                </c:pt>
+                <c:pt idx="4">
+                  <c:v>3.0</c:v>
+                </c:pt>
+              </c:numCache>
+            </c:numRef>
+          </c:val>
+          <c:smooth val="0"/>
+        </c:ser>
+        <c:dLbls>
+          <c:showLegendKey val="0"/>
+          <c:showVal val="0"/>
+          <c:showCatName val="0"/>
+          <c:showSerName val="0"/>
+          <c:showPercent val="0"/>
+          <c:showBubbleSize val="0"/>
+        </c:dLbls>
+        <c:marker val="1"/>
+        <c:smooth val="0"/>
+        <c:axId val="2131352376"/>
+        <c:axId val="2131354840"/>
+      </c:lineChart>
+      <c:dateAx>
+        <c:axId val="2131352376"/>
+        <c:scaling>
+          <c:orientation val="minMax"/>
+        </c:scaling>
+        <c:delete val="0"/>
+        <c:axPos val="b"/>
+        <c:numFmt formatCode="m/d/yy" sourceLinked="1"/>
+        <c:majorTickMark val="out"/>
+        <c:minorTickMark val="none"/>
+        <c:tickLblPos val="nextTo"/>
+        <c:crossAx val="2131354840"/>
+        <c:crosses val="autoZero"/>
+        <c:auto val="1"/>
+        <c:lblOffset val="100"/>
+        <c:baseTimeUnit val="months"/>
+      </c:dateAx>
+      <c:valAx>
+        <c:axId val="2131354840"/>
+        <c:scaling>
+          <c:orientation val="minMax"/>
+        </c:scaling>
+        <c:delete val="0"/>
+        <c:axPos val="l"/>
+        <c:majorGridlines/>
+        <c:numFmt formatCode="General" sourceLinked="1"/>
+        <c:majorTickMark val="out"/>
+        <c:minorTickMark val="none"/>
+        <c:tickLblPos val="nextTo"/>
+        <c:crossAx val="2131352376"/>
+        <c:crosses val="autoZero"/>
+        <c:crossBetween val="between"/>
+      </c:valAx>
+    </c:plotArea>
+    <c:plotVisOnly val="1"/>
+    <c:dispBlanksAs val="gap"/>
+    <c:showDLblsOverMax val="0"/>
+  </c:chart>
+  <c:txPr>
+    <a:bodyPr/>
+    <a:lstStyle/>
+    <a:p>
+      <a:pPr>
+        <a:defRPr sz="1800"/>
+      </a:pPr>
+      <a:endParaRPr lang="en-US"/>
+    </a:p>
+  </c:txPr>
+  <c:externalData r:id="rId1">
+    <c:autoUpdate val="0"/>
+  </c:externalData>
+</c:chartSpace>
+</file>
+
 <file path=ppt/notesMasters/notesMaster1.xml><?xml version="1.0" encoding="utf-8"?>
 <p:notesMaster xmlns:a="http://schemas.openxmlformats.org/drawingml/2006/main" xmlns:r="http://schemas.openxmlformats.org/officeDocument/2006/relationships" xmlns:p="http://schemas.openxmlformats.org/presentationml/2006/main">
   <p:cSld>
@@ -206,7 +371,7 @@
           <a:p>
             <a:fld id="{359111DE-1BA2-49A7-AE83-CFAA77982A4A}" type="datetimeFigureOut">
               <a:rPr lang="en-US" smtClean="0"/>
-              <a:t>4/19/2015</a:t>
+              <a:t>4/22/15</a:t>
             </a:fld>
             <a:endParaRPr lang="en-US"/>
           </a:p>
@@ -374,6 +539,11 @@
         </p:txBody>
       </p:sp>
     </p:spTree>
+    <p:extLst>
+      <p:ext uri="{BB962C8B-B14F-4D97-AF65-F5344CB8AC3E}">
+        <p14:creationId xmlns:p14="http://schemas.microsoft.com/office/powerpoint/2010/main" val="1175721935"/>
+      </p:ext>
+    </p:extLst>
   </p:cSld>
   <p:clrMap bg1="lt1" tx1="dk1" bg2="lt2" tx2="dk2" accent1="accent1" accent2="accent2" accent3="accent3" accent4="accent4" accent5="accent5" accent6="accent6" hlink="hlink" folHlink="folHlink"/>
   <p:notesStyle>
@@ -1188,7 +1358,7 @@
             <a:fld id="{1D8BD707-D9CF-40AE-B4C6-C98DA3205C09}" type="datetimeFigureOut">
               <a:rPr lang="en-US" smtClean="0"/>
               <a:pPr/>
-              <a:t>4/19/2015</a:t>
+              <a:t>4/22/15</a:t>
             </a:fld>
             <a:endParaRPr lang="en-US"/>
           </a:p>
@@ -1386,7 +1556,7 @@
             <a:fld id="{1D8BD707-D9CF-40AE-B4C6-C98DA3205C09}" type="datetimeFigureOut">
               <a:rPr lang="en-US" smtClean="0"/>
               <a:pPr/>
-              <a:t>4/19/2015</a:t>
+              <a:t>4/22/15</a:t>
             </a:fld>
             <a:endParaRPr lang="en-US"/>
           </a:p>
@@ -1573,7 +1743,7 @@
             <a:fld id="{1D8BD707-D9CF-40AE-B4C6-C98DA3205C09}" type="datetimeFigureOut">
               <a:rPr lang="en-US" smtClean="0"/>
               <a:pPr/>
-              <a:t>4/19/2015</a:t>
+              <a:t>4/22/15</a:t>
             </a:fld>
             <a:endParaRPr lang="en-US"/>
           </a:p>
@@ -1725,7 +1895,7 @@
             <a:fld id="{1D8BD707-D9CF-40AE-B4C6-C98DA3205C09}" type="datetimeFigureOut">
               <a:rPr lang="en-US" smtClean="0"/>
               <a:pPr/>
-              <a:t>4/19/2015</a:t>
+              <a:t>4/22/15</a:t>
             </a:fld>
             <a:endParaRPr lang="en-US"/>
           </a:p>
@@ -1982,7 +2152,7 @@
             <a:fld id="{1D8BD707-D9CF-40AE-B4C6-C98DA3205C09}" type="datetimeFigureOut">
               <a:rPr lang="en-US" smtClean="0"/>
               <a:pPr/>
-              <a:t>4/19/2015</a:t>
+              <a:t>4/22/15</a:t>
             </a:fld>
             <a:endParaRPr lang="en-US"/>
           </a:p>
@@ -2393,7 +2563,7 @@
             <a:fld id="{1D8BD707-D9CF-40AE-B4C6-C98DA3205C09}" type="datetimeFigureOut">
               <a:rPr lang="en-US" smtClean="0"/>
               <a:pPr/>
-              <a:t>4/19/2015</a:t>
+              <a:t>4/22/15</a:t>
             </a:fld>
             <a:endParaRPr lang="en-US"/>
           </a:p>
@@ -2841,7 +3011,7 @@
             <a:fld id="{1D8BD707-D9CF-40AE-B4C6-C98DA3205C09}" type="datetimeFigureOut">
               <a:rPr lang="en-US" smtClean="0"/>
               <a:pPr/>
-              <a:t>4/19/2015</a:t>
+              <a:t>4/22/15</a:t>
             </a:fld>
             <a:endParaRPr lang="en-US"/>
           </a:p>
@@ -2944,7 +3114,7 @@
             <a:fld id="{1D8BD707-D9CF-40AE-B4C6-C98DA3205C09}" type="datetimeFigureOut">
               <a:rPr lang="en-US" smtClean="0"/>
               <a:pPr/>
-              <a:t>4/19/2015</a:t>
+              <a:t>4/22/15</a:t>
             </a:fld>
             <a:endParaRPr lang="en-US"/>
           </a:p>
@@ -3067,7 +3237,7 @@
             <a:fld id="{1D8BD707-D9CF-40AE-B4C6-C98DA3205C09}" type="datetimeFigureOut">
               <a:rPr lang="en-US" smtClean="0"/>
               <a:pPr/>
-              <a:t>4/19/2015</a:t>
+              <a:t>4/22/15</a:t>
             </a:fld>
             <a:endParaRPr lang="en-US"/>
           </a:p>
@@ -3343,7 +3513,7 @@
             <a:fld id="{1D8BD707-D9CF-40AE-B4C6-C98DA3205C09}" type="datetimeFigureOut">
               <a:rPr lang="en-US" smtClean="0"/>
               <a:pPr/>
-              <a:t>4/19/2015</a:t>
+              <a:t>4/22/15</a:t>
             </a:fld>
             <a:endParaRPr lang="en-US"/>
           </a:p>
@@ -3550,7 +3720,7 @@
             <a:fld id="{1D8BD707-D9CF-40AE-B4C6-C98DA3205C09}" type="datetimeFigureOut">
               <a:rPr lang="en-US" smtClean="0"/>
               <a:pPr/>
-              <a:t>4/19/2015</a:t>
+              <a:t>4/22/15</a:t>
             </a:fld>
             <a:endParaRPr lang="en-US"/>
           </a:p>
@@ -4661,7 +4831,7 @@
             <a:fld id="{1D8BD707-D9CF-40AE-B4C6-C98DA3205C09}" type="datetimeFigureOut">
               <a:rPr lang="en-US" smtClean="0"/>
               <a:pPr/>
-              <a:t>4/19/2015</a:t>
+              <a:t>4/22/15</a:t>
             </a:fld>
             <a:endParaRPr lang="en-US"/>
           </a:p>
@@ -5098,11 +5268,7 @@
             </a:r>
             <a:r>
               <a:rPr lang="en-US" dirty="0" smtClean="0"/>
-              <a:t> </a:t>
-            </a:r>
-            <a:r>
-              <a:rPr lang="en-US" dirty="0" smtClean="0"/>
-              <a:t>Price Analysis</a:t>
+              <a:t> Price Analysis</a:t>
             </a:r>
             <a:br>
               <a:rPr lang="en-US" dirty="0" smtClean="0"/>
@@ -5195,7 +5361,7 @@
   <p:timing>
     <p:tnLst>
       <p:par>
-        <p:cTn id="1" dur="indefinite" restart="never" nodeType="tmRoot"/>
+        <p:cTn xmlns:p14="http://schemas.microsoft.com/office/powerpoint/2010/main" id="1" dur="indefinite" restart="never" nodeType="tmRoot"/>
       </p:par>
     </p:tnLst>
   </p:timing>
@@ -5248,19 +5414,8 @@
                 <a:latin typeface="Arial" pitchFamily="34" charset="0"/>
                 <a:cs typeface="Arial" pitchFamily="34" charset="0"/>
               </a:rPr>
-              <a:t>Relative mean square error </a:t>
-            </a:r>
-            <a:r>
-              <a:rPr lang="en-US" dirty="0" smtClean="0">
-                <a:latin typeface="Arial" pitchFamily="34" charset="0"/>
-                <a:cs typeface="Arial" pitchFamily="34" charset="0"/>
-              </a:rPr>
-              <a:t>rate</a:t>
-            </a:r>
-            <a:endParaRPr lang="en-US" dirty="0" smtClean="0">
-              <a:latin typeface="Arial" pitchFamily="34" charset="0"/>
-              <a:cs typeface="Arial" pitchFamily="34" charset="0"/>
-            </a:endParaRPr>
+              <a:t>Relative mean square error rate</a:t>
+            </a:r>
           </a:p>
         </p:txBody>
       </p:sp>
@@ -5727,7 +5882,7 @@
   <p:timing>
     <p:tnLst>
       <p:par>
-        <p:cTn id="1" dur="indefinite" restart="never" nodeType="tmRoot"/>
+        <p:cTn xmlns:p14="http://schemas.microsoft.com/office/powerpoint/2010/main" id="1" dur="indefinite" restart="never" nodeType="tmRoot"/>
       </p:par>
     </p:tnLst>
   </p:timing>
@@ -5984,7 +6139,7 @@
   <p:timing>
     <p:tnLst>
       <p:par>
-        <p:cTn id="1" dur="indefinite" restart="never" nodeType="tmRoot"/>
+        <p:cTn xmlns:p14="http://schemas.microsoft.com/office/powerpoint/2010/main" id="1" dur="indefinite" restart="never" nodeType="tmRoot"/>
       </p:par>
     </p:tnLst>
   </p:timing>
@@ -6049,14 +6204,7 @@
                 <a:latin typeface="Arial" pitchFamily="34" charset="0"/>
                 <a:cs typeface="Arial" pitchFamily="34" charset="0"/>
               </a:rPr>
-              <a:t> </a:t>
-            </a:r>
-            <a:r>
-              <a:rPr lang="en-US" sz="2700" dirty="0" smtClean="0">
-                <a:latin typeface="Arial" pitchFamily="34" charset="0"/>
-                <a:cs typeface="Arial" pitchFamily="34" charset="0"/>
-              </a:rPr>
-              <a:t>Based on previous prediction values, by further comparing the average value of current window and the average of the next period, we can tell the trend for a particular day;</a:t>
+              <a:t> Based on previous prediction values, by further comparing the average value of current window and the average of the next period, we can tell the trend for a particular day;</a:t>
             </a:r>
           </a:p>
           <a:p>
@@ -6072,14 +6220,7 @@
                 <a:latin typeface="Arial" pitchFamily="34" charset="0"/>
                 <a:cs typeface="Arial" pitchFamily="34" charset="0"/>
               </a:rPr>
-              <a:t> </a:t>
-            </a:r>
-            <a:r>
-              <a:rPr lang="en-US" sz="2700" dirty="0" smtClean="0">
-                <a:latin typeface="Arial" pitchFamily="34" charset="0"/>
-                <a:cs typeface="Arial" pitchFamily="34" charset="0"/>
-              </a:rPr>
-              <a:t>Use weighted average to indicate the trend weekly and monthly.</a:t>
+              <a:t> Use weighted average to indicate the trend weekly and monthly.</a:t>
             </a:r>
           </a:p>
           <a:p>
@@ -6160,7 +6301,7 @@
   <p:timing>
     <p:tnLst>
       <p:par>
-        <p:cTn id="1" dur="indefinite" restart="never" nodeType="tmRoot"/>
+        <p:cTn xmlns:p14="http://schemas.microsoft.com/office/powerpoint/2010/main" id="1" dur="indefinite" restart="never" nodeType="tmRoot"/>
       </p:par>
     </p:tnLst>
   </p:timing>
@@ -6926,7 +7067,7 @@
   <p:timing>
     <p:tnLst>
       <p:par>
-        <p:cTn id="1" dur="indefinite" restart="never" nodeType="tmRoot"/>
+        <p:cTn xmlns:p14="http://schemas.microsoft.com/office/powerpoint/2010/main" id="1" dur="indefinite" restart="never" nodeType="tmRoot"/>
       </p:par>
     </p:tnLst>
   </p:timing>
@@ -7014,8 +7155,19 @@
                 <a:latin typeface="Arial" pitchFamily="34" charset="0"/>
                 <a:cs typeface="Arial" pitchFamily="34" charset="0"/>
               </a:rPr>
-              <a:t>Google trend</a:t>
-            </a:r>
+              <a:t>Google </a:t>
+            </a:r>
+            <a:r>
+              <a:rPr lang="en-US" dirty="0" smtClean="0">
+                <a:latin typeface="Arial" pitchFamily="34" charset="0"/>
+                <a:cs typeface="Arial" pitchFamily="34" charset="0"/>
+              </a:rPr>
+              <a:t>search trend</a:t>
+            </a:r>
+            <a:endParaRPr lang="en-US" dirty="0" smtClean="0">
+              <a:latin typeface="Arial" pitchFamily="34" charset="0"/>
+              <a:cs typeface="Arial" pitchFamily="34" charset="0"/>
+            </a:endParaRPr>
           </a:p>
           <a:p>
             <a:pPr algn="just">
@@ -7028,7 +7180,14 @@
                 <a:latin typeface="Arial" pitchFamily="34" charset="0"/>
                 <a:cs typeface="Arial" pitchFamily="34" charset="0"/>
               </a:rPr>
-              <a:t>Sentimental analysis</a:t>
+              <a:t>News Sentimental </a:t>
+            </a:r>
+            <a:r>
+              <a:rPr lang="en-US" dirty="0" smtClean="0">
+                <a:latin typeface="Arial" pitchFamily="34" charset="0"/>
+                <a:cs typeface="Arial" pitchFamily="34" charset="0"/>
+              </a:rPr>
+              <a:t>analysis</a:t>
             </a:r>
             <a:endParaRPr lang="en-US" sz="2700" dirty="0" smtClean="0">
               <a:latin typeface="Arial" pitchFamily="34" charset="0"/>
@@ -7201,7 +7360,7 @@
   <p:timing>
     <p:tnLst>
       <p:par>
-        <p:cTn id="1" dur="indefinite" restart="never" nodeType="tmRoot"/>
+        <p:cTn xmlns:p14="http://schemas.microsoft.com/office/powerpoint/2010/main" id="1" dur="indefinite" restart="never" nodeType="tmRoot"/>
       </p:par>
     </p:tnLst>
   </p:timing>
@@ -7225,125 +7384,9 @@
           <a:chExt cx="0" cy="0"/>
         </a:xfrm>
       </p:grpSpPr>
-      <p:sp>
-        <p:nvSpPr>
-          <p:cNvPr id="3" name="Content Placeholder 2"/>
-          <p:cNvSpPr>
-            <a:spLocks noGrp="1"/>
-          </p:cNvSpPr>
-          <p:nvPr>
-            <p:ph idx="1"/>
-          </p:nvPr>
-        </p:nvSpPr>
-        <p:spPr/>
-        <p:txBody>
-          <a:bodyPr/>
-          <a:lstStyle/>
-          <a:p>
-            <a:r>
-              <a:rPr lang="en-US" dirty="0" smtClean="0">
-                <a:latin typeface="Arial" pitchFamily="34" charset="0"/>
-                <a:cs typeface="Arial" pitchFamily="34" charset="0"/>
-              </a:rPr>
-              <a:t>SVM outperforms Bayesian curve fitting in terms of large number of datasets;</a:t>
-            </a:r>
-          </a:p>
-          <a:p>
-            <a:r>
-              <a:rPr lang="en-US" dirty="0" smtClean="0">
-                <a:latin typeface="Arial" pitchFamily="34" charset="0"/>
-                <a:cs typeface="Arial" pitchFamily="34" charset="0"/>
-              </a:rPr>
-              <a:t>These traditional method to analyze </a:t>
-            </a:r>
-            <a:r>
-              <a:rPr lang="en-US" dirty="0" err="1" smtClean="0">
-                <a:latin typeface="Arial" pitchFamily="34" charset="0"/>
-                <a:cs typeface="Arial" pitchFamily="34" charset="0"/>
-              </a:rPr>
-              <a:t>Bitcoin</a:t>
-            </a:r>
-            <a:r>
-              <a:rPr lang="en-US" dirty="0" smtClean="0">
-                <a:latin typeface="Arial" pitchFamily="34" charset="0"/>
-                <a:cs typeface="Arial" pitchFamily="34" charset="0"/>
-              </a:rPr>
-              <a:t> price is not as good as analysis for the stock market;</a:t>
-            </a:r>
-          </a:p>
-          <a:p>
-            <a:r>
-              <a:rPr lang="en-US" dirty="0" smtClean="0">
-                <a:latin typeface="Arial" pitchFamily="34" charset="0"/>
-                <a:cs typeface="Arial" pitchFamily="34" charset="0"/>
-              </a:rPr>
-              <a:t>??? Other???</a:t>
-            </a:r>
-          </a:p>
-          <a:p>
-            <a:pPr>
-              <a:buNone/>
-            </a:pPr>
-            <a:endParaRPr lang="en-US" dirty="0" smtClean="0">
-              <a:latin typeface="Arial" pitchFamily="34" charset="0"/>
-              <a:cs typeface="Arial" pitchFamily="34" charset="0"/>
-            </a:endParaRPr>
-          </a:p>
-          <a:p>
-            <a:r>
-              <a:rPr lang="en-US" dirty="0" smtClean="0">
-                <a:latin typeface="Arial" pitchFamily="34" charset="0"/>
-                <a:cs typeface="Arial" pitchFamily="34" charset="0"/>
-              </a:rPr>
-              <a:t>Future </a:t>
-            </a:r>
-            <a:r>
-              <a:rPr lang="en-US" dirty="0" smtClean="0">
-                <a:latin typeface="Arial" pitchFamily="34" charset="0"/>
-                <a:cs typeface="Arial" pitchFamily="34" charset="0"/>
-              </a:rPr>
-              <a:t>work</a:t>
-            </a:r>
-          </a:p>
-          <a:p>
-            <a:endParaRPr lang="en-US" dirty="0" smtClean="0">
-              <a:latin typeface="Arial" pitchFamily="34" charset="0"/>
-              <a:cs typeface="Arial" pitchFamily="34" charset="0"/>
-            </a:endParaRPr>
-          </a:p>
-        </p:txBody>
-      </p:sp>
-      <p:sp>
-        <p:nvSpPr>
-          <p:cNvPr id="2" name="Title 1"/>
-          <p:cNvSpPr>
-            <a:spLocks noGrp="1"/>
-          </p:cNvSpPr>
-          <p:nvPr>
-            <p:ph type="title"/>
-          </p:nvPr>
-        </p:nvSpPr>
-        <p:spPr>
-          <a:xfrm>
-            <a:off x="1371600" y="274638"/>
-            <a:ext cx="7315200" cy="1143000"/>
-          </a:xfrm>
-        </p:spPr>
-        <p:txBody>
-          <a:bodyPr/>
-          <a:lstStyle/>
-          <a:p>
-            <a:r>
-              <a:rPr lang="en-US" dirty="0" smtClean="0"/>
-              <a:t>Conclusion</a:t>
-            </a:r>
-            <a:endParaRPr lang="en-US" dirty="0"/>
-          </a:p>
-        </p:txBody>
-      </p:sp>
       <p:pic>
         <p:nvPicPr>
-          <p:cNvPr id="5" name="Picture 4" descr="bitcoin1.jpg"/>
+          <p:cNvPr id="4" name="Picture 3" descr="bitcoin1.jpg"/>
           <p:cNvPicPr>
             <a:picLocks noChangeAspect="1"/>
           </p:cNvPicPr>
@@ -7365,18 +7408,1103 @@
           </a:prstGeom>
         </p:spPr>
       </p:pic>
+      <p:sp>
+        <p:nvSpPr>
+          <p:cNvPr id="5" name="Title 1"/>
+          <p:cNvSpPr>
+            <a:spLocks noGrp="1"/>
+          </p:cNvSpPr>
+          <p:nvPr>
+            <p:ph type="title"/>
+          </p:nvPr>
+        </p:nvSpPr>
+        <p:spPr>
+          <a:xfrm>
+            <a:off x="1371600" y="274638"/>
+            <a:ext cx="7315200" cy="1143000"/>
+          </a:xfrm>
+        </p:spPr>
+        <p:txBody>
+          <a:bodyPr/>
+          <a:lstStyle/>
+          <a:p>
+            <a:r>
+              <a:rPr lang="en-US" dirty="0" smtClean="0"/>
+              <a:t>Google trend analysis</a:t>
+            </a:r>
+            <a:endParaRPr lang="en-US" dirty="0"/>
+          </a:p>
+        </p:txBody>
+      </p:sp>
+      <p:sp>
+        <p:nvSpPr>
+          <p:cNvPr id="6" name="Content Placeholder 2"/>
+          <p:cNvSpPr>
+            <a:spLocks noGrp="1"/>
+          </p:cNvSpPr>
+          <p:nvPr>
+            <p:ph idx="1"/>
+          </p:nvPr>
+        </p:nvSpPr>
+        <p:spPr>
+          <a:xfrm>
+            <a:off x="457200" y="1481328"/>
+            <a:ext cx="8229600" cy="4525963"/>
+          </a:xfrm>
+        </p:spPr>
+        <p:txBody>
+          <a:bodyPr/>
+          <a:lstStyle/>
+          <a:p>
+            <a:pPr algn="just">
+              <a:spcAft>
+                <a:spcPts val="600"/>
+              </a:spcAft>
+            </a:pPr>
+            <a:r>
+              <a:rPr lang="en-US" dirty="0" smtClean="0">
+                <a:latin typeface="Arial" pitchFamily="34" charset="0"/>
+                <a:cs typeface="Arial" pitchFamily="34" charset="0"/>
+              </a:rPr>
+              <a:t>Inspired by previous work (Tobias </a:t>
+            </a:r>
+            <a:r>
+              <a:rPr lang="en-US" dirty="0" err="1" smtClean="0">
+                <a:latin typeface="Arial" pitchFamily="34" charset="0"/>
+                <a:cs typeface="Arial" pitchFamily="34" charset="0"/>
+              </a:rPr>
+              <a:t>Preis</a:t>
+            </a:r>
+            <a:r>
+              <a:rPr lang="en-US" dirty="0" smtClean="0">
+                <a:latin typeface="Arial" pitchFamily="34" charset="0"/>
+                <a:cs typeface="Arial" pitchFamily="34" charset="0"/>
+              </a:rPr>
+              <a:t> 2013)</a:t>
+            </a:r>
+          </a:p>
+          <a:p>
+            <a:pPr algn="just">
+              <a:spcAft>
+                <a:spcPts val="600"/>
+              </a:spcAft>
+            </a:pPr>
+            <a:r>
+              <a:rPr lang="en-US" dirty="0" smtClean="0">
+                <a:latin typeface="Arial" pitchFamily="34" charset="0"/>
+                <a:cs typeface="Arial" pitchFamily="34" charset="0"/>
+              </a:rPr>
+              <a:t>Investment is a 2-step process</a:t>
+            </a:r>
+            <a:endParaRPr lang="en-US" dirty="0">
+              <a:latin typeface="Arial" pitchFamily="34" charset="0"/>
+              <a:cs typeface="Arial" pitchFamily="34" charset="0"/>
+            </a:endParaRPr>
+          </a:p>
+          <a:p>
+            <a:pPr lvl="1" algn="just">
+              <a:spcAft>
+                <a:spcPts val="600"/>
+              </a:spcAft>
+            </a:pPr>
+            <a:r>
+              <a:rPr lang="en-US" dirty="0" smtClean="0">
+                <a:latin typeface="Arial" pitchFamily="34" charset="0"/>
+                <a:cs typeface="Arial" pitchFamily="34" charset="0"/>
+              </a:rPr>
+              <a:t>Gather information (via Google search)</a:t>
+            </a:r>
+          </a:p>
+          <a:p>
+            <a:pPr lvl="1" algn="just">
+              <a:spcAft>
+                <a:spcPts val="600"/>
+              </a:spcAft>
+            </a:pPr>
+            <a:r>
+              <a:rPr lang="en-US" dirty="0" smtClean="0">
+                <a:latin typeface="Arial" pitchFamily="34" charset="0"/>
+                <a:cs typeface="Arial" pitchFamily="34" charset="0"/>
+              </a:rPr>
+              <a:t>Invest</a:t>
+            </a:r>
+            <a:endParaRPr lang="en-US" dirty="0">
+              <a:latin typeface="Arial" pitchFamily="34" charset="0"/>
+              <a:cs typeface="Arial" pitchFamily="34" charset="0"/>
+            </a:endParaRPr>
+          </a:p>
+          <a:p>
+            <a:pPr algn="just">
+              <a:spcAft>
+                <a:spcPts val="600"/>
+              </a:spcAft>
+            </a:pPr>
+            <a:endParaRPr lang="en-US" dirty="0" smtClean="0">
+              <a:latin typeface="Arial" pitchFamily="34" charset="0"/>
+              <a:cs typeface="Arial" pitchFamily="34" charset="0"/>
+            </a:endParaRPr>
+          </a:p>
+          <a:p>
+            <a:pPr algn="just">
+              <a:spcAft>
+                <a:spcPts val="600"/>
+              </a:spcAft>
+            </a:pPr>
+            <a:r>
+              <a:rPr lang="en-US" dirty="0" smtClean="0">
+                <a:latin typeface="Arial" pitchFamily="34" charset="0"/>
+                <a:cs typeface="Arial" pitchFamily="34" charset="0"/>
+              </a:rPr>
+              <a:t>Google search volume </a:t>
+            </a:r>
+            <a:r>
+              <a:rPr lang="en-US" dirty="0" smtClean="0">
+                <a:latin typeface="Arial" pitchFamily="34" charset="0"/>
+                <a:cs typeface="Arial" pitchFamily="34" charset="0"/>
+                <a:sym typeface="Wingdings"/>
+              </a:rPr>
+              <a:t> Stock price</a:t>
+            </a:r>
+            <a:endParaRPr lang="en-US" dirty="0">
+              <a:latin typeface="Arial" pitchFamily="34" charset="0"/>
+              <a:cs typeface="Arial" pitchFamily="34" charset="0"/>
+            </a:endParaRPr>
+          </a:p>
+        </p:txBody>
+      </p:sp>
+      <p:pic>
+        <p:nvPicPr>
+          <p:cNvPr id="7" name="Picture 6" descr="Screen Shot 2015-04-22 at 3.26.19 PM.png"/>
+          <p:cNvPicPr>
+            <a:picLocks noChangeAspect="1"/>
+          </p:cNvPicPr>
+          <p:nvPr/>
+        </p:nvPicPr>
+        <p:blipFill>
+          <a:blip r:embed="rId3">
+            <a:extLst>
+              <a:ext uri="{28A0092B-C50C-407E-A947-70E740481C1C}">
+                <a14:useLocalDpi xmlns:a14="http://schemas.microsoft.com/office/drawing/2010/main" val="0"/>
+              </a:ext>
+            </a:extLst>
+          </a:blip>
+          <a:stretch>
+            <a:fillRect/>
+          </a:stretch>
+        </p:blipFill>
+        <p:spPr>
+          <a:xfrm>
+            <a:off x="3475835" y="4495800"/>
+            <a:ext cx="5668165" cy="2055389"/>
+          </a:xfrm>
+          <a:prstGeom prst="rect">
+            <a:avLst/>
+          </a:prstGeom>
+        </p:spPr>
+      </p:pic>
     </p:spTree>
+    <p:extLst>
+      <p:ext uri="{BB962C8B-B14F-4D97-AF65-F5344CB8AC3E}">
+        <p14:creationId xmlns:p14="http://schemas.microsoft.com/office/powerpoint/2010/main" val="1561910368"/>
+      </p:ext>
+    </p:extLst>
   </p:cSld>
   <p:clrMapOvr>
     <a:masterClrMapping/>
   </p:clrMapOvr>
-  <p:timing>
-    <p:tnLst>
-      <p:par>
-        <p:cTn id="1" dur="indefinite" restart="never" nodeType="tmRoot"/>
-      </p:par>
-    </p:tnLst>
-  </p:timing>
+</p:sld>
+</file>
+
+<file path=ppt/slides/slide16.xml><?xml version="1.0" encoding="utf-8"?>
+<p:sld xmlns:a="http://schemas.openxmlformats.org/drawingml/2006/main" xmlns:r="http://schemas.openxmlformats.org/officeDocument/2006/relationships" xmlns:p="http://schemas.openxmlformats.org/presentationml/2006/main">
+  <p:cSld>
+    <p:spTree>
+      <p:nvGrpSpPr>
+        <p:cNvPr id="1" name=""/>
+        <p:cNvGrpSpPr/>
+        <p:nvPr/>
+      </p:nvGrpSpPr>
+      <p:grpSpPr>
+        <a:xfrm>
+          <a:off x="0" y="0"/>
+          <a:ext cx="0" cy="0"/>
+          <a:chOff x="0" y="0"/>
+          <a:chExt cx="0" cy="0"/>
+        </a:xfrm>
+      </p:grpSpPr>
+      <p:pic>
+        <p:nvPicPr>
+          <p:cNvPr id="4" name="Picture 3" descr="bitcoin1.jpg"/>
+          <p:cNvPicPr>
+            <a:picLocks noChangeAspect="1"/>
+          </p:cNvPicPr>
+          <p:nvPr/>
+        </p:nvPicPr>
+        <p:blipFill>
+          <a:blip r:embed="rId2" cstate="print"/>
+          <a:stretch>
+            <a:fillRect/>
+          </a:stretch>
+        </p:blipFill>
+        <p:spPr>
+          <a:xfrm>
+            <a:off x="381000" y="304800"/>
+            <a:ext cx="914400" cy="914400"/>
+          </a:xfrm>
+          <a:prstGeom prst="rect">
+            <a:avLst/>
+          </a:prstGeom>
+        </p:spPr>
+      </p:pic>
+      <p:sp>
+        <p:nvSpPr>
+          <p:cNvPr id="5" name="Title 1"/>
+          <p:cNvSpPr>
+            <a:spLocks noGrp="1"/>
+          </p:cNvSpPr>
+          <p:nvPr>
+            <p:ph type="title"/>
+          </p:nvPr>
+        </p:nvSpPr>
+        <p:spPr>
+          <a:xfrm>
+            <a:off x="1371600" y="274638"/>
+            <a:ext cx="7315200" cy="1143000"/>
+          </a:xfrm>
+        </p:spPr>
+        <p:txBody>
+          <a:bodyPr/>
+          <a:lstStyle/>
+          <a:p>
+            <a:r>
+              <a:rPr lang="en-US" dirty="0" smtClean="0"/>
+              <a:t>Google trend analysis</a:t>
+            </a:r>
+            <a:endParaRPr lang="en-US" dirty="0"/>
+          </a:p>
+        </p:txBody>
+      </p:sp>
+      <p:sp>
+        <p:nvSpPr>
+          <p:cNvPr id="6" name="Content Placeholder 2"/>
+          <p:cNvSpPr>
+            <a:spLocks noGrp="1"/>
+          </p:cNvSpPr>
+          <p:nvPr>
+            <p:ph idx="1"/>
+          </p:nvPr>
+        </p:nvSpPr>
+        <p:spPr>
+          <a:xfrm>
+            <a:off x="457200" y="1481328"/>
+            <a:ext cx="8229600" cy="4525963"/>
+          </a:xfrm>
+        </p:spPr>
+        <p:txBody>
+          <a:bodyPr>
+            <a:normAutofit lnSpcReduction="10000"/>
+          </a:bodyPr>
+          <a:lstStyle/>
+          <a:p>
+            <a:pPr algn="just">
+              <a:spcAft>
+                <a:spcPts val="600"/>
+              </a:spcAft>
+            </a:pPr>
+            <a:r>
+              <a:rPr lang="en-US" dirty="0">
+                <a:latin typeface="Arial" pitchFamily="34" charset="0"/>
+                <a:cs typeface="Arial" pitchFamily="34" charset="0"/>
+              </a:rPr>
+              <a:t>Same works for </a:t>
+            </a:r>
+            <a:r>
+              <a:rPr lang="en-US" dirty="0" err="1">
+                <a:latin typeface="Arial" pitchFamily="34" charset="0"/>
+                <a:cs typeface="Arial" pitchFamily="34" charset="0"/>
+              </a:rPr>
+              <a:t>Bitcoin</a:t>
+            </a:r>
+            <a:r>
+              <a:rPr lang="en-US" dirty="0">
+                <a:latin typeface="Arial" pitchFamily="34" charset="0"/>
+                <a:cs typeface="Arial" pitchFamily="34" charset="0"/>
+              </a:rPr>
+              <a:t> too</a:t>
+            </a:r>
+            <a:r>
+              <a:rPr lang="en-US" dirty="0" smtClean="0">
+                <a:latin typeface="Arial" pitchFamily="34" charset="0"/>
+                <a:cs typeface="Arial" pitchFamily="34" charset="0"/>
+              </a:rPr>
+              <a:t>?</a:t>
+            </a:r>
+            <a:endParaRPr lang="en-US" dirty="0" smtClean="0">
+              <a:latin typeface="Arial" pitchFamily="34" charset="0"/>
+              <a:cs typeface="Arial" pitchFamily="34" charset="0"/>
+            </a:endParaRPr>
+          </a:p>
+          <a:p>
+            <a:pPr algn="just">
+              <a:spcAft>
+                <a:spcPts val="600"/>
+              </a:spcAft>
+            </a:pPr>
+            <a:r>
+              <a:rPr lang="en-US" dirty="0" smtClean="0">
+                <a:latin typeface="Arial" pitchFamily="34" charset="0"/>
+                <a:cs typeface="Arial" pitchFamily="34" charset="0"/>
+              </a:rPr>
+              <a:t>Data source</a:t>
+            </a:r>
+          </a:p>
+          <a:p>
+            <a:pPr lvl="1" algn="just">
+              <a:spcAft>
+                <a:spcPts val="600"/>
+              </a:spcAft>
+            </a:pPr>
+            <a:r>
+              <a:rPr lang="en-US" dirty="0" smtClean="0">
+                <a:latin typeface="Arial" pitchFamily="34" charset="0"/>
+                <a:cs typeface="Arial" pitchFamily="34" charset="0"/>
+              </a:rPr>
+              <a:t>Google search interest index (SI): 0-100</a:t>
+            </a:r>
+          </a:p>
+          <a:p>
+            <a:pPr lvl="2" algn="just">
+              <a:spcAft>
+                <a:spcPts val="600"/>
+              </a:spcAft>
+            </a:pPr>
+            <a:r>
+              <a:rPr lang="en-US" dirty="0" smtClean="0">
+                <a:latin typeface="Arial" pitchFamily="34" charset="0"/>
+                <a:cs typeface="Arial" pitchFamily="34" charset="0"/>
+              </a:rPr>
+              <a:t>Keyword: </a:t>
+            </a:r>
+            <a:r>
+              <a:rPr lang="en-US" dirty="0" err="1" smtClean="0">
+                <a:latin typeface="Arial" pitchFamily="34" charset="0"/>
+                <a:cs typeface="Arial" pitchFamily="34" charset="0"/>
+              </a:rPr>
+              <a:t>bitcoin</a:t>
+            </a:r>
+            <a:endParaRPr lang="en-US" dirty="0" smtClean="0">
+              <a:latin typeface="Arial" pitchFamily="34" charset="0"/>
+              <a:cs typeface="Arial" pitchFamily="34" charset="0"/>
+            </a:endParaRPr>
+          </a:p>
+          <a:p>
+            <a:pPr lvl="1" algn="just">
+              <a:spcAft>
+                <a:spcPts val="600"/>
+              </a:spcAft>
+            </a:pPr>
+            <a:r>
+              <a:rPr lang="en-US" dirty="0" err="1" smtClean="0">
+                <a:latin typeface="Arial" pitchFamily="34" charset="0"/>
+                <a:cs typeface="Arial" pitchFamily="34" charset="0"/>
+              </a:rPr>
+              <a:t>Bitcoin</a:t>
+            </a:r>
+            <a:r>
+              <a:rPr lang="en-US" dirty="0" smtClean="0">
+                <a:latin typeface="Arial" pitchFamily="34" charset="0"/>
+                <a:cs typeface="Arial" pitchFamily="34" charset="0"/>
+              </a:rPr>
+              <a:t> price data</a:t>
+            </a:r>
+          </a:p>
+          <a:p>
+            <a:pPr algn="just">
+              <a:spcAft>
+                <a:spcPts val="600"/>
+              </a:spcAft>
+            </a:pPr>
+            <a:r>
+              <a:rPr lang="en-US" dirty="0" smtClean="0">
+                <a:latin typeface="Arial" pitchFamily="34" charset="0"/>
+                <a:cs typeface="Arial" pitchFamily="34" charset="0"/>
+              </a:rPr>
+              <a:t>Preprocessing</a:t>
+            </a:r>
+          </a:p>
+          <a:p>
+            <a:pPr lvl="1" algn="just">
+              <a:spcAft>
+                <a:spcPts val="600"/>
+              </a:spcAft>
+            </a:pPr>
+            <a:r>
+              <a:rPr lang="en-US" dirty="0" smtClean="0">
+                <a:latin typeface="Arial" pitchFamily="34" charset="0"/>
+                <a:cs typeface="Arial" pitchFamily="34" charset="0"/>
+              </a:rPr>
+              <a:t>Sampled price data to be weekly to align with search data</a:t>
+            </a:r>
+          </a:p>
+          <a:p>
+            <a:pPr lvl="1" algn="just">
+              <a:spcAft>
+                <a:spcPts val="600"/>
+              </a:spcAft>
+            </a:pPr>
+            <a:r>
+              <a:rPr lang="en-US" dirty="0" smtClean="0">
+                <a:latin typeface="Arial" pitchFamily="34" charset="0"/>
+                <a:cs typeface="Arial" pitchFamily="34" charset="0"/>
+              </a:rPr>
+              <a:t>Only used data of 2012-2015 as earlier search data is too small</a:t>
+            </a:r>
+            <a:endParaRPr lang="en-US" dirty="0">
+              <a:latin typeface="Arial" pitchFamily="34" charset="0"/>
+              <a:cs typeface="Arial" pitchFamily="34" charset="0"/>
+            </a:endParaRPr>
+          </a:p>
+        </p:txBody>
+      </p:sp>
+    </p:spTree>
+    <p:extLst>
+      <p:ext uri="{BB962C8B-B14F-4D97-AF65-F5344CB8AC3E}">
+        <p14:creationId xmlns:p14="http://schemas.microsoft.com/office/powerpoint/2010/main" val="1898863101"/>
+      </p:ext>
+    </p:extLst>
+  </p:cSld>
+  <p:clrMapOvr>
+    <a:masterClrMapping/>
+  </p:clrMapOvr>
+</p:sld>
+</file>
+
+<file path=ppt/slides/slide17.xml><?xml version="1.0" encoding="utf-8"?>
+<p:sld xmlns:a="http://schemas.openxmlformats.org/drawingml/2006/main" xmlns:r="http://schemas.openxmlformats.org/officeDocument/2006/relationships" xmlns:p="http://schemas.openxmlformats.org/presentationml/2006/main">
+  <p:cSld>
+    <p:spTree>
+      <p:nvGrpSpPr>
+        <p:cNvPr id="1" name=""/>
+        <p:cNvGrpSpPr/>
+        <p:nvPr/>
+      </p:nvGrpSpPr>
+      <p:grpSpPr>
+        <a:xfrm>
+          <a:off x="0" y="0"/>
+          <a:ext cx="0" cy="0"/>
+          <a:chOff x="0" y="0"/>
+          <a:chExt cx="0" cy="0"/>
+        </a:xfrm>
+      </p:grpSpPr>
+      <p:pic>
+        <p:nvPicPr>
+          <p:cNvPr id="4" name="Picture 3" descr="bitcoin1.jpg"/>
+          <p:cNvPicPr>
+            <a:picLocks noChangeAspect="1"/>
+          </p:cNvPicPr>
+          <p:nvPr/>
+        </p:nvPicPr>
+        <p:blipFill>
+          <a:blip r:embed="rId2" cstate="print"/>
+          <a:stretch>
+            <a:fillRect/>
+          </a:stretch>
+        </p:blipFill>
+        <p:spPr>
+          <a:xfrm>
+            <a:off x="381000" y="304800"/>
+            <a:ext cx="914400" cy="914400"/>
+          </a:xfrm>
+          <a:prstGeom prst="rect">
+            <a:avLst/>
+          </a:prstGeom>
+        </p:spPr>
+      </p:pic>
+      <p:sp>
+        <p:nvSpPr>
+          <p:cNvPr id="5" name="Title 1"/>
+          <p:cNvSpPr>
+            <a:spLocks noGrp="1"/>
+          </p:cNvSpPr>
+          <p:nvPr>
+            <p:ph type="title"/>
+          </p:nvPr>
+        </p:nvSpPr>
+        <p:spPr>
+          <a:xfrm>
+            <a:off x="1371600" y="274638"/>
+            <a:ext cx="7315200" cy="1143000"/>
+          </a:xfrm>
+        </p:spPr>
+        <p:txBody>
+          <a:bodyPr/>
+          <a:lstStyle/>
+          <a:p>
+            <a:r>
+              <a:rPr lang="en-US" dirty="0" smtClean="0"/>
+              <a:t>Google trend analysis</a:t>
+            </a:r>
+            <a:endParaRPr lang="en-US" dirty="0"/>
+          </a:p>
+        </p:txBody>
+      </p:sp>
+      <p:sp>
+        <p:nvSpPr>
+          <p:cNvPr id="6" name="Content Placeholder 2"/>
+          <p:cNvSpPr>
+            <a:spLocks noGrp="1"/>
+          </p:cNvSpPr>
+          <p:nvPr>
+            <p:ph idx="1"/>
+          </p:nvPr>
+        </p:nvSpPr>
+        <p:spPr>
+          <a:xfrm>
+            <a:off x="457200" y="1481328"/>
+            <a:ext cx="8229600" cy="4525963"/>
+          </a:xfrm>
+        </p:spPr>
+        <p:txBody>
+          <a:bodyPr/>
+          <a:lstStyle/>
+          <a:p>
+            <a:pPr algn="just">
+              <a:spcAft>
+                <a:spcPts val="600"/>
+              </a:spcAft>
+            </a:pPr>
+            <a:r>
+              <a:rPr lang="en-US" dirty="0" smtClean="0">
+                <a:latin typeface="Arial" pitchFamily="34" charset="0"/>
+                <a:cs typeface="Arial" pitchFamily="34" charset="0"/>
+              </a:rPr>
+              <a:t>Same works for </a:t>
+            </a:r>
+            <a:r>
+              <a:rPr lang="en-US" dirty="0" err="1" smtClean="0">
+                <a:latin typeface="Arial" pitchFamily="34" charset="0"/>
+                <a:cs typeface="Arial" pitchFamily="34" charset="0"/>
+              </a:rPr>
+              <a:t>Bitcoin</a:t>
+            </a:r>
+            <a:r>
+              <a:rPr lang="en-US" dirty="0" smtClean="0">
+                <a:latin typeface="Arial" pitchFamily="34" charset="0"/>
+                <a:cs typeface="Arial" pitchFamily="34" charset="0"/>
+              </a:rPr>
+              <a:t> too?</a:t>
+            </a:r>
+            <a:endParaRPr lang="en-US" dirty="0">
+              <a:latin typeface="Arial" pitchFamily="34" charset="0"/>
+              <a:cs typeface="Arial" pitchFamily="34" charset="0"/>
+            </a:endParaRPr>
+          </a:p>
+        </p:txBody>
+      </p:sp>
+      <p:pic>
+        <p:nvPicPr>
+          <p:cNvPr id="2" name="Picture 1" descr="googletrend1.png"/>
+          <p:cNvPicPr>
+            <a:picLocks noChangeAspect="1"/>
+          </p:cNvPicPr>
+          <p:nvPr/>
+        </p:nvPicPr>
+        <p:blipFill>
+          <a:blip r:embed="rId3">
+            <a:extLst>
+              <a:ext uri="{28A0092B-C50C-407E-A947-70E740481C1C}">
+                <a14:useLocalDpi xmlns:a14="http://schemas.microsoft.com/office/drawing/2010/main" val="0"/>
+              </a:ext>
+            </a:extLst>
+          </a:blip>
+          <a:stretch>
+            <a:fillRect/>
+          </a:stretch>
+        </p:blipFill>
+        <p:spPr>
+          <a:xfrm>
+            <a:off x="1524000" y="1981200"/>
+            <a:ext cx="6595748" cy="3550170"/>
+          </a:xfrm>
+          <a:prstGeom prst="rect">
+            <a:avLst/>
+          </a:prstGeom>
+        </p:spPr>
+      </p:pic>
+      <p:sp>
+        <p:nvSpPr>
+          <p:cNvPr id="3" name="TextBox 2"/>
+          <p:cNvSpPr txBox="1"/>
+          <p:nvPr/>
+        </p:nvSpPr>
+        <p:spPr>
+          <a:xfrm>
+            <a:off x="3810000" y="5638800"/>
+            <a:ext cx="3345424" cy="369332"/>
+          </a:xfrm>
+          <a:prstGeom prst="rect">
+            <a:avLst/>
+          </a:prstGeom>
+          <a:noFill/>
+        </p:spPr>
+        <p:txBody>
+          <a:bodyPr wrap="none" rtlCol="0">
+            <a:spAutoFit/>
+          </a:bodyPr>
+          <a:lstStyle/>
+          <a:p>
+            <a:r>
+              <a:rPr lang="en-US" dirty="0" smtClean="0"/>
+              <a:t>Correlation 0.73, very high!</a:t>
+            </a:r>
+          </a:p>
+        </p:txBody>
+      </p:sp>
+    </p:spTree>
+    <p:extLst>
+      <p:ext uri="{BB962C8B-B14F-4D97-AF65-F5344CB8AC3E}">
+        <p14:creationId xmlns:p14="http://schemas.microsoft.com/office/powerpoint/2010/main" val="2383779861"/>
+      </p:ext>
+    </p:extLst>
+  </p:cSld>
+  <p:clrMapOvr>
+    <a:masterClrMapping/>
+  </p:clrMapOvr>
+</p:sld>
+</file>
+
+<file path=ppt/slides/slide18.xml><?xml version="1.0" encoding="utf-8"?>
+<p:sld xmlns:a="http://schemas.openxmlformats.org/drawingml/2006/main" xmlns:r="http://schemas.openxmlformats.org/officeDocument/2006/relationships" xmlns:p="http://schemas.openxmlformats.org/presentationml/2006/main">
+  <p:cSld>
+    <p:spTree>
+      <p:nvGrpSpPr>
+        <p:cNvPr id="1" name=""/>
+        <p:cNvGrpSpPr/>
+        <p:nvPr/>
+      </p:nvGrpSpPr>
+      <p:grpSpPr>
+        <a:xfrm>
+          <a:off x="0" y="0"/>
+          <a:ext cx="0" cy="0"/>
+          <a:chOff x="0" y="0"/>
+          <a:chExt cx="0" cy="0"/>
+        </a:xfrm>
+      </p:grpSpPr>
+      <p:pic>
+        <p:nvPicPr>
+          <p:cNvPr id="4" name="Picture 3" descr="bitcoin1.jpg"/>
+          <p:cNvPicPr>
+            <a:picLocks noChangeAspect="1"/>
+          </p:cNvPicPr>
+          <p:nvPr/>
+        </p:nvPicPr>
+        <p:blipFill>
+          <a:blip r:embed="rId2" cstate="print"/>
+          <a:stretch>
+            <a:fillRect/>
+          </a:stretch>
+        </p:blipFill>
+        <p:spPr>
+          <a:xfrm>
+            <a:off x="381000" y="304800"/>
+            <a:ext cx="914400" cy="914400"/>
+          </a:xfrm>
+          <a:prstGeom prst="rect">
+            <a:avLst/>
+          </a:prstGeom>
+        </p:spPr>
+      </p:pic>
+      <p:sp>
+        <p:nvSpPr>
+          <p:cNvPr id="5" name="Title 1"/>
+          <p:cNvSpPr>
+            <a:spLocks noGrp="1"/>
+          </p:cNvSpPr>
+          <p:nvPr>
+            <p:ph type="title"/>
+          </p:nvPr>
+        </p:nvSpPr>
+        <p:spPr>
+          <a:xfrm>
+            <a:off x="1371600" y="274638"/>
+            <a:ext cx="7315200" cy="1143000"/>
+          </a:xfrm>
+        </p:spPr>
+        <p:txBody>
+          <a:bodyPr/>
+          <a:lstStyle/>
+          <a:p>
+            <a:r>
+              <a:rPr lang="en-US" dirty="0" smtClean="0"/>
+              <a:t>Google trend analysis</a:t>
+            </a:r>
+            <a:endParaRPr lang="en-US" dirty="0"/>
+          </a:p>
+        </p:txBody>
+      </p:sp>
+      <p:sp>
+        <p:nvSpPr>
+          <p:cNvPr id="6" name="Content Placeholder 2"/>
+          <p:cNvSpPr>
+            <a:spLocks noGrp="1"/>
+          </p:cNvSpPr>
+          <p:nvPr>
+            <p:ph idx="1"/>
+          </p:nvPr>
+        </p:nvSpPr>
+        <p:spPr>
+          <a:xfrm>
+            <a:off x="457200" y="1481328"/>
+            <a:ext cx="8229600" cy="4525963"/>
+          </a:xfrm>
+        </p:spPr>
+        <p:txBody>
+          <a:bodyPr/>
+          <a:lstStyle/>
+          <a:p>
+            <a:pPr algn="just">
+              <a:spcAft>
+                <a:spcPts val="600"/>
+              </a:spcAft>
+            </a:pPr>
+            <a:r>
+              <a:rPr lang="en-US" dirty="0" smtClean="0">
+                <a:latin typeface="Arial" pitchFamily="34" charset="0"/>
+                <a:cs typeface="Arial" pitchFamily="34" charset="0"/>
+              </a:rPr>
+              <a:t>Algorithm</a:t>
+            </a:r>
+          </a:p>
+          <a:p>
+            <a:pPr lvl="1" algn="just">
+              <a:spcAft>
+                <a:spcPts val="600"/>
+              </a:spcAft>
+            </a:pPr>
+            <a:r>
+              <a:rPr lang="en-US" dirty="0" smtClean="0">
+                <a:latin typeface="Arial" pitchFamily="34" charset="0"/>
+                <a:cs typeface="Arial" pitchFamily="34" charset="0"/>
+              </a:rPr>
+              <a:t>Scenario: to predict if price of next week will rise or fall</a:t>
+            </a:r>
+          </a:p>
+          <a:p>
+            <a:pPr lvl="1" algn="just">
+              <a:spcAft>
+                <a:spcPts val="600"/>
+              </a:spcAft>
+            </a:pPr>
+            <a:r>
+              <a:rPr lang="en-US" dirty="0" smtClean="0">
+                <a:latin typeface="Arial" pitchFamily="34" charset="0"/>
+                <a:cs typeface="Arial" pitchFamily="34" charset="0"/>
+              </a:rPr>
+              <a:t>Given historical data</a:t>
+            </a:r>
+          </a:p>
+          <a:p>
+            <a:pPr algn="just">
+              <a:spcAft>
+                <a:spcPts val="600"/>
+              </a:spcAft>
+            </a:pPr>
+            <a:r>
+              <a:rPr lang="en-US" dirty="0" smtClean="0">
+                <a:latin typeface="Arial" pitchFamily="34" charset="0"/>
+                <a:cs typeface="Arial" pitchFamily="34" charset="0"/>
+              </a:rPr>
+              <a:t>For week </a:t>
+            </a:r>
+            <a:r>
+              <a:rPr lang="en-US" dirty="0" err="1" smtClean="0">
+                <a:latin typeface="Arial" pitchFamily="34" charset="0"/>
+                <a:cs typeface="Arial" pitchFamily="34" charset="0"/>
+              </a:rPr>
+              <a:t>i</a:t>
+            </a:r>
+            <a:endParaRPr lang="en-US" dirty="0" smtClean="0">
+              <a:latin typeface="Arial" pitchFamily="34" charset="0"/>
+              <a:cs typeface="Arial" pitchFamily="34" charset="0"/>
+            </a:endParaRPr>
+          </a:p>
+          <a:p>
+            <a:pPr lvl="1" algn="just">
+              <a:spcAft>
+                <a:spcPts val="600"/>
+              </a:spcAft>
+            </a:pPr>
+            <a:r>
+              <a:rPr lang="en-US" dirty="0" smtClean="0">
+                <a:latin typeface="Arial" pitchFamily="34" charset="0"/>
+                <a:cs typeface="Arial" pitchFamily="34" charset="0"/>
+              </a:rPr>
+              <a:t>SI of week </a:t>
+            </a:r>
+            <a:r>
+              <a:rPr lang="en-US" dirty="0" err="1" smtClean="0">
+                <a:latin typeface="Arial" pitchFamily="34" charset="0"/>
+                <a:cs typeface="Arial" pitchFamily="34" charset="0"/>
+              </a:rPr>
+              <a:t>i</a:t>
+            </a:r>
+            <a:r>
+              <a:rPr lang="en-US" dirty="0" smtClean="0">
+                <a:latin typeface="Arial" pitchFamily="34" charset="0"/>
+                <a:cs typeface="Arial" pitchFamily="34" charset="0"/>
+              </a:rPr>
+              <a:t> &gt; average of SI of previous t weeks =&gt; predict price to fall (-)</a:t>
+            </a:r>
+          </a:p>
+          <a:p>
+            <a:pPr lvl="1" algn="just">
+              <a:spcAft>
+                <a:spcPts val="600"/>
+              </a:spcAft>
+            </a:pPr>
+            <a:r>
+              <a:rPr lang="en-US" dirty="0" smtClean="0">
+                <a:latin typeface="Arial" pitchFamily="34" charset="0"/>
+                <a:cs typeface="Arial" pitchFamily="34" charset="0"/>
+              </a:rPr>
+              <a:t>Otherwise, predict price to rise (+)</a:t>
+            </a:r>
+          </a:p>
+          <a:p>
+            <a:pPr lvl="1" algn="just">
+              <a:spcAft>
+                <a:spcPts val="600"/>
+              </a:spcAft>
+            </a:pPr>
+            <a:endParaRPr lang="en-US" dirty="0" smtClean="0">
+              <a:latin typeface="Arial" pitchFamily="34" charset="0"/>
+              <a:cs typeface="Arial" pitchFamily="34" charset="0"/>
+            </a:endParaRPr>
+          </a:p>
+          <a:p>
+            <a:pPr lvl="1" algn="just">
+              <a:spcAft>
+                <a:spcPts val="600"/>
+              </a:spcAft>
+            </a:pPr>
+            <a:endParaRPr lang="en-US" dirty="0" smtClean="0">
+              <a:latin typeface="Arial" pitchFamily="34" charset="0"/>
+              <a:cs typeface="Arial" pitchFamily="34" charset="0"/>
+            </a:endParaRPr>
+          </a:p>
+        </p:txBody>
+      </p:sp>
+    </p:spTree>
+    <p:extLst>
+      <p:ext uri="{BB962C8B-B14F-4D97-AF65-F5344CB8AC3E}">
+        <p14:creationId xmlns:p14="http://schemas.microsoft.com/office/powerpoint/2010/main" val="2938407280"/>
+      </p:ext>
+    </p:extLst>
+  </p:cSld>
+  <p:clrMapOvr>
+    <a:masterClrMapping/>
+  </p:clrMapOvr>
+</p:sld>
+</file>
+
+<file path=ppt/slides/slide19.xml><?xml version="1.0" encoding="utf-8"?>
+<p:sld xmlns:a="http://schemas.openxmlformats.org/drawingml/2006/main" xmlns:r="http://schemas.openxmlformats.org/officeDocument/2006/relationships" xmlns:p="http://schemas.openxmlformats.org/presentationml/2006/main">
+  <p:cSld>
+    <p:spTree>
+      <p:nvGrpSpPr>
+        <p:cNvPr id="1" name=""/>
+        <p:cNvGrpSpPr/>
+        <p:nvPr/>
+      </p:nvGrpSpPr>
+      <p:grpSpPr>
+        <a:xfrm>
+          <a:off x="0" y="0"/>
+          <a:ext cx="0" cy="0"/>
+          <a:chOff x="0" y="0"/>
+          <a:chExt cx="0" cy="0"/>
+        </a:xfrm>
+      </p:grpSpPr>
+      <p:pic>
+        <p:nvPicPr>
+          <p:cNvPr id="4" name="Picture 3" descr="bitcoin1.jpg"/>
+          <p:cNvPicPr>
+            <a:picLocks noChangeAspect="1"/>
+          </p:cNvPicPr>
+          <p:nvPr/>
+        </p:nvPicPr>
+        <p:blipFill>
+          <a:blip r:embed="rId2" cstate="print"/>
+          <a:stretch>
+            <a:fillRect/>
+          </a:stretch>
+        </p:blipFill>
+        <p:spPr>
+          <a:xfrm>
+            <a:off x="381000" y="304800"/>
+            <a:ext cx="914400" cy="914400"/>
+          </a:xfrm>
+          <a:prstGeom prst="rect">
+            <a:avLst/>
+          </a:prstGeom>
+        </p:spPr>
+      </p:pic>
+      <p:sp>
+        <p:nvSpPr>
+          <p:cNvPr id="5" name="Title 1"/>
+          <p:cNvSpPr>
+            <a:spLocks noGrp="1"/>
+          </p:cNvSpPr>
+          <p:nvPr>
+            <p:ph type="title"/>
+          </p:nvPr>
+        </p:nvSpPr>
+        <p:spPr>
+          <a:xfrm>
+            <a:off x="1371600" y="274638"/>
+            <a:ext cx="7315200" cy="1143000"/>
+          </a:xfrm>
+        </p:spPr>
+        <p:txBody>
+          <a:bodyPr/>
+          <a:lstStyle/>
+          <a:p>
+            <a:r>
+              <a:rPr lang="en-US" dirty="0" smtClean="0"/>
+              <a:t>Google trend analysis</a:t>
+            </a:r>
+            <a:endParaRPr lang="en-US" dirty="0"/>
+          </a:p>
+        </p:txBody>
+      </p:sp>
+      <p:sp>
+        <p:nvSpPr>
+          <p:cNvPr id="6" name="Content Placeholder 2"/>
+          <p:cNvSpPr>
+            <a:spLocks noGrp="1"/>
+          </p:cNvSpPr>
+          <p:nvPr>
+            <p:ph idx="1"/>
+          </p:nvPr>
+        </p:nvSpPr>
+        <p:spPr>
+          <a:xfrm>
+            <a:off x="457200" y="1481328"/>
+            <a:ext cx="8229600" cy="4525963"/>
+          </a:xfrm>
+        </p:spPr>
+        <p:txBody>
+          <a:bodyPr/>
+          <a:lstStyle/>
+          <a:p>
+            <a:pPr algn="just">
+              <a:spcAft>
+                <a:spcPts val="600"/>
+              </a:spcAft>
+            </a:pPr>
+            <a:r>
+              <a:rPr lang="en-US" dirty="0" smtClean="0">
+                <a:latin typeface="Arial" pitchFamily="34" charset="0"/>
+                <a:cs typeface="Arial" pitchFamily="34" charset="0"/>
+              </a:rPr>
+              <a:t>Results</a:t>
+            </a:r>
+          </a:p>
+          <a:p>
+            <a:pPr lvl="1" algn="just">
+              <a:spcAft>
+                <a:spcPts val="600"/>
+              </a:spcAft>
+            </a:pPr>
+            <a:r>
+              <a:rPr lang="en-US" dirty="0" smtClean="0">
+                <a:latin typeface="Arial" pitchFamily="34" charset="0"/>
+                <a:cs typeface="Arial" pitchFamily="34" charset="0"/>
+              </a:rPr>
+              <a:t>Use data of 2012-2015, 173 data points</a:t>
+            </a:r>
+          </a:p>
+          <a:p>
+            <a:pPr lvl="1" algn="just">
+              <a:spcAft>
+                <a:spcPts val="600"/>
+              </a:spcAft>
+            </a:pPr>
+            <a:r>
+              <a:rPr lang="en-US" dirty="0" smtClean="0">
+                <a:latin typeface="Arial" pitchFamily="34" charset="0"/>
+                <a:cs typeface="Arial" pitchFamily="34" charset="0"/>
+              </a:rPr>
+              <a:t>Correct prediction: 42.4%</a:t>
+            </a:r>
+          </a:p>
+          <a:p>
+            <a:pPr lvl="1" algn="just">
+              <a:spcAft>
+                <a:spcPts val="600"/>
+              </a:spcAft>
+            </a:pPr>
+            <a:r>
+              <a:rPr lang="en-US" dirty="0" smtClean="0">
+                <a:latin typeface="Arial" pitchFamily="34" charset="0"/>
+                <a:cs typeface="Arial" pitchFamily="34" charset="0"/>
+              </a:rPr>
+              <a:t>Worse than random guess!</a:t>
+            </a:r>
+          </a:p>
+          <a:p>
+            <a:pPr algn="just">
+              <a:spcAft>
+                <a:spcPts val="600"/>
+              </a:spcAft>
+            </a:pPr>
+            <a:r>
+              <a:rPr lang="en-US" dirty="0" smtClean="0">
+                <a:latin typeface="Arial" pitchFamily="34" charset="0"/>
+                <a:cs typeface="Arial" pitchFamily="34" charset="0"/>
+              </a:rPr>
+              <a:t>Reason</a:t>
+            </a:r>
+          </a:p>
+          <a:p>
+            <a:pPr lvl="1" algn="just">
+              <a:spcAft>
+                <a:spcPts val="600"/>
+              </a:spcAft>
+            </a:pPr>
+            <a:r>
+              <a:rPr lang="en-US" dirty="0" smtClean="0">
+                <a:latin typeface="Arial" pitchFamily="34" charset="0"/>
+                <a:cs typeface="Arial" pitchFamily="34" charset="0"/>
+              </a:rPr>
+              <a:t>Different metric: SI is normalized while search volume is not</a:t>
+            </a:r>
+          </a:p>
+          <a:p>
+            <a:pPr lvl="1" algn="just">
+              <a:spcAft>
+                <a:spcPts val="600"/>
+              </a:spcAft>
+            </a:pPr>
+            <a:r>
+              <a:rPr lang="en-US" dirty="0" smtClean="0">
+                <a:latin typeface="Arial" pitchFamily="34" charset="0"/>
+                <a:cs typeface="Arial" pitchFamily="34" charset="0"/>
+              </a:rPr>
+              <a:t>Different investment logic</a:t>
+            </a:r>
+          </a:p>
+        </p:txBody>
+      </p:sp>
+    </p:spTree>
+    <p:extLst>
+      <p:ext uri="{BB962C8B-B14F-4D97-AF65-F5344CB8AC3E}">
+        <p14:creationId xmlns:p14="http://schemas.microsoft.com/office/powerpoint/2010/main" val="4004171504"/>
+      </p:ext>
+    </p:extLst>
+  </p:cSld>
+  <p:clrMapOvr>
+    <a:masterClrMapping/>
+  </p:clrMapOvr>
 </p:sld>
 </file>
 
@@ -7429,14 +8557,7 @@
                 <a:latin typeface="Arial" pitchFamily="34" charset="0"/>
                 <a:cs typeface="Arial" pitchFamily="34" charset="0"/>
               </a:rPr>
-              <a:t>B</a:t>
-            </a:r>
-            <a:r>
-              <a:rPr lang="en-US" dirty="0" err="1" smtClean="0">
-                <a:latin typeface="Arial" pitchFamily="34" charset="0"/>
-                <a:cs typeface="Arial" pitchFamily="34" charset="0"/>
-              </a:rPr>
-              <a:t>itcoin</a:t>
+              <a:t>Bitcoin</a:t>
             </a:r>
             <a:r>
               <a:rPr lang="en-US" dirty="0" smtClean="0">
@@ -7469,14 +8590,7 @@
                 <a:latin typeface="Arial" pitchFamily="34" charset="0"/>
                 <a:cs typeface="Arial" pitchFamily="34" charset="0"/>
               </a:rPr>
-              <a:t> </a:t>
-            </a:r>
-            <a:r>
-              <a:rPr lang="en-US" sz="2700" dirty="0" smtClean="0">
-                <a:latin typeface="Arial" pitchFamily="34" charset="0"/>
-                <a:cs typeface="Arial" pitchFamily="34" charset="0"/>
-              </a:rPr>
-              <a:t>Created and held electronically in 2009;</a:t>
+              <a:t> Created and held electronically in 2009;</a:t>
             </a:r>
           </a:p>
           <a:p>
@@ -7489,14 +8603,7 @@
                 <a:latin typeface="Arial" pitchFamily="34" charset="0"/>
                 <a:cs typeface="Arial" pitchFamily="34" charset="0"/>
               </a:rPr>
-              <a:t> </a:t>
-            </a:r>
-            <a:r>
-              <a:rPr lang="en-US" sz="2700" dirty="0" smtClean="0">
-                <a:latin typeface="Arial" pitchFamily="34" charset="0"/>
-                <a:cs typeface="Arial" pitchFamily="34" charset="0"/>
-              </a:rPr>
-              <a:t>Decentralized, no middle bank;</a:t>
+              <a:t> Decentralized, no middle bank;</a:t>
             </a:r>
           </a:p>
           <a:p>
@@ -7509,14 +8616,7 @@
                 <a:latin typeface="Arial" pitchFamily="34" charset="0"/>
                 <a:cs typeface="Arial" pitchFamily="34" charset="0"/>
               </a:rPr>
-              <a:t> </a:t>
-            </a:r>
-            <a:r>
-              <a:rPr lang="en-US" sz="2700" dirty="0" smtClean="0">
-                <a:latin typeface="Arial" pitchFamily="34" charset="0"/>
-                <a:cs typeface="Arial" pitchFamily="34" charset="0"/>
-              </a:rPr>
-              <a:t>No physical printed version;</a:t>
+              <a:t> No physical printed version;</a:t>
             </a:r>
           </a:p>
           <a:p>
@@ -7529,14 +8629,7 @@
                 <a:latin typeface="Arial" pitchFamily="34" charset="0"/>
                 <a:cs typeface="Arial" pitchFamily="34" charset="0"/>
               </a:rPr>
-              <a:t> </a:t>
-            </a:r>
-            <a:r>
-              <a:rPr lang="en-US" sz="2700" dirty="0" smtClean="0">
-                <a:latin typeface="Arial" pitchFamily="34" charset="0"/>
-                <a:cs typeface="Arial" pitchFamily="34" charset="0"/>
-              </a:rPr>
-              <a:t>Anonymous;</a:t>
+              <a:t> Anonymous;</a:t>
             </a:r>
           </a:p>
           <a:p>
@@ -7549,14 +8642,7 @@
                 <a:latin typeface="Arial" pitchFamily="34" charset="0"/>
                 <a:cs typeface="Arial" pitchFamily="34" charset="0"/>
               </a:rPr>
-              <a:t> </a:t>
-            </a:r>
-            <a:r>
-              <a:rPr lang="en-US" sz="2700" dirty="0" smtClean="0">
-                <a:latin typeface="Arial" pitchFamily="34" charset="0"/>
-                <a:cs typeface="Arial" pitchFamily="34" charset="0"/>
-              </a:rPr>
-              <a:t>and more …</a:t>
+              <a:t> and more …</a:t>
             </a:r>
           </a:p>
           <a:p>
@@ -7634,7 +8720,1047 @@
   <p:timing>
     <p:tnLst>
       <p:par>
-        <p:cTn id="1" dur="indefinite" restart="never" nodeType="tmRoot"/>
+        <p:cTn xmlns:p14="http://schemas.microsoft.com/office/powerpoint/2010/main" id="1" dur="indefinite" restart="never" nodeType="tmRoot"/>
+      </p:par>
+    </p:tnLst>
+  </p:timing>
+</p:sld>
+</file>
+
+<file path=ppt/slides/slide20.xml><?xml version="1.0" encoding="utf-8"?>
+<p:sld xmlns:a="http://schemas.openxmlformats.org/drawingml/2006/main" xmlns:r="http://schemas.openxmlformats.org/officeDocument/2006/relationships" xmlns:p="http://schemas.openxmlformats.org/presentationml/2006/main">
+  <p:cSld>
+    <p:spTree>
+      <p:nvGrpSpPr>
+        <p:cNvPr id="1" name=""/>
+        <p:cNvGrpSpPr/>
+        <p:nvPr/>
+      </p:nvGrpSpPr>
+      <p:grpSpPr>
+        <a:xfrm>
+          <a:off x="0" y="0"/>
+          <a:ext cx="0" cy="0"/>
+          <a:chOff x="0" y="0"/>
+          <a:chExt cx="0" cy="0"/>
+        </a:xfrm>
+      </p:grpSpPr>
+      <p:pic>
+        <p:nvPicPr>
+          <p:cNvPr id="4" name="Picture 3" descr="bitcoin1.jpg"/>
+          <p:cNvPicPr>
+            <a:picLocks noChangeAspect="1"/>
+          </p:cNvPicPr>
+          <p:nvPr/>
+        </p:nvPicPr>
+        <p:blipFill>
+          <a:blip r:embed="rId2" cstate="print"/>
+          <a:stretch>
+            <a:fillRect/>
+          </a:stretch>
+        </p:blipFill>
+        <p:spPr>
+          <a:xfrm>
+            <a:off x="381000" y="304800"/>
+            <a:ext cx="914400" cy="914400"/>
+          </a:xfrm>
+          <a:prstGeom prst="rect">
+            <a:avLst/>
+          </a:prstGeom>
+        </p:spPr>
+      </p:pic>
+      <p:sp>
+        <p:nvSpPr>
+          <p:cNvPr id="5" name="Title 1"/>
+          <p:cNvSpPr>
+            <a:spLocks noGrp="1"/>
+          </p:cNvSpPr>
+          <p:nvPr>
+            <p:ph type="title"/>
+          </p:nvPr>
+        </p:nvSpPr>
+        <p:spPr>
+          <a:xfrm>
+            <a:off x="1371600" y="274638"/>
+            <a:ext cx="7315200" cy="1143000"/>
+          </a:xfrm>
+        </p:spPr>
+        <p:txBody>
+          <a:bodyPr/>
+          <a:lstStyle/>
+          <a:p>
+            <a:r>
+              <a:rPr lang="en-US" dirty="0" smtClean="0"/>
+              <a:t>Google trend analysis</a:t>
+            </a:r>
+            <a:endParaRPr lang="en-US" dirty="0"/>
+          </a:p>
+        </p:txBody>
+      </p:sp>
+      <p:sp>
+        <p:nvSpPr>
+          <p:cNvPr id="6" name="Content Placeholder 2"/>
+          <p:cNvSpPr>
+            <a:spLocks noGrp="1"/>
+          </p:cNvSpPr>
+          <p:nvPr>
+            <p:ph idx="1"/>
+          </p:nvPr>
+        </p:nvSpPr>
+        <p:spPr>
+          <a:xfrm>
+            <a:off x="457200" y="1481328"/>
+            <a:ext cx="8229600" cy="4525963"/>
+          </a:xfrm>
+        </p:spPr>
+        <p:txBody>
+          <a:bodyPr/>
+          <a:lstStyle/>
+          <a:p>
+            <a:pPr algn="just">
+              <a:spcAft>
+                <a:spcPts val="600"/>
+              </a:spcAft>
+            </a:pPr>
+            <a:r>
+              <a:rPr lang="en-US" dirty="0" smtClean="0">
+                <a:latin typeface="Arial" pitchFamily="34" charset="0"/>
+                <a:cs typeface="Arial" pitchFamily="34" charset="0"/>
+              </a:rPr>
+              <a:t>Results</a:t>
+            </a:r>
+          </a:p>
+        </p:txBody>
+      </p:sp>
+      <p:pic>
+        <p:nvPicPr>
+          <p:cNvPr id="2" name="Picture 1" descr="googletrend_inverse.jpg"/>
+          <p:cNvPicPr>
+            <a:picLocks noChangeAspect="1"/>
+          </p:cNvPicPr>
+          <p:nvPr/>
+        </p:nvPicPr>
+        <p:blipFill>
+          <a:blip r:embed="rId3">
+            <a:extLst>
+              <a:ext uri="{28A0092B-C50C-407E-A947-70E740481C1C}">
+                <a14:useLocalDpi xmlns:a14="http://schemas.microsoft.com/office/drawing/2010/main" val="0"/>
+              </a:ext>
+            </a:extLst>
+          </a:blip>
+          <a:stretch>
+            <a:fillRect/>
+          </a:stretch>
+        </p:blipFill>
+        <p:spPr>
+          <a:xfrm>
+            <a:off x="2438400" y="1600200"/>
+            <a:ext cx="4267200" cy="4267200"/>
+          </a:xfrm>
+          <a:prstGeom prst="rect">
+            <a:avLst/>
+          </a:prstGeom>
+        </p:spPr>
+      </p:pic>
+    </p:spTree>
+    <p:extLst>
+      <p:ext uri="{BB962C8B-B14F-4D97-AF65-F5344CB8AC3E}">
+        <p14:creationId xmlns:p14="http://schemas.microsoft.com/office/powerpoint/2010/main" val="2248839819"/>
+      </p:ext>
+    </p:extLst>
+  </p:cSld>
+  <p:clrMapOvr>
+    <a:masterClrMapping/>
+  </p:clrMapOvr>
+</p:sld>
+</file>
+
+<file path=ppt/slides/slide21.xml><?xml version="1.0" encoding="utf-8"?>
+<p:sld xmlns:a="http://schemas.openxmlformats.org/drawingml/2006/main" xmlns:r="http://schemas.openxmlformats.org/officeDocument/2006/relationships" xmlns:p="http://schemas.openxmlformats.org/presentationml/2006/main">
+  <p:cSld>
+    <p:spTree>
+      <p:nvGrpSpPr>
+        <p:cNvPr id="1" name=""/>
+        <p:cNvGrpSpPr/>
+        <p:nvPr/>
+      </p:nvGrpSpPr>
+      <p:grpSpPr>
+        <a:xfrm>
+          <a:off x="0" y="0"/>
+          <a:ext cx="0" cy="0"/>
+          <a:chOff x="0" y="0"/>
+          <a:chExt cx="0" cy="0"/>
+        </a:xfrm>
+      </p:grpSpPr>
+      <p:pic>
+        <p:nvPicPr>
+          <p:cNvPr id="4" name="Picture 3" descr="bitcoin1.jpg"/>
+          <p:cNvPicPr>
+            <a:picLocks noChangeAspect="1"/>
+          </p:cNvPicPr>
+          <p:nvPr/>
+        </p:nvPicPr>
+        <p:blipFill>
+          <a:blip r:embed="rId2" cstate="print"/>
+          <a:stretch>
+            <a:fillRect/>
+          </a:stretch>
+        </p:blipFill>
+        <p:spPr>
+          <a:xfrm>
+            <a:off x="381000" y="304800"/>
+            <a:ext cx="914400" cy="914400"/>
+          </a:xfrm>
+          <a:prstGeom prst="rect">
+            <a:avLst/>
+          </a:prstGeom>
+        </p:spPr>
+      </p:pic>
+      <p:sp>
+        <p:nvSpPr>
+          <p:cNvPr id="5" name="Title 1"/>
+          <p:cNvSpPr>
+            <a:spLocks noGrp="1"/>
+          </p:cNvSpPr>
+          <p:nvPr>
+            <p:ph type="title"/>
+          </p:nvPr>
+        </p:nvSpPr>
+        <p:spPr>
+          <a:xfrm>
+            <a:off x="1371600" y="274638"/>
+            <a:ext cx="7315200" cy="1143000"/>
+          </a:xfrm>
+        </p:spPr>
+        <p:txBody>
+          <a:bodyPr/>
+          <a:lstStyle/>
+          <a:p>
+            <a:r>
+              <a:rPr lang="en-US" dirty="0" smtClean="0"/>
+              <a:t>News sentiment analysis</a:t>
+            </a:r>
+            <a:endParaRPr lang="en-US" dirty="0"/>
+          </a:p>
+        </p:txBody>
+      </p:sp>
+      <p:sp>
+        <p:nvSpPr>
+          <p:cNvPr id="6" name="Content Placeholder 2"/>
+          <p:cNvSpPr>
+            <a:spLocks noGrp="1"/>
+          </p:cNvSpPr>
+          <p:nvPr>
+            <p:ph idx="1"/>
+          </p:nvPr>
+        </p:nvSpPr>
+        <p:spPr>
+          <a:xfrm>
+            <a:off x="457200" y="1481328"/>
+            <a:ext cx="8229600" cy="4525963"/>
+          </a:xfrm>
+        </p:spPr>
+        <p:txBody>
+          <a:bodyPr/>
+          <a:lstStyle/>
+          <a:p>
+            <a:pPr algn="just">
+              <a:spcAft>
+                <a:spcPts val="600"/>
+              </a:spcAft>
+            </a:pPr>
+            <a:r>
+              <a:rPr lang="en-US" dirty="0" smtClean="0">
+                <a:latin typeface="Arial" pitchFamily="34" charset="0"/>
+                <a:cs typeface="Arial" pitchFamily="34" charset="0"/>
+              </a:rPr>
+              <a:t>Make prediction/decisions of investing </a:t>
+            </a:r>
+            <a:r>
+              <a:rPr lang="en-US" dirty="0" err="1" smtClean="0">
+                <a:latin typeface="Arial" pitchFamily="34" charset="0"/>
+                <a:cs typeface="Arial" pitchFamily="34" charset="0"/>
+              </a:rPr>
+              <a:t>Bitcoin</a:t>
+            </a:r>
+            <a:r>
+              <a:rPr lang="en-US" dirty="0" smtClean="0">
+                <a:latin typeface="Arial" pitchFamily="34" charset="0"/>
+                <a:cs typeface="Arial" pitchFamily="34" charset="0"/>
+              </a:rPr>
+              <a:t> based on sentiment analysis of </a:t>
+            </a:r>
+            <a:r>
+              <a:rPr lang="en-US" dirty="0" err="1" smtClean="0">
+                <a:latin typeface="Arial" pitchFamily="34" charset="0"/>
+                <a:cs typeface="Arial" pitchFamily="34" charset="0"/>
+              </a:rPr>
+              <a:t>Bitcoin</a:t>
+            </a:r>
+            <a:r>
+              <a:rPr lang="en-US" dirty="0" smtClean="0">
+                <a:latin typeface="Arial" pitchFamily="34" charset="0"/>
+                <a:cs typeface="Arial" pitchFamily="34" charset="0"/>
+              </a:rPr>
+              <a:t>-related news</a:t>
+            </a:r>
+          </a:p>
+        </p:txBody>
+      </p:sp>
+    </p:spTree>
+    <p:extLst>
+      <p:ext uri="{BB962C8B-B14F-4D97-AF65-F5344CB8AC3E}">
+        <p14:creationId xmlns:p14="http://schemas.microsoft.com/office/powerpoint/2010/main" val="288134162"/>
+      </p:ext>
+    </p:extLst>
+  </p:cSld>
+  <p:clrMapOvr>
+    <a:masterClrMapping/>
+  </p:clrMapOvr>
+</p:sld>
+</file>
+
+<file path=ppt/slides/slide22.xml><?xml version="1.0" encoding="utf-8"?>
+<p:sld xmlns:a="http://schemas.openxmlformats.org/drawingml/2006/main" xmlns:r="http://schemas.openxmlformats.org/officeDocument/2006/relationships" xmlns:p="http://schemas.openxmlformats.org/presentationml/2006/main">
+  <p:cSld>
+    <p:spTree>
+      <p:nvGrpSpPr>
+        <p:cNvPr id="1" name=""/>
+        <p:cNvGrpSpPr/>
+        <p:nvPr/>
+      </p:nvGrpSpPr>
+      <p:grpSpPr>
+        <a:xfrm>
+          <a:off x="0" y="0"/>
+          <a:ext cx="0" cy="0"/>
+          <a:chOff x="0" y="0"/>
+          <a:chExt cx="0" cy="0"/>
+        </a:xfrm>
+      </p:grpSpPr>
+      <p:pic>
+        <p:nvPicPr>
+          <p:cNvPr id="4" name="Picture 3" descr="bitcoin1.jpg"/>
+          <p:cNvPicPr>
+            <a:picLocks noChangeAspect="1"/>
+          </p:cNvPicPr>
+          <p:nvPr/>
+        </p:nvPicPr>
+        <p:blipFill>
+          <a:blip r:embed="rId2" cstate="print"/>
+          <a:stretch>
+            <a:fillRect/>
+          </a:stretch>
+        </p:blipFill>
+        <p:spPr>
+          <a:xfrm>
+            <a:off x="381000" y="304800"/>
+            <a:ext cx="914400" cy="914400"/>
+          </a:xfrm>
+          <a:prstGeom prst="rect">
+            <a:avLst/>
+          </a:prstGeom>
+        </p:spPr>
+      </p:pic>
+      <p:sp>
+        <p:nvSpPr>
+          <p:cNvPr id="5" name="Title 1"/>
+          <p:cNvSpPr>
+            <a:spLocks noGrp="1"/>
+          </p:cNvSpPr>
+          <p:nvPr>
+            <p:ph type="title"/>
+          </p:nvPr>
+        </p:nvSpPr>
+        <p:spPr>
+          <a:xfrm>
+            <a:off x="1371600" y="274638"/>
+            <a:ext cx="7315200" cy="1143000"/>
+          </a:xfrm>
+        </p:spPr>
+        <p:txBody>
+          <a:bodyPr/>
+          <a:lstStyle/>
+          <a:p>
+            <a:r>
+              <a:rPr lang="en-US" dirty="0" smtClean="0"/>
+              <a:t>News sentiment analysis</a:t>
+            </a:r>
+            <a:endParaRPr lang="en-US" dirty="0"/>
+          </a:p>
+        </p:txBody>
+      </p:sp>
+      <p:sp>
+        <p:nvSpPr>
+          <p:cNvPr id="6" name="Content Placeholder 2"/>
+          <p:cNvSpPr>
+            <a:spLocks noGrp="1"/>
+          </p:cNvSpPr>
+          <p:nvPr>
+            <p:ph idx="1"/>
+          </p:nvPr>
+        </p:nvSpPr>
+        <p:spPr>
+          <a:xfrm>
+            <a:off x="457200" y="1481328"/>
+            <a:ext cx="8229600" cy="4525963"/>
+          </a:xfrm>
+        </p:spPr>
+        <p:txBody>
+          <a:bodyPr/>
+          <a:lstStyle/>
+          <a:p>
+            <a:pPr algn="just">
+              <a:spcAft>
+                <a:spcPts val="600"/>
+              </a:spcAft>
+            </a:pPr>
+            <a:r>
+              <a:rPr lang="en-US" dirty="0" smtClean="0">
+                <a:latin typeface="Arial" pitchFamily="34" charset="0"/>
+                <a:cs typeface="Arial" pitchFamily="34" charset="0"/>
+              </a:rPr>
+              <a:t>Data source</a:t>
+            </a:r>
+          </a:p>
+          <a:p>
+            <a:pPr lvl="1" algn="just">
+              <a:spcAft>
+                <a:spcPts val="600"/>
+              </a:spcAft>
+            </a:pPr>
+            <a:r>
+              <a:rPr lang="en-US" dirty="0" err="1" smtClean="0">
+                <a:latin typeface="Arial" pitchFamily="34" charset="0"/>
+                <a:cs typeface="Arial" pitchFamily="34" charset="0"/>
+              </a:rPr>
+              <a:t>Bitcoin</a:t>
+            </a:r>
+            <a:r>
+              <a:rPr lang="en-US" dirty="0" smtClean="0">
+                <a:latin typeface="Arial" pitchFamily="34" charset="0"/>
+                <a:cs typeface="Arial" pitchFamily="34" charset="0"/>
+              </a:rPr>
+              <a:t> price data 2012</a:t>
+            </a:r>
+          </a:p>
+          <a:p>
+            <a:pPr lvl="1" algn="just">
+              <a:spcAft>
+                <a:spcPts val="600"/>
+              </a:spcAft>
+            </a:pPr>
+            <a:r>
+              <a:rPr lang="en-US" dirty="0" smtClean="0">
+                <a:latin typeface="Arial" pitchFamily="34" charset="0"/>
+                <a:cs typeface="Arial" pitchFamily="34" charset="0"/>
+              </a:rPr>
+              <a:t>341 pieces of news headline with keyword ‘</a:t>
+            </a:r>
+            <a:r>
+              <a:rPr lang="en-US" dirty="0" err="1" smtClean="0">
+                <a:latin typeface="Arial" pitchFamily="34" charset="0"/>
+                <a:cs typeface="Arial" pitchFamily="34" charset="0"/>
+              </a:rPr>
+              <a:t>bitcoin</a:t>
+            </a:r>
+            <a:r>
+              <a:rPr lang="en-US" dirty="0" smtClean="0">
+                <a:latin typeface="Arial" pitchFamily="34" charset="0"/>
+                <a:cs typeface="Arial" pitchFamily="34" charset="0"/>
+              </a:rPr>
+              <a:t>’ from New York Times</a:t>
+            </a:r>
+          </a:p>
+          <a:p>
+            <a:pPr algn="just">
+              <a:spcAft>
+                <a:spcPts val="600"/>
+              </a:spcAft>
+            </a:pPr>
+            <a:r>
+              <a:rPr lang="en-US" dirty="0" smtClean="0">
+                <a:latin typeface="Arial" pitchFamily="34" charset="0"/>
+                <a:cs typeface="Arial" pitchFamily="34" charset="0"/>
+              </a:rPr>
+              <a:t>Preprocessing</a:t>
+            </a:r>
+          </a:p>
+          <a:p>
+            <a:pPr lvl="1" algn="just">
+              <a:spcAft>
+                <a:spcPts val="600"/>
+              </a:spcAft>
+            </a:pPr>
+            <a:r>
+              <a:rPr lang="en-US" dirty="0" smtClean="0">
+                <a:latin typeface="Arial" pitchFamily="34" charset="0"/>
+                <a:cs typeface="Arial" pitchFamily="34" charset="0"/>
+              </a:rPr>
+              <a:t>Down-sampling price data</a:t>
+            </a:r>
+          </a:p>
+          <a:p>
+            <a:pPr lvl="1" algn="just">
+              <a:spcAft>
+                <a:spcPts val="600"/>
+              </a:spcAft>
+            </a:pPr>
+            <a:r>
+              <a:rPr lang="en-US" dirty="0" smtClean="0">
+                <a:latin typeface="Arial" pitchFamily="34" charset="0"/>
+                <a:cs typeface="Arial" pitchFamily="34" charset="0"/>
+              </a:rPr>
+              <a:t>Interpolate news data into the price data</a:t>
+            </a:r>
+          </a:p>
+          <a:p>
+            <a:pPr lvl="1" algn="just">
+              <a:spcAft>
+                <a:spcPts val="600"/>
+              </a:spcAft>
+            </a:pPr>
+            <a:endParaRPr lang="en-US" dirty="0" smtClean="0">
+              <a:latin typeface="Arial" pitchFamily="34" charset="0"/>
+              <a:cs typeface="Arial" pitchFamily="34" charset="0"/>
+            </a:endParaRPr>
+          </a:p>
+        </p:txBody>
+      </p:sp>
+    </p:spTree>
+    <p:extLst>
+      <p:ext uri="{BB962C8B-B14F-4D97-AF65-F5344CB8AC3E}">
+        <p14:creationId xmlns:p14="http://schemas.microsoft.com/office/powerpoint/2010/main" val="1372788203"/>
+      </p:ext>
+    </p:extLst>
+  </p:cSld>
+  <p:clrMapOvr>
+    <a:masterClrMapping/>
+  </p:clrMapOvr>
+</p:sld>
+</file>
+
+<file path=ppt/slides/slide23.xml><?xml version="1.0" encoding="utf-8"?>
+<p:sld xmlns:a="http://schemas.openxmlformats.org/drawingml/2006/main" xmlns:r="http://schemas.openxmlformats.org/officeDocument/2006/relationships" xmlns:p="http://schemas.openxmlformats.org/presentationml/2006/main">
+  <p:cSld>
+    <p:spTree>
+      <p:nvGrpSpPr>
+        <p:cNvPr id="1" name=""/>
+        <p:cNvGrpSpPr/>
+        <p:nvPr/>
+      </p:nvGrpSpPr>
+      <p:grpSpPr>
+        <a:xfrm>
+          <a:off x="0" y="0"/>
+          <a:ext cx="0" cy="0"/>
+          <a:chOff x="0" y="0"/>
+          <a:chExt cx="0" cy="0"/>
+        </a:xfrm>
+      </p:grpSpPr>
+      <p:pic>
+        <p:nvPicPr>
+          <p:cNvPr id="4" name="Picture 3" descr="bitcoin1.jpg"/>
+          <p:cNvPicPr>
+            <a:picLocks noChangeAspect="1"/>
+          </p:cNvPicPr>
+          <p:nvPr/>
+        </p:nvPicPr>
+        <p:blipFill>
+          <a:blip r:embed="rId2" cstate="print"/>
+          <a:stretch>
+            <a:fillRect/>
+          </a:stretch>
+        </p:blipFill>
+        <p:spPr>
+          <a:xfrm>
+            <a:off x="381000" y="304800"/>
+            <a:ext cx="914400" cy="914400"/>
+          </a:xfrm>
+          <a:prstGeom prst="rect">
+            <a:avLst/>
+          </a:prstGeom>
+        </p:spPr>
+      </p:pic>
+      <p:sp>
+        <p:nvSpPr>
+          <p:cNvPr id="5" name="Title 1"/>
+          <p:cNvSpPr>
+            <a:spLocks noGrp="1"/>
+          </p:cNvSpPr>
+          <p:nvPr>
+            <p:ph type="title"/>
+          </p:nvPr>
+        </p:nvSpPr>
+        <p:spPr>
+          <a:xfrm>
+            <a:off x="1371600" y="274638"/>
+            <a:ext cx="7315200" cy="1143000"/>
+          </a:xfrm>
+        </p:spPr>
+        <p:txBody>
+          <a:bodyPr/>
+          <a:lstStyle/>
+          <a:p>
+            <a:r>
+              <a:rPr lang="en-US" dirty="0" smtClean="0"/>
+              <a:t>News sentiment analysis</a:t>
+            </a:r>
+            <a:endParaRPr lang="en-US" dirty="0"/>
+          </a:p>
+        </p:txBody>
+      </p:sp>
+      <p:sp>
+        <p:nvSpPr>
+          <p:cNvPr id="6" name="Content Placeholder 2"/>
+          <p:cNvSpPr>
+            <a:spLocks noGrp="1"/>
+          </p:cNvSpPr>
+          <p:nvPr>
+            <p:ph idx="1"/>
+          </p:nvPr>
+        </p:nvSpPr>
+        <p:spPr>
+          <a:xfrm>
+            <a:off x="457200" y="1481328"/>
+            <a:ext cx="8229600" cy="4525963"/>
+          </a:xfrm>
+        </p:spPr>
+        <p:txBody>
+          <a:bodyPr/>
+          <a:lstStyle/>
+          <a:p>
+            <a:pPr algn="just">
+              <a:spcAft>
+                <a:spcPts val="600"/>
+              </a:spcAft>
+            </a:pPr>
+            <a:r>
+              <a:rPr lang="en-US" dirty="0" smtClean="0">
+                <a:latin typeface="Arial" pitchFamily="34" charset="0"/>
+                <a:cs typeface="Arial" pitchFamily="34" charset="0"/>
+              </a:rPr>
+              <a:t>Data source</a:t>
+            </a:r>
+          </a:p>
+          <a:p>
+            <a:pPr lvl="1" algn="just">
+              <a:spcAft>
+                <a:spcPts val="600"/>
+              </a:spcAft>
+            </a:pPr>
+            <a:r>
+              <a:rPr lang="en-US" dirty="0" err="1" smtClean="0">
+                <a:latin typeface="Arial" pitchFamily="34" charset="0"/>
+                <a:cs typeface="Arial" pitchFamily="34" charset="0"/>
+              </a:rPr>
+              <a:t>Bitcoin</a:t>
+            </a:r>
+            <a:r>
+              <a:rPr lang="en-US" dirty="0" smtClean="0">
+                <a:latin typeface="Arial" pitchFamily="34" charset="0"/>
+                <a:cs typeface="Arial" pitchFamily="34" charset="0"/>
+              </a:rPr>
+              <a:t> price data 2012</a:t>
+            </a:r>
+          </a:p>
+          <a:p>
+            <a:pPr lvl="1" algn="just">
+              <a:spcAft>
+                <a:spcPts val="600"/>
+              </a:spcAft>
+            </a:pPr>
+            <a:r>
+              <a:rPr lang="en-US" dirty="0" smtClean="0">
+                <a:latin typeface="Arial" pitchFamily="34" charset="0"/>
+                <a:cs typeface="Arial" pitchFamily="34" charset="0"/>
+              </a:rPr>
+              <a:t>341 pieces of news headline with keyword ‘</a:t>
+            </a:r>
+            <a:r>
+              <a:rPr lang="en-US" dirty="0" err="1" smtClean="0">
+                <a:latin typeface="Arial" pitchFamily="34" charset="0"/>
+                <a:cs typeface="Arial" pitchFamily="34" charset="0"/>
+              </a:rPr>
+              <a:t>bitcoin</a:t>
+            </a:r>
+            <a:r>
+              <a:rPr lang="en-US" dirty="0" smtClean="0">
+                <a:latin typeface="Arial" pitchFamily="34" charset="0"/>
+                <a:cs typeface="Arial" pitchFamily="34" charset="0"/>
+              </a:rPr>
+              <a:t>’ from New York Times</a:t>
+            </a:r>
+          </a:p>
+          <a:p>
+            <a:pPr algn="just">
+              <a:spcAft>
+                <a:spcPts val="600"/>
+              </a:spcAft>
+            </a:pPr>
+            <a:r>
+              <a:rPr lang="en-US" dirty="0" smtClean="0">
+                <a:latin typeface="Arial" pitchFamily="34" charset="0"/>
+                <a:cs typeface="Arial" pitchFamily="34" charset="0"/>
+              </a:rPr>
+              <a:t>Preprocessing</a:t>
+            </a:r>
+          </a:p>
+          <a:p>
+            <a:pPr lvl="1" algn="just">
+              <a:spcAft>
+                <a:spcPts val="600"/>
+              </a:spcAft>
+            </a:pPr>
+            <a:r>
+              <a:rPr lang="en-US" dirty="0" smtClean="0">
+                <a:latin typeface="Arial" pitchFamily="34" charset="0"/>
+                <a:cs typeface="Arial" pitchFamily="34" charset="0"/>
+              </a:rPr>
+              <a:t>Re-sampling price data to 12h interval</a:t>
+            </a:r>
+          </a:p>
+          <a:p>
+            <a:pPr lvl="1" algn="just">
+              <a:spcAft>
+                <a:spcPts val="600"/>
+              </a:spcAft>
+            </a:pPr>
+            <a:r>
+              <a:rPr lang="en-US" dirty="0" smtClean="0">
+                <a:latin typeface="Arial" pitchFamily="34" charset="0"/>
+                <a:cs typeface="Arial" pitchFamily="34" charset="0"/>
+              </a:rPr>
+              <a:t>Interpolate news data into the price data</a:t>
+            </a:r>
+          </a:p>
+          <a:p>
+            <a:pPr lvl="1" algn="just">
+              <a:spcAft>
+                <a:spcPts val="600"/>
+              </a:spcAft>
+            </a:pPr>
+            <a:r>
+              <a:rPr lang="en-US" dirty="0" smtClean="0">
+                <a:latin typeface="Arial" pitchFamily="34" charset="0"/>
+                <a:cs typeface="Arial" pitchFamily="34" charset="0"/>
+              </a:rPr>
+              <a:t>Calculate price change (12h) after each news occurs</a:t>
+            </a:r>
+          </a:p>
+          <a:p>
+            <a:pPr lvl="1" algn="just">
+              <a:spcAft>
+                <a:spcPts val="600"/>
+              </a:spcAft>
+            </a:pPr>
+            <a:endParaRPr lang="en-US" dirty="0" smtClean="0">
+              <a:latin typeface="Arial" pitchFamily="34" charset="0"/>
+              <a:cs typeface="Arial" pitchFamily="34" charset="0"/>
+            </a:endParaRPr>
+          </a:p>
+        </p:txBody>
+      </p:sp>
+    </p:spTree>
+    <p:extLst>
+      <p:ext uri="{BB962C8B-B14F-4D97-AF65-F5344CB8AC3E}">
+        <p14:creationId xmlns:p14="http://schemas.microsoft.com/office/powerpoint/2010/main" val="335122943"/>
+      </p:ext>
+    </p:extLst>
+  </p:cSld>
+  <p:clrMapOvr>
+    <a:masterClrMapping/>
+  </p:clrMapOvr>
+</p:sld>
+</file>
+
+<file path=ppt/slides/slide24.xml><?xml version="1.0" encoding="utf-8"?>
+<p:sld xmlns:a="http://schemas.openxmlformats.org/drawingml/2006/main" xmlns:r="http://schemas.openxmlformats.org/officeDocument/2006/relationships" xmlns:p="http://schemas.openxmlformats.org/presentationml/2006/main">
+  <p:cSld>
+    <p:spTree>
+      <p:nvGrpSpPr>
+        <p:cNvPr id="1" name=""/>
+        <p:cNvGrpSpPr/>
+        <p:nvPr/>
+      </p:nvGrpSpPr>
+      <p:grpSpPr>
+        <a:xfrm>
+          <a:off x="0" y="0"/>
+          <a:ext cx="0" cy="0"/>
+          <a:chOff x="0" y="0"/>
+          <a:chExt cx="0" cy="0"/>
+        </a:xfrm>
+      </p:grpSpPr>
+      <p:pic>
+        <p:nvPicPr>
+          <p:cNvPr id="4" name="Picture 3" descr="bitcoin1.jpg"/>
+          <p:cNvPicPr>
+            <a:picLocks noChangeAspect="1"/>
+          </p:cNvPicPr>
+          <p:nvPr/>
+        </p:nvPicPr>
+        <p:blipFill>
+          <a:blip r:embed="rId2" cstate="print"/>
+          <a:stretch>
+            <a:fillRect/>
+          </a:stretch>
+        </p:blipFill>
+        <p:spPr>
+          <a:xfrm>
+            <a:off x="381000" y="304800"/>
+            <a:ext cx="914400" cy="914400"/>
+          </a:xfrm>
+          <a:prstGeom prst="rect">
+            <a:avLst/>
+          </a:prstGeom>
+        </p:spPr>
+      </p:pic>
+      <p:sp>
+        <p:nvSpPr>
+          <p:cNvPr id="5" name="Title 1"/>
+          <p:cNvSpPr>
+            <a:spLocks noGrp="1"/>
+          </p:cNvSpPr>
+          <p:nvPr>
+            <p:ph type="title"/>
+          </p:nvPr>
+        </p:nvSpPr>
+        <p:spPr>
+          <a:xfrm>
+            <a:off x="1371600" y="274638"/>
+            <a:ext cx="7315200" cy="1143000"/>
+          </a:xfrm>
+        </p:spPr>
+        <p:txBody>
+          <a:bodyPr/>
+          <a:lstStyle/>
+          <a:p>
+            <a:r>
+              <a:rPr lang="en-US" dirty="0" smtClean="0"/>
+              <a:t>News sentiment analysis</a:t>
+            </a:r>
+            <a:endParaRPr lang="en-US" dirty="0"/>
+          </a:p>
+        </p:txBody>
+      </p:sp>
+      <p:pic>
+        <p:nvPicPr>
+          <p:cNvPr id="3" name="Content Placeholder 2" descr="sentiment1.png"/>
+          <p:cNvPicPr>
+            <a:picLocks noGrp="1" noChangeAspect="1"/>
+          </p:cNvPicPr>
+          <p:nvPr>
+            <p:ph idx="1"/>
+          </p:nvPr>
+        </p:nvPicPr>
+        <p:blipFill>
+          <a:blip r:embed="rId3">
+            <a:extLst>
+              <a:ext uri="{28A0092B-C50C-407E-A947-70E740481C1C}">
+                <a14:useLocalDpi xmlns:a14="http://schemas.microsoft.com/office/drawing/2010/main" val="0"/>
+              </a:ext>
+            </a:extLst>
+          </a:blip>
+          <a:srcRect t="-4417" b="-4417"/>
+          <a:stretch>
+            <a:fillRect/>
+          </a:stretch>
+        </p:blipFill>
+        <p:spPr>
+          <a:xfrm>
+            <a:off x="381000" y="1447800"/>
+            <a:ext cx="8229600" cy="4525963"/>
+          </a:xfrm>
+        </p:spPr>
+      </p:pic>
+    </p:spTree>
+    <p:extLst>
+      <p:ext uri="{BB962C8B-B14F-4D97-AF65-F5344CB8AC3E}">
+        <p14:creationId xmlns:p14="http://schemas.microsoft.com/office/powerpoint/2010/main" val="3429427913"/>
+      </p:ext>
+    </p:extLst>
+  </p:cSld>
+  <p:clrMapOvr>
+    <a:masterClrMapping/>
+  </p:clrMapOvr>
+</p:sld>
+</file>
+
+<file path=ppt/slides/slide25.xml><?xml version="1.0" encoding="utf-8"?>
+<p:sld xmlns:a="http://schemas.openxmlformats.org/drawingml/2006/main" xmlns:r="http://schemas.openxmlformats.org/officeDocument/2006/relationships" xmlns:p="http://schemas.openxmlformats.org/presentationml/2006/main">
+  <p:cSld>
+    <p:spTree>
+      <p:nvGrpSpPr>
+        <p:cNvPr id="1" name=""/>
+        <p:cNvGrpSpPr/>
+        <p:nvPr/>
+      </p:nvGrpSpPr>
+      <p:grpSpPr>
+        <a:xfrm>
+          <a:off x="0" y="0"/>
+          <a:ext cx="0" cy="0"/>
+          <a:chOff x="0" y="0"/>
+          <a:chExt cx="0" cy="0"/>
+        </a:xfrm>
+      </p:grpSpPr>
+      <p:sp>
+        <p:nvSpPr>
+          <p:cNvPr id="3" name="Content Placeholder 2"/>
+          <p:cNvSpPr>
+            <a:spLocks noGrp="1"/>
+          </p:cNvSpPr>
+          <p:nvPr>
+            <p:ph idx="1"/>
+          </p:nvPr>
+        </p:nvSpPr>
+        <p:spPr/>
+        <p:txBody>
+          <a:bodyPr/>
+          <a:lstStyle/>
+          <a:p>
+            <a:r>
+              <a:rPr lang="en-US" dirty="0" smtClean="0">
+                <a:latin typeface="Arial" pitchFamily="34" charset="0"/>
+                <a:cs typeface="Arial" pitchFamily="34" charset="0"/>
+              </a:rPr>
+              <a:t>SVM outperforms Bayesian curve fitting in terms of large number of datasets;</a:t>
+            </a:r>
+          </a:p>
+          <a:p>
+            <a:r>
+              <a:rPr lang="en-US" dirty="0" smtClean="0">
+                <a:latin typeface="Arial" pitchFamily="34" charset="0"/>
+                <a:cs typeface="Arial" pitchFamily="34" charset="0"/>
+              </a:rPr>
+              <a:t>These traditional method to analyze </a:t>
+            </a:r>
+            <a:r>
+              <a:rPr lang="en-US" dirty="0" err="1" smtClean="0">
+                <a:latin typeface="Arial" pitchFamily="34" charset="0"/>
+                <a:cs typeface="Arial" pitchFamily="34" charset="0"/>
+              </a:rPr>
+              <a:t>Bitcoin</a:t>
+            </a:r>
+            <a:r>
+              <a:rPr lang="en-US" dirty="0" smtClean="0">
+                <a:latin typeface="Arial" pitchFamily="34" charset="0"/>
+                <a:cs typeface="Arial" pitchFamily="34" charset="0"/>
+              </a:rPr>
+              <a:t> price is not as good as analysis for the stock market</a:t>
+            </a:r>
+            <a:r>
+              <a:rPr lang="en-US" dirty="0" smtClean="0">
+                <a:latin typeface="Arial" pitchFamily="34" charset="0"/>
+                <a:cs typeface="Arial" pitchFamily="34" charset="0"/>
+              </a:rPr>
+              <a:t>;</a:t>
+            </a:r>
+          </a:p>
+          <a:p>
+            <a:r>
+              <a:rPr lang="en-US" dirty="0" smtClean="0">
+                <a:latin typeface="Arial" pitchFamily="34" charset="0"/>
+                <a:cs typeface="Arial" pitchFamily="34" charset="0"/>
+              </a:rPr>
+              <a:t>More care needs to be taken to analyze </a:t>
+            </a:r>
+            <a:r>
+              <a:rPr lang="en-US" dirty="0" err="1" smtClean="0">
+                <a:latin typeface="Arial" pitchFamily="34" charset="0"/>
+                <a:cs typeface="Arial" pitchFamily="34" charset="0"/>
+              </a:rPr>
+              <a:t>Bitcoin</a:t>
+            </a:r>
+            <a:r>
+              <a:rPr lang="en-US" dirty="0" smtClean="0">
+                <a:latin typeface="Arial" pitchFamily="34" charset="0"/>
+                <a:cs typeface="Arial" pitchFamily="34" charset="0"/>
+              </a:rPr>
+              <a:t> market</a:t>
+            </a:r>
+          </a:p>
+          <a:p>
+            <a:r>
+              <a:rPr lang="en-US" dirty="0" smtClean="0">
+                <a:latin typeface="Arial" pitchFamily="34" charset="0"/>
+                <a:cs typeface="Arial" pitchFamily="34" charset="0"/>
+              </a:rPr>
+              <a:t>Future </a:t>
+            </a:r>
+            <a:r>
+              <a:rPr lang="en-US" dirty="0" smtClean="0">
+                <a:latin typeface="Arial" pitchFamily="34" charset="0"/>
+                <a:cs typeface="Arial" pitchFamily="34" charset="0"/>
+              </a:rPr>
+              <a:t>work</a:t>
+            </a:r>
+          </a:p>
+          <a:p>
+            <a:endParaRPr lang="en-US" dirty="0" smtClean="0">
+              <a:latin typeface="Arial" pitchFamily="34" charset="0"/>
+              <a:cs typeface="Arial" pitchFamily="34" charset="0"/>
+            </a:endParaRPr>
+          </a:p>
+        </p:txBody>
+      </p:sp>
+      <p:sp>
+        <p:nvSpPr>
+          <p:cNvPr id="2" name="Title 1"/>
+          <p:cNvSpPr>
+            <a:spLocks noGrp="1"/>
+          </p:cNvSpPr>
+          <p:nvPr>
+            <p:ph type="title"/>
+          </p:nvPr>
+        </p:nvSpPr>
+        <p:spPr>
+          <a:xfrm>
+            <a:off x="1371600" y="274638"/>
+            <a:ext cx="7315200" cy="1143000"/>
+          </a:xfrm>
+        </p:spPr>
+        <p:txBody>
+          <a:bodyPr/>
+          <a:lstStyle/>
+          <a:p>
+            <a:r>
+              <a:rPr lang="en-US" dirty="0" smtClean="0"/>
+              <a:t>Conclusion</a:t>
+            </a:r>
+            <a:endParaRPr lang="en-US" dirty="0"/>
+          </a:p>
+        </p:txBody>
+      </p:sp>
+      <p:pic>
+        <p:nvPicPr>
+          <p:cNvPr id="5" name="Picture 4" descr="bitcoin1.jpg"/>
+          <p:cNvPicPr>
+            <a:picLocks noChangeAspect="1"/>
+          </p:cNvPicPr>
+          <p:nvPr/>
+        </p:nvPicPr>
+        <p:blipFill>
+          <a:blip r:embed="rId2" cstate="print"/>
+          <a:stretch>
+            <a:fillRect/>
+          </a:stretch>
+        </p:blipFill>
+        <p:spPr>
+          <a:xfrm>
+            <a:off x="381000" y="304800"/>
+            <a:ext cx="914400" cy="914400"/>
+          </a:xfrm>
+          <a:prstGeom prst="rect">
+            <a:avLst/>
+          </a:prstGeom>
+        </p:spPr>
+      </p:pic>
+    </p:spTree>
+  </p:cSld>
+  <p:clrMapOvr>
+    <a:masterClrMapping/>
+  </p:clrMapOvr>
+  <p:timing>
+    <p:tnLst>
+      <p:par>
+        <p:cTn xmlns:p14="http://schemas.microsoft.com/office/powerpoint/2010/main" id="1" dur="indefinite" restart="never" nodeType="tmRoot"/>
       </p:par>
     </p:tnLst>
   </p:timing>
@@ -7660,157 +9786,6 @@
       </p:grpSpPr>
       <p:sp>
         <p:nvSpPr>
-          <p:cNvPr id="3" name="Content Placeholder 2"/>
-          <p:cNvSpPr>
-            <a:spLocks noGrp="1"/>
-          </p:cNvSpPr>
-          <p:nvPr>
-            <p:ph idx="1"/>
-          </p:nvPr>
-        </p:nvSpPr>
-        <p:spPr/>
-        <p:txBody>
-          <a:bodyPr/>
-          <a:lstStyle/>
-          <a:p>
-            <a:pPr algn="just"/>
-            <a:r>
-              <a:rPr lang="en-US" dirty="0" smtClean="0">
-                <a:latin typeface="Arial" pitchFamily="34" charset="0"/>
-                <a:cs typeface="Arial" pitchFamily="34" charset="0"/>
-              </a:rPr>
-              <a:t>Why </a:t>
-            </a:r>
-            <a:r>
-              <a:rPr lang="en-US" dirty="0" smtClean="0">
-                <a:latin typeface="Arial" pitchFamily="34" charset="0"/>
-                <a:cs typeface="Arial" pitchFamily="34" charset="0"/>
-              </a:rPr>
-              <a:t>this topic?</a:t>
-            </a:r>
-          </a:p>
-          <a:p>
-            <a:pPr lvl="1" algn="just">
-              <a:buFont typeface="Wingdings" pitchFamily="2" charset="2"/>
-              <a:buChar char="v"/>
-            </a:pPr>
-            <a:r>
-              <a:rPr lang="en-US" sz="2700" dirty="0" smtClean="0">
-                <a:latin typeface="Arial" pitchFamily="34" charset="0"/>
-                <a:cs typeface="Arial" pitchFamily="34" charset="0"/>
-              </a:rPr>
-              <a:t> The </a:t>
-            </a:r>
-            <a:r>
-              <a:rPr lang="en-US" sz="2700" dirty="0" smtClean="0">
-                <a:latin typeface="Arial" pitchFamily="34" charset="0"/>
-                <a:cs typeface="Arial" pitchFamily="34" charset="0"/>
-              </a:rPr>
-              <a:t>price of a </a:t>
-            </a:r>
-            <a:r>
-              <a:rPr lang="en-US" sz="2700" dirty="0" err="1" smtClean="0">
-                <a:latin typeface="Arial" pitchFamily="34" charset="0"/>
-                <a:cs typeface="Arial" pitchFamily="34" charset="0"/>
-              </a:rPr>
-              <a:t>Bitcoin</a:t>
-            </a:r>
-            <a:r>
-              <a:rPr lang="en-US" sz="2700" dirty="0" smtClean="0">
-                <a:latin typeface="Arial" pitchFamily="34" charset="0"/>
-                <a:cs typeface="Arial" pitchFamily="34" charset="0"/>
-              </a:rPr>
-              <a:t> </a:t>
-            </a:r>
-            <a:r>
-              <a:rPr lang="en-US" sz="2700" dirty="0" smtClean="0">
-                <a:latin typeface="Arial" pitchFamily="34" charset="0"/>
-                <a:cs typeface="Arial" pitchFamily="34" charset="0"/>
-              </a:rPr>
-              <a:t>can unpredictably increase or decrease over a short period of time due to its young economy, novel nature, and sometimes illiquid markets. </a:t>
-            </a:r>
-            <a:endParaRPr lang="en-US" sz="2700" dirty="0" smtClean="0">
-              <a:latin typeface="Arial" pitchFamily="34" charset="0"/>
-              <a:cs typeface="Arial" pitchFamily="34" charset="0"/>
-            </a:endParaRPr>
-          </a:p>
-          <a:p>
-            <a:pPr lvl="1" algn="just">
-              <a:buNone/>
-            </a:pPr>
-            <a:endParaRPr lang="en-US" dirty="0" smtClean="0">
-              <a:latin typeface="Arial" pitchFamily="34" charset="0"/>
-              <a:cs typeface="Arial" pitchFamily="34" charset="0"/>
-            </a:endParaRPr>
-          </a:p>
-          <a:p>
-            <a:pPr algn="just"/>
-            <a:r>
-              <a:rPr lang="en-US" dirty="0" smtClean="0">
-                <a:latin typeface="Arial" pitchFamily="34" charset="0"/>
-                <a:cs typeface="Arial" pitchFamily="34" charset="0"/>
-              </a:rPr>
-              <a:t>Objective</a:t>
-            </a:r>
-          </a:p>
-          <a:p>
-            <a:pPr lvl="1" algn="just">
-              <a:buFont typeface="Wingdings" pitchFamily="2" charset="2"/>
-              <a:buChar char="v"/>
-            </a:pPr>
-            <a:r>
-              <a:rPr lang="en-US" sz="2700" dirty="0" smtClean="0">
-                <a:latin typeface="Arial" pitchFamily="34" charset="0"/>
-                <a:cs typeface="Arial" pitchFamily="34" charset="0"/>
-              </a:rPr>
-              <a:t> To </a:t>
-            </a:r>
-            <a:r>
-              <a:rPr lang="en-US" sz="2700" dirty="0" smtClean="0">
-                <a:latin typeface="Arial" pitchFamily="34" charset="0"/>
-                <a:cs typeface="Arial" pitchFamily="34" charset="0"/>
-              </a:rPr>
-              <a:t>see if </a:t>
-            </a:r>
-            <a:r>
-              <a:rPr lang="en-US" sz="2700" dirty="0" smtClean="0">
-                <a:latin typeface="Arial" pitchFamily="34" charset="0"/>
-                <a:cs typeface="Arial" pitchFamily="34" charset="0"/>
-              </a:rPr>
-              <a:t>common </a:t>
-            </a:r>
-            <a:r>
-              <a:rPr lang="en-US" sz="2700" dirty="0" smtClean="0">
-                <a:latin typeface="Arial" pitchFamily="34" charset="0"/>
-                <a:cs typeface="Arial" pitchFamily="34" charset="0"/>
-              </a:rPr>
-              <a:t>algorithms that work well on regular price prediction still </a:t>
-            </a:r>
-            <a:r>
-              <a:rPr lang="en-US" sz="2700" dirty="0" smtClean="0">
-                <a:latin typeface="Arial" pitchFamily="34" charset="0"/>
-                <a:cs typeface="Arial" pitchFamily="34" charset="0"/>
-              </a:rPr>
-              <a:t>work </a:t>
-            </a:r>
-            <a:r>
-              <a:rPr lang="en-US" sz="2700" dirty="0" smtClean="0">
-                <a:latin typeface="Arial" pitchFamily="34" charset="0"/>
-                <a:cs typeface="Arial" pitchFamily="34" charset="0"/>
-              </a:rPr>
-              <a:t>on BTC price.</a:t>
-            </a:r>
-          </a:p>
-          <a:p>
-            <a:pPr>
-              <a:buNone/>
-            </a:pPr>
-            <a:endParaRPr lang="en-US" dirty="0"/>
-          </a:p>
-        </p:txBody>
-      </p:sp>
-      <p:sp>
-        <p:nvSpPr>
           <p:cNvPr id="2" name="Title 1"/>
           <p:cNvSpPr>
             <a:spLocks noGrp="1"/>
@@ -7861,6 +9836,31 @@
           </a:prstGeom>
         </p:spPr>
       </p:pic>
+      <p:graphicFrame>
+        <p:nvGraphicFramePr>
+          <p:cNvPr id="3" name="Content Placeholder 2"/>
+          <p:cNvGraphicFramePr>
+            <a:graphicFrameLocks noGrp="1"/>
+          </p:cNvGraphicFramePr>
+          <p:nvPr>
+            <p:ph idx="1"/>
+            <p:extLst>
+              <p:ext uri="{D42A27DB-BD31-4B8C-83A1-F6EECF244321}">
+                <p14:modId xmlns:p14="http://schemas.microsoft.com/office/powerpoint/2010/main" val="3757271971"/>
+              </p:ext>
+            </p:extLst>
+          </p:nvPr>
+        </p:nvGraphicFramePr>
+        <p:xfrm>
+          <a:off x="457200" y="1481138"/>
+          <a:ext cx="8229600" cy="4525962"/>
+        </p:xfrm>
+        <a:graphic>
+          <a:graphicData uri="http://schemas.openxmlformats.org/drawingml/2006/chart">
+            <c:chart xmlns:c="http://schemas.openxmlformats.org/drawingml/2006/chart" xmlns:r="http://schemas.openxmlformats.org/officeDocument/2006/relationships" r:id="rId3"/>
+          </a:graphicData>
+        </a:graphic>
+      </p:graphicFrame>
     </p:spTree>
   </p:cSld>
   <p:clrMapOvr>
@@ -7869,7 +9869,7 @@
   <p:timing>
     <p:tnLst>
       <p:par>
-        <p:cTn id="1" dur="indefinite" restart="never" nodeType="tmRoot"/>
+        <p:cTn xmlns:p14="http://schemas.microsoft.com/office/powerpoint/2010/main" id="1" dur="indefinite" restart="never" nodeType="tmRoot"/>
       </p:par>
     </p:tnLst>
   </p:timing>
@@ -7909,57 +9909,30 @@
           <a:lstStyle/>
           <a:p>
             <a:r>
+              <a:rPr lang="en-US" dirty="0" err="1" smtClean="0">
+                <a:latin typeface="Arial" pitchFamily="34" charset="0"/>
+                <a:cs typeface="Arial" pitchFamily="34" charset="0"/>
+              </a:rPr>
+              <a:t>Bitcoin</a:t>
+            </a:r>
+            <a:r>
               <a:rPr lang="en-US" dirty="0" smtClean="0">
                 <a:latin typeface="Arial" pitchFamily="34" charset="0"/>
                 <a:cs typeface="Arial" pitchFamily="34" charset="0"/>
               </a:rPr>
-              <a:t>Source of the </a:t>
+              <a:t> historical price </a:t>
             </a:r>
             <a:r>
               <a:rPr lang="en-US" dirty="0" smtClean="0">
                 <a:latin typeface="Arial" pitchFamily="34" charset="0"/>
                 <a:cs typeface="Arial" pitchFamily="34" charset="0"/>
               </a:rPr>
-              <a:t>datasets</a:t>
-            </a:r>
-          </a:p>
-          <a:p>
-            <a:pPr>
-              <a:buNone/>
-            </a:pPr>
-            <a:r>
-              <a:rPr lang="en-US" dirty="0" smtClean="0">
-                <a:latin typeface="Arial" pitchFamily="34" charset="0"/>
-                <a:cs typeface="Arial" pitchFamily="34" charset="0"/>
-              </a:rPr>
-              <a:t> </a:t>
-            </a:r>
-            <a:r>
-              <a:rPr lang="en-US" dirty="0" smtClean="0">
-                <a:latin typeface="Arial" pitchFamily="34" charset="0"/>
-                <a:cs typeface="Arial" pitchFamily="34" charset="0"/>
-              </a:rPr>
-              <a:t>  official website?</a:t>
-            </a:r>
-          </a:p>
-          <a:p>
-            <a:pPr>
-              <a:buNone/>
-            </a:pPr>
-            <a:r>
-              <a:rPr lang="en-US" dirty="0" smtClean="0">
-                <a:latin typeface="Arial" pitchFamily="34" charset="0"/>
-                <a:cs typeface="Arial" pitchFamily="34" charset="0"/>
-              </a:rPr>
-              <a:t> </a:t>
-            </a:r>
-            <a:r>
-              <a:rPr lang="en-US" dirty="0" smtClean="0">
-                <a:latin typeface="Arial" pitchFamily="34" charset="0"/>
-                <a:cs typeface="Arial" pitchFamily="34" charset="0"/>
-              </a:rPr>
-              <a:t>  Retrieve data from 2013 to 2015;</a:t>
-            </a:r>
+              <a:t>data</a:t>
+            </a:r>
+            <a:endParaRPr lang="en-US" dirty="0" smtClean="0">
+              <a:latin typeface="Arial" pitchFamily="34" charset="0"/>
+              <a:cs typeface="Arial" pitchFamily="34" charset="0"/>
+            </a:endParaRPr>
           </a:p>
           <a:p>
             <a:pPr>
@@ -7971,51 +9944,22 @@
             </a:endParaRPr>
           </a:p>
           <a:p>
-            <a:r>
-              <a:rPr lang="en-US" dirty="0" smtClean="0">
-                <a:latin typeface="Arial" pitchFamily="34" charset="0"/>
-                <a:cs typeface="Arial" pitchFamily="34" charset="0"/>
-              </a:rPr>
-              <a:t>Which attributes </a:t>
-            </a:r>
-            <a:r>
-              <a:rPr lang="en-US" dirty="0" smtClean="0">
-                <a:latin typeface="Arial" pitchFamily="34" charset="0"/>
-                <a:cs typeface="Arial" pitchFamily="34" charset="0"/>
-              </a:rPr>
-              <a:t>used</a:t>
-            </a:r>
-          </a:p>
-          <a:p>
-            <a:pPr>
-              <a:buNone/>
-            </a:pPr>
-            <a:r>
-              <a:rPr lang="en-US" dirty="0" smtClean="0">
-                <a:latin typeface="Arial" pitchFamily="34" charset="0"/>
-                <a:cs typeface="Arial" pitchFamily="34" charset="0"/>
-              </a:rPr>
-              <a:t>    @ATTRIBUTE Date</a:t>
-            </a:r>
-          </a:p>
-          <a:p>
-            <a:pPr>
-              <a:buNone/>
-            </a:pPr>
-            <a:r>
-              <a:rPr lang="en-US" dirty="0" smtClean="0">
-                <a:latin typeface="Arial" pitchFamily="34" charset="0"/>
-                <a:cs typeface="Arial" pitchFamily="34" charset="0"/>
-              </a:rPr>
-              <a:t> </a:t>
-            </a:r>
-            <a:r>
-              <a:rPr lang="en-US" dirty="0" smtClean="0">
-                <a:latin typeface="Arial" pitchFamily="34" charset="0"/>
-                <a:cs typeface="Arial" pitchFamily="34" charset="0"/>
-              </a:rPr>
-              <a:t>   @ATTRIBUTE Price</a:t>
-            </a:r>
+            <a:endParaRPr lang="en-US" dirty="0" smtClean="0">
+              <a:latin typeface="Arial" pitchFamily="34" charset="0"/>
+              <a:cs typeface="Arial" pitchFamily="34" charset="0"/>
+            </a:endParaRPr>
+          </a:p>
+          <a:p>
+            <a:endParaRPr lang="en-US" dirty="0">
+              <a:latin typeface="Arial" pitchFamily="34" charset="0"/>
+              <a:cs typeface="Arial" pitchFamily="34" charset="0"/>
+            </a:endParaRPr>
+          </a:p>
+          <a:p>
+            <a:endParaRPr lang="en-US" dirty="0" smtClean="0">
+              <a:latin typeface="Arial" pitchFamily="34" charset="0"/>
+              <a:cs typeface="Arial" pitchFamily="34" charset="0"/>
+            </a:endParaRPr>
           </a:p>
           <a:p>
             <a:pPr>
@@ -8085,8 +10029,8 @@
         </p:nvSpPr>
         <p:spPr>
           <a:xfrm>
-            <a:off x="4267200" y="4038600"/>
-            <a:ext cx="4419600" cy="507831"/>
+            <a:off x="4724400" y="2971800"/>
+            <a:ext cx="1371600" cy="369332"/>
           </a:xfrm>
           <a:prstGeom prst="rect">
             <a:avLst/>
@@ -8104,6 +10048,99 @@
                 <a:latin typeface="Arial" pitchFamily="34" charset="0"/>
                 <a:cs typeface="Arial" pitchFamily="34" charset="0"/>
               </a:rPr>
+              <a:t>BTC - USD</a:t>
+            </a:r>
+            <a:endParaRPr lang="en-US" sz="2700" dirty="0"/>
+          </a:p>
+        </p:txBody>
+      </p:sp>
+      <p:pic>
+        <p:nvPicPr>
+          <p:cNvPr id="4" name="Picture 3" descr="coinbase.png"/>
+          <p:cNvPicPr>
+            <a:picLocks noChangeAspect="1"/>
+          </p:cNvPicPr>
+          <p:nvPr/>
+        </p:nvPicPr>
+        <p:blipFill>
+          <a:blip r:embed="rId3" cstate="print">
+            <a:extLst>
+              <a:ext uri="{28A0092B-C50C-407E-A947-70E740481C1C}">
+                <a14:useLocalDpi xmlns:a14="http://schemas.microsoft.com/office/drawing/2010/main" val="0"/>
+              </a:ext>
+            </a:extLst>
+          </a:blip>
+          <a:stretch>
+            <a:fillRect/>
+          </a:stretch>
+        </p:blipFill>
+        <p:spPr>
+          <a:xfrm>
+            <a:off x="1828800" y="2057400"/>
+            <a:ext cx="2387432" cy="834683"/>
+          </a:xfrm>
+          <a:prstGeom prst="rect">
+            <a:avLst/>
+          </a:prstGeom>
+        </p:spPr>
+      </p:pic>
+      <p:pic>
+        <p:nvPicPr>
+          <p:cNvPr id="7" name="Picture 6" descr="Screen Shot 2015-04-22 at 3.17.46 PM.png"/>
+          <p:cNvPicPr>
+            <a:picLocks noChangeAspect="1"/>
+          </p:cNvPicPr>
+          <p:nvPr/>
+        </p:nvPicPr>
+        <p:blipFill>
+          <a:blip r:embed="rId4">
+            <a:extLst>
+              <a:ext uri="{28A0092B-C50C-407E-A947-70E740481C1C}">
+                <a14:useLocalDpi xmlns:a14="http://schemas.microsoft.com/office/drawing/2010/main" val="0"/>
+              </a:ext>
+            </a:extLst>
+          </a:blip>
+          <a:stretch>
+            <a:fillRect/>
+          </a:stretch>
+        </p:blipFill>
+        <p:spPr>
+          <a:xfrm>
+            <a:off x="1295400" y="2971800"/>
+            <a:ext cx="3441700" cy="3060700"/>
+          </a:xfrm>
+          <a:prstGeom prst="rect">
+            <a:avLst/>
+          </a:prstGeom>
+        </p:spPr>
+      </p:pic>
+      <p:sp>
+        <p:nvSpPr>
+          <p:cNvPr id="8" name="TextBox 7"/>
+          <p:cNvSpPr txBox="1"/>
+          <p:nvPr/>
+        </p:nvSpPr>
+        <p:spPr>
+          <a:xfrm>
+            <a:off x="4844729" y="4419600"/>
+            <a:ext cx="4419600" cy="507831"/>
+          </a:xfrm>
+          <a:prstGeom prst="rect">
+            <a:avLst/>
+          </a:prstGeom>
+          <a:noFill/>
+        </p:spPr>
+        <p:txBody>
+          <a:bodyPr wrap="square" rtlCol="0">
+            <a:spAutoFit/>
+          </a:bodyPr>
+          <a:lstStyle/>
+          <a:p>
+            <a:r>
+              <a:rPr lang="en-US" dirty="0" smtClean="0">
+                <a:latin typeface="Arial" pitchFamily="34" charset="0"/>
+                <a:cs typeface="Arial" pitchFamily="34" charset="0"/>
+              </a:rPr>
               <a:t> </a:t>
             </a:r>
             <a:r>
@@ -8111,14 +10148,7 @@
                 <a:latin typeface="Arial" pitchFamily="34" charset="0"/>
                 <a:cs typeface="Arial" pitchFamily="34" charset="0"/>
               </a:rPr>
-              <a:t>==&gt; time series </a:t>
-            </a:r>
-            <a:r>
-              <a:rPr lang="en-US" sz="2700" dirty="0" smtClean="0">
-                <a:latin typeface="Arial" pitchFamily="34" charset="0"/>
-                <a:cs typeface="Arial" pitchFamily="34" charset="0"/>
-              </a:rPr>
-              <a:t>forecast!</a:t>
+              <a:t>==&gt; time series forecast!</a:t>
             </a:r>
             <a:endParaRPr lang="en-US" sz="2700" dirty="0"/>
           </a:p>
@@ -8132,7 +10162,7 @@
   <p:timing>
     <p:tnLst>
       <p:par>
-        <p:cTn id="1" dur="indefinite" restart="never" nodeType="tmRoot"/>
+        <p:cTn xmlns:p14="http://schemas.microsoft.com/office/powerpoint/2010/main" id="1" dur="indefinite" restart="never" nodeType="tmRoot"/>
       </p:par>
     </p:tnLst>
   </p:timing>
@@ -8202,14 +10232,7 @@
                 <a:latin typeface="Arial" pitchFamily="34" charset="0"/>
                 <a:cs typeface="Arial" pitchFamily="34" charset="0"/>
               </a:rPr>
-              <a:t> </a:t>
-            </a:r>
-            <a:r>
-              <a:rPr lang="en-US" sz="2700" dirty="0" smtClean="0">
-                <a:latin typeface="Arial" pitchFamily="34" charset="0"/>
-                <a:cs typeface="Arial" pitchFamily="34" charset="0"/>
-              </a:rPr>
-              <a:t>Support Vector Machine (SVM);</a:t>
+              <a:t> Support Vector Machine (SVM);</a:t>
             </a:r>
           </a:p>
           <a:p>
@@ -8224,10 +10247,6 @@
               </a:rPr>
               <a:t> Moving Average Trend Classifier;</a:t>
             </a:r>
-            <a:endParaRPr lang="en-US" sz="2700" dirty="0" smtClean="0">
-              <a:latin typeface="Arial" pitchFamily="34" charset="0"/>
-              <a:cs typeface="Arial" pitchFamily="34" charset="0"/>
-            </a:endParaRPr>
           </a:p>
           <a:p>
             <a:pPr marL="365760" lvl="1" indent="-256032">
@@ -8243,26 +10262,8 @@
                 <a:latin typeface="Arial" pitchFamily="34" charset="0"/>
                 <a:cs typeface="Arial" pitchFamily="34" charset="0"/>
               </a:rPr>
-              <a:t>Google </a:t>
-            </a:r>
-            <a:r>
-              <a:rPr lang="en-US" sz="2700" dirty="0" smtClean="0">
-                <a:latin typeface="Arial" pitchFamily="34" charset="0"/>
-                <a:cs typeface="Arial" pitchFamily="34" charset="0"/>
-              </a:rPr>
-              <a:t>Trend </a:t>
-            </a:r>
-            <a:r>
-              <a:rPr lang="en-US" sz="2700" dirty="0" smtClean="0">
-                <a:latin typeface="Arial" pitchFamily="34" charset="0"/>
-                <a:cs typeface="Arial" pitchFamily="34" charset="0"/>
-              </a:rPr>
-              <a:t>Analysis</a:t>
-            </a:r>
-            <a:endParaRPr lang="en-US" sz="2700" dirty="0" smtClean="0">
-              <a:latin typeface="Arial" pitchFamily="34" charset="0"/>
-              <a:cs typeface="Arial" pitchFamily="34" charset="0"/>
-            </a:endParaRPr>
+              <a:t>Google Trend Analysis</a:t>
+            </a:r>
           </a:p>
           <a:p>
             <a:pPr marL="365760" lvl="1" indent="-256032">
@@ -8343,7 +10344,7 @@
   <p:timing>
     <p:tnLst>
       <p:par>
-        <p:cTn id="1" dur="indefinite" restart="never" nodeType="tmRoot"/>
+        <p:cTn xmlns:p14="http://schemas.microsoft.com/office/powerpoint/2010/main" id="1" dur="indefinite" restart="never" nodeType="tmRoot"/>
       </p:par>
     </p:tnLst>
   </p:timing>
@@ -8422,14 +10423,7 @@
                 <a:latin typeface="Arial" pitchFamily="34" charset="0"/>
                 <a:cs typeface="Arial" pitchFamily="34" charset="0"/>
               </a:rPr>
-              <a:t>  </a:t>
-            </a:r>
-            <a:r>
-              <a:rPr lang="en-US" dirty="0" smtClean="0">
-                <a:latin typeface="Arial" pitchFamily="34" charset="0"/>
-                <a:cs typeface="Arial" pitchFamily="34" charset="0"/>
-              </a:rPr>
-              <a:t>Choose the close price each day.</a:t>
+              <a:t>  Choose the close price each day.</a:t>
             </a:r>
           </a:p>
         </p:txBody>
@@ -8527,7 +10521,7 @@
   <p:timing>
     <p:tnLst>
       <p:par>
-        <p:cTn id="1" dur="indefinite" restart="never" nodeType="tmRoot"/>
+        <p:cTn xmlns:p14="http://schemas.microsoft.com/office/powerpoint/2010/main" id="1" dur="indefinite" restart="never" nodeType="tmRoot"/>
       </p:par>
     </p:tnLst>
   </p:timing>
@@ -8596,26 +10590,8 @@
                 <a:latin typeface="Arial" pitchFamily="34" charset="0"/>
                 <a:cs typeface="Arial" pitchFamily="34" charset="0"/>
               </a:rPr>
-              <a:t>A </a:t>
-            </a:r>
-            <a:r>
-              <a:rPr lang="en-US" sz="2700" dirty="0" smtClean="0">
-                <a:latin typeface="Arial" pitchFamily="34" charset="0"/>
-                <a:cs typeface="Arial" pitchFamily="34" charset="0"/>
-              </a:rPr>
-              <a:t>statistical technique to learn the pattern of previous datasets and make prediction for future values based on the model learned</a:t>
-            </a:r>
-            <a:r>
-              <a:rPr lang="en-US" sz="2700" dirty="0" smtClean="0">
-                <a:latin typeface="Arial" pitchFamily="34" charset="0"/>
-                <a:cs typeface="Arial" pitchFamily="34" charset="0"/>
-              </a:rPr>
-              <a:t>.</a:t>
-            </a:r>
-            <a:endParaRPr lang="en-US" sz="2700" dirty="0" smtClean="0">
-              <a:latin typeface="Arial" pitchFamily="34" charset="0"/>
-              <a:cs typeface="Arial" pitchFamily="34" charset="0"/>
-            </a:endParaRPr>
+              <a:t>A statistical technique to learn the pattern of previous datasets and make prediction for future values based on the model learned.</a:t>
+            </a:r>
           </a:p>
           <a:p>
             <a:pPr marL="365760" lvl="1" indent="-256032" algn="just">
@@ -8634,14 +10610,7 @@
                 <a:latin typeface="Arial" pitchFamily="34" charset="0"/>
                 <a:cs typeface="Arial" pitchFamily="34" charset="0"/>
               </a:rPr>
-              <a:t>Support Vector </a:t>
-            </a:r>
-            <a:r>
-              <a:rPr lang="en-US" sz="2700" dirty="0" smtClean="0">
-                <a:latin typeface="Arial" pitchFamily="34" charset="0"/>
-                <a:cs typeface="Arial" pitchFamily="34" charset="0"/>
-              </a:rPr>
-              <a:t>Machine (SVM)</a:t>
+              <a:t>Support Vector Machine (SVM)</a:t>
             </a:r>
           </a:p>
           <a:p>
@@ -8722,7 +10691,7 @@
   <p:timing>
     <p:tnLst>
       <p:par>
-        <p:cTn id="1" dur="indefinite" restart="never" nodeType="tmRoot"/>
+        <p:cTn xmlns:p14="http://schemas.microsoft.com/office/powerpoint/2010/main" id="1" dur="indefinite" restart="never" nodeType="tmRoot"/>
       </p:par>
     </p:tnLst>
   </p:timing>
@@ -8869,7 +10838,7 @@
   <p:timing>
     <p:tnLst>
       <p:par>
-        <p:cTn id="1" dur="indefinite" restart="never" nodeType="tmRoot"/>
+        <p:cTn xmlns:p14="http://schemas.microsoft.com/office/powerpoint/2010/main" id="1" dur="indefinite" restart="never" nodeType="tmRoot"/>
       </p:par>
     </p:tnLst>
   </p:timing>
@@ -9016,7 +10985,7 @@
   <p:timing>
     <p:tnLst>
       <p:par>
-        <p:cTn id="1" dur="indefinite" restart="never" nodeType="tmRoot"/>
+        <p:cTn xmlns:p14="http://schemas.microsoft.com/office/powerpoint/2010/main" id="1" dur="indefinite" restart="never" nodeType="tmRoot"/>
       </p:par>
     </p:tnLst>
   </p:timing>

--- a/DM_Project.pptx
+++ b/DM_Project.pptx
@@ -5,7 +5,7 @@
     <p:sldMasterId id="2147483660" r:id="rId1"/>
   </p:sldMasterIdLst>
   <p:notesMasterIdLst>
-    <p:notesMasterId r:id="rId27"/>
+    <p:notesMasterId r:id="rId26"/>
   </p:notesMasterIdLst>
   <p:sldIdLst>
     <p:sldId id="256" r:id="rId2"/>
@@ -29,10 +29,9 @@
     <p:sldId id="282" r:id="rId20"/>
     <p:sldId id="283" r:id="rId21"/>
     <p:sldId id="284" r:id="rId22"/>
-    <p:sldId id="285" r:id="rId23"/>
-    <p:sldId id="286" r:id="rId24"/>
-    <p:sldId id="287" r:id="rId25"/>
-    <p:sldId id="274" r:id="rId26"/>
+    <p:sldId id="286" r:id="rId23"/>
+    <p:sldId id="287" r:id="rId24"/>
+    <p:sldId id="274" r:id="rId25"/>
   </p:sldIdLst>
   <p:sldSz cx="9144000" cy="6858000" type="screen4x3"/>
   <p:notesSz cx="6858000" cy="9144000"/>
@@ -136,28 +135,16 @@
 
 <file path=ppt/charts/chart1.xml><?xml version="1.0" encoding="utf-8"?>
 <c:chartSpace xmlns:c="http://schemas.openxmlformats.org/drawingml/2006/chart" xmlns:a="http://schemas.openxmlformats.org/drawingml/2006/main" xmlns:r="http://schemas.openxmlformats.org/officeDocument/2006/relationships">
-  <c:date1904 val="0"/>
   <c:lang val="en-US"/>
-  <c:roundedCorners val="0"/>
-  <mc:AlternateContent xmlns:mc="http://schemas.openxmlformats.org/markup-compatibility/2006">
-    <mc:Choice xmlns:c14="http://schemas.microsoft.com/office/drawing/2007/8/2/chart" Requires="c14">
-      <c14:style val="116"/>
-    </mc:Choice>
-    <mc:Fallback>
-      <c:style val="16"/>
-    </mc:Fallback>
-  </mc:AlternateContent>
+  <c:style val="16"/>
   <c:chart>
     <c:title>
       <c:layout/>
-      <c:overlay val="0"/>
     </c:title>
-    <c:autoTitleDeleted val="0"/>
     <c:plotArea>
       <c:layout/>
       <c:lineChart>
         <c:grouping val="standard"/>
-        <c:varyColors val="0"/>
         <c:ser>
           <c:idx val="0"/>
           <c:order val="0"/>
@@ -179,19 +166,19 @@
                 <c:formatCode>m/d/yy</c:formatCode>
                 <c:ptCount val="5"/>
                 <c:pt idx="0">
-                  <c:v>39814.0</c:v>
+                  <c:v>39814</c:v>
                 </c:pt>
                 <c:pt idx="1">
-                  <c:v>41518.0</c:v>
+                  <c:v>41518</c:v>
                 </c:pt>
                 <c:pt idx="2">
-                  <c:v>41609.0</c:v>
+                  <c:v>41609</c:v>
                 </c:pt>
                 <c:pt idx="3">
-                  <c:v>42005.0</c:v>
+                  <c:v>42005</c:v>
                 </c:pt>
                 <c:pt idx="4">
-                  <c:v>42064.0</c:v>
+                  <c:v>42064</c:v>
                 </c:pt>
               </c:numCache>
             </c:numRef>
@@ -203,75 +190,59 @@
                 <c:formatCode>#,##0</c:formatCode>
                 <c:ptCount val="5"/>
                 <c:pt idx="0" formatCode="General">
-                  <c:v>0.0</c:v>
+                  <c:v>0</c:v>
                 </c:pt>
                 <c:pt idx="1">
-                  <c:v>1.0</c:v>
+                  <c:v>1</c:v>
                 </c:pt>
                 <c:pt idx="2">
-                  <c:v>13.0</c:v>
+                  <c:v>13</c:v>
                 </c:pt>
                 <c:pt idx="3">
-                  <c:v>3.0</c:v>
+                  <c:v>3</c:v>
                 </c:pt>
                 <c:pt idx="4">
-                  <c:v>3.0</c:v>
+                  <c:v>3</c:v>
                 </c:pt>
               </c:numCache>
             </c:numRef>
           </c:val>
-          <c:smooth val="0"/>
         </c:ser>
-        <c:dLbls>
-          <c:showLegendKey val="0"/>
-          <c:showVal val="0"/>
-          <c:showCatName val="0"/>
-          <c:showSerName val="0"/>
-          <c:showPercent val="0"/>
-          <c:showBubbleSize val="0"/>
-        </c:dLbls>
+        <c:dLbls/>
         <c:marker val="1"/>
-        <c:smooth val="0"/>
-        <c:axId val="2131352376"/>
-        <c:axId val="2131354840"/>
+        <c:axId val="46066688"/>
+        <c:axId val="68748032"/>
       </c:lineChart>
       <c:dateAx>
-        <c:axId val="2131352376"/>
+        <c:axId val="46066688"/>
         <c:scaling>
           <c:orientation val="minMax"/>
         </c:scaling>
-        <c:delete val="0"/>
         <c:axPos val="b"/>
         <c:numFmt formatCode="m/d/yy" sourceLinked="1"/>
-        <c:majorTickMark val="out"/>
-        <c:minorTickMark val="none"/>
         <c:tickLblPos val="nextTo"/>
-        <c:crossAx val="2131354840"/>
+        <c:crossAx val="68748032"/>
         <c:crosses val="autoZero"/>
         <c:auto val="1"/>
         <c:lblOffset val="100"/>
         <c:baseTimeUnit val="months"/>
       </c:dateAx>
       <c:valAx>
-        <c:axId val="2131354840"/>
+        <c:axId val="68748032"/>
         <c:scaling>
           <c:orientation val="minMax"/>
         </c:scaling>
-        <c:delete val="0"/>
         <c:axPos val="l"/>
         <c:majorGridlines/>
         <c:numFmt formatCode="General" sourceLinked="1"/>
-        <c:majorTickMark val="out"/>
-        <c:minorTickMark val="none"/>
         <c:tickLblPos val="nextTo"/>
-        <c:crossAx val="2131352376"/>
+        <c:crossAx val="46066688"/>
         <c:crosses val="autoZero"/>
         <c:crossBetween val="between"/>
       </c:valAx>
     </c:plotArea>
     <c:plotVisOnly val="1"/>
     <c:dispBlanksAs val="gap"/>
-    <c:showDLblsOverMax val="0"/>
   </c:chart>
   <c:txPr>
     <a:bodyPr/>
@@ -283,9 +254,7 @@
       <a:endParaRPr lang="en-US"/>
     </a:p>
   </c:txPr>
-  <c:externalData r:id="rId1">
-    <c:autoUpdate val="0"/>
-  </c:externalData>
+  <c:externalData r:id="rId1"/>
 </c:chartSpace>
 </file>
 
@@ -371,7 +340,8 @@
           <a:p>
             <a:fld id="{359111DE-1BA2-49A7-AE83-CFAA77982A4A}" type="datetimeFigureOut">
               <a:rPr lang="en-US" smtClean="0"/>
-              <a:t>4/22/15</a:t>
+              <a:pPr/>
+              <a:t>4/22/2015</a:t>
             </a:fld>
             <a:endParaRPr lang="en-US"/>
           </a:p>
@@ -532,6 +502,7 @@
           <a:p>
             <a:fld id="{CDAC7F64-A4B7-4BCC-B9DC-94CD6EAD0647}" type="slidenum">
               <a:rPr lang="en-US" smtClean="0"/>
+              <a:pPr/>
               <a:t>‹#›</a:t>
             </a:fld>
             <a:endParaRPr lang="en-US"/>
@@ -541,7 +512,7 @@
     </p:spTree>
     <p:extLst>
       <p:ext uri="{BB962C8B-B14F-4D97-AF65-F5344CB8AC3E}">
-        <p14:creationId xmlns:p14="http://schemas.microsoft.com/office/powerpoint/2010/main" val="1175721935"/>
+        <p14:creationId xmlns:p14="http://schemas.microsoft.com/office/powerpoint/2010/main" xmlns="" val="1175721935"/>
       </p:ext>
     </p:extLst>
   </p:cSld>
@@ -718,6 +689,7 @@
           <a:p>
             <a:fld id="{CDAC7F64-A4B7-4BCC-B9DC-94CD6EAD0647}" type="slidenum">
               <a:rPr lang="en-US" smtClean="0"/>
+              <a:pPr/>
               <a:t>2</a:t>
             </a:fld>
             <a:endParaRPr lang="en-US"/>
@@ -1358,7 +1330,7 @@
             <a:fld id="{1D8BD707-D9CF-40AE-B4C6-C98DA3205C09}" type="datetimeFigureOut">
               <a:rPr lang="en-US" smtClean="0"/>
               <a:pPr/>
-              <a:t>4/22/15</a:t>
+              <a:t>4/22/2015</a:t>
             </a:fld>
             <a:endParaRPr lang="en-US"/>
           </a:p>
@@ -1556,7 +1528,7 @@
             <a:fld id="{1D8BD707-D9CF-40AE-B4C6-C98DA3205C09}" type="datetimeFigureOut">
               <a:rPr lang="en-US" smtClean="0"/>
               <a:pPr/>
-              <a:t>4/22/15</a:t>
+              <a:t>4/22/2015</a:t>
             </a:fld>
             <a:endParaRPr lang="en-US"/>
           </a:p>
@@ -1743,7 +1715,7 @@
             <a:fld id="{1D8BD707-D9CF-40AE-B4C6-C98DA3205C09}" type="datetimeFigureOut">
               <a:rPr lang="en-US" smtClean="0"/>
               <a:pPr/>
-              <a:t>4/22/15</a:t>
+              <a:t>4/22/2015</a:t>
             </a:fld>
             <a:endParaRPr lang="en-US"/>
           </a:p>
@@ -1895,7 +1867,7 @@
             <a:fld id="{1D8BD707-D9CF-40AE-B4C6-C98DA3205C09}" type="datetimeFigureOut">
               <a:rPr lang="en-US" smtClean="0"/>
               <a:pPr/>
-              <a:t>4/22/15</a:t>
+              <a:t>4/22/2015</a:t>
             </a:fld>
             <a:endParaRPr lang="en-US"/>
           </a:p>
@@ -2152,7 +2124,7 @@
             <a:fld id="{1D8BD707-D9CF-40AE-B4C6-C98DA3205C09}" type="datetimeFigureOut">
               <a:rPr lang="en-US" smtClean="0"/>
               <a:pPr/>
-              <a:t>4/22/15</a:t>
+              <a:t>4/22/2015</a:t>
             </a:fld>
             <a:endParaRPr lang="en-US"/>
           </a:p>
@@ -2563,7 +2535,7 @@
             <a:fld id="{1D8BD707-D9CF-40AE-B4C6-C98DA3205C09}" type="datetimeFigureOut">
               <a:rPr lang="en-US" smtClean="0"/>
               <a:pPr/>
-              <a:t>4/22/15</a:t>
+              <a:t>4/22/2015</a:t>
             </a:fld>
             <a:endParaRPr lang="en-US"/>
           </a:p>
@@ -3011,7 +2983,7 @@
             <a:fld id="{1D8BD707-D9CF-40AE-B4C6-C98DA3205C09}" type="datetimeFigureOut">
               <a:rPr lang="en-US" smtClean="0"/>
               <a:pPr/>
-              <a:t>4/22/15</a:t>
+              <a:t>4/22/2015</a:t>
             </a:fld>
             <a:endParaRPr lang="en-US"/>
           </a:p>
@@ -3114,7 +3086,7 @@
             <a:fld id="{1D8BD707-D9CF-40AE-B4C6-C98DA3205C09}" type="datetimeFigureOut">
               <a:rPr lang="en-US" smtClean="0"/>
               <a:pPr/>
-              <a:t>4/22/15</a:t>
+              <a:t>4/22/2015</a:t>
             </a:fld>
             <a:endParaRPr lang="en-US"/>
           </a:p>
@@ -3237,7 +3209,7 @@
             <a:fld id="{1D8BD707-D9CF-40AE-B4C6-C98DA3205C09}" type="datetimeFigureOut">
               <a:rPr lang="en-US" smtClean="0"/>
               <a:pPr/>
-              <a:t>4/22/15</a:t>
+              <a:t>4/22/2015</a:t>
             </a:fld>
             <a:endParaRPr lang="en-US"/>
           </a:p>
@@ -3513,7 +3485,7 @@
             <a:fld id="{1D8BD707-D9CF-40AE-B4C6-C98DA3205C09}" type="datetimeFigureOut">
               <a:rPr lang="en-US" smtClean="0"/>
               <a:pPr/>
-              <a:t>4/22/15</a:t>
+              <a:t>4/22/2015</a:t>
             </a:fld>
             <a:endParaRPr lang="en-US"/>
           </a:p>
@@ -3720,7 +3692,7 @@
             <a:fld id="{1D8BD707-D9CF-40AE-B4C6-C98DA3205C09}" type="datetimeFigureOut">
               <a:rPr lang="en-US" smtClean="0"/>
               <a:pPr/>
-              <a:t>4/22/15</a:t>
+              <a:t>4/22/2015</a:t>
             </a:fld>
             <a:endParaRPr lang="en-US"/>
           </a:p>
@@ -4831,7 +4803,7 @@
             <a:fld id="{1D8BD707-D9CF-40AE-B4C6-C98DA3205C09}" type="datetimeFigureOut">
               <a:rPr lang="en-US" smtClean="0"/>
               <a:pPr/>
-              <a:t>4/22/15</a:t>
+              <a:t>4/22/2015</a:t>
             </a:fld>
             <a:endParaRPr lang="en-US"/>
           </a:p>
@@ -5361,7 +5333,7 @@
   <p:timing>
     <p:tnLst>
       <p:par>
-        <p:cTn xmlns:p14="http://schemas.microsoft.com/office/powerpoint/2010/main" id="1" dur="indefinite" restart="never" nodeType="tmRoot"/>
+        <p:cTn id="1" dur="indefinite" restart="never" nodeType="tmRoot"/>
       </p:par>
     </p:tnLst>
   </p:timing>
@@ -5540,7 +5512,7 @@
                           <a:latin typeface="Arial" pitchFamily="34" charset="0"/>
                           <a:cs typeface="Arial" pitchFamily="34" charset="0"/>
                         </a:rPr>
-                        <a:t>80.0633</a:t>
+                        <a:t>26.76</a:t>
                       </a:r>
                       <a:endParaRPr lang="en-US" sz="2700" dirty="0">
                         <a:latin typeface="Arial" pitchFamily="34" charset="0"/>
@@ -5561,7 +5533,7 @@
                           <a:latin typeface="Arial" pitchFamily="34" charset="0"/>
                           <a:cs typeface="Arial" pitchFamily="34" charset="0"/>
                         </a:rPr>
-                        <a:t>0.2310</a:t>
+                        <a:t>0.08</a:t>
                       </a:r>
                       <a:endParaRPr lang="en-US" sz="2700" dirty="0">
                         <a:latin typeface="Arial" pitchFamily="34" charset="0"/>
@@ -5605,7 +5577,7 @@
                           <a:latin typeface="Arial" pitchFamily="34" charset="0"/>
                           <a:cs typeface="Arial" pitchFamily="34" charset="0"/>
                         </a:rPr>
-                        <a:t>38.3960</a:t>
+                        <a:t>21.39</a:t>
                       </a:r>
                       <a:endParaRPr lang="en-US" sz="2700" dirty="0">
                         <a:latin typeface="Arial" pitchFamily="34" charset="0"/>
@@ -5626,7 +5598,7 @@
                           <a:latin typeface="Arial" pitchFamily="34" charset="0"/>
                           <a:cs typeface="Arial" pitchFamily="34" charset="0"/>
                         </a:rPr>
-                        <a:t>0.1775</a:t>
+                        <a:t>0.07</a:t>
                       </a:r>
                       <a:endParaRPr lang="en-US" sz="2700" dirty="0">
                         <a:latin typeface="Arial" pitchFamily="34" charset="0"/>
@@ -5677,7 +5649,7 @@
                           <a:latin typeface="Arial" pitchFamily="34" charset="0"/>
                           <a:cs typeface="Arial" pitchFamily="34" charset="0"/>
                         </a:rPr>
-                        <a:t>16.7943</a:t>
+                        <a:t>16.79</a:t>
                       </a:r>
                       <a:endParaRPr lang="en-US" sz="2700" dirty="0">
                         <a:latin typeface="Arial" pitchFamily="34" charset="0"/>
@@ -5698,7 +5670,7 @@
                           <a:latin typeface="Arial" pitchFamily="34" charset="0"/>
                           <a:cs typeface="Arial" pitchFamily="34" charset="0"/>
                         </a:rPr>
-                        <a:t>0.0307</a:t>
+                        <a:t>0.03</a:t>
                       </a:r>
                       <a:endParaRPr lang="en-US" sz="2700" dirty="0">
                         <a:latin typeface="Arial" pitchFamily="34" charset="0"/>
@@ -5882,7 +5854,7 @@
   <p:timing>
     <p:tnLst>
       <p:par>
-        <p:cTn xmlns:p14="http://schemas.microsoft.com/office/powerpoint/2010/main" id="1" dur="indefinite" restart="never" nodeType="tmRoot"/>
+        <p:cTn id="1" dur="indefinite" restart="never" nodeType="tmRoot"/>
       </p:par>
     </p:tnLst>
   </p:timing>
@@ -5931,8 +5903,82 @@
                 <a:latin typeface="Arial" pitchFamily="34" charset="0"/>
                 <a:cs typeface="Arial" pitchFamily="34" charset="0"/>
               </a:rPr>
-              <a:t>Apply the algorithm to stock price and compare</a:t>
-            </a:r>
+              <a:t>Based on my analysis, t</a:t>
+            </a:r>
+            <a:r>
+              <a:rPr lang="en-US" dirty="0" smtClean="0">
+                <a:latin typeface="Arial" pitchFamily="34" charset="0"/>
+                <a:cs typeface="Arial" pitchFamily="34" charset="0"/>
+              </a:rPr>
+              <a:t>he reason for HIGHER relative mean error rate can be </a:t>
+            </a:r>
+            <a:r>
+              <a:rPr lang="en-US" dirty="0" err="1" smtClean="0">
+                <a:latin typeface="Arial" pitchFamily="34" charset="0"/>
+                <a:cs typeface="Arial" pitchFamily="34" charset="0"/>
+              </a:rPr>
+              <a:t>Bitcoin</a:t>
+            </a:r>
+            <a:r>
+              <a:rPr lang="en-US" dirty="0" smtClean="0">
+                <a:latin typeface="Arial" pitchFamily="34" charset="0"/>
+                <a:cs typeface="Arial" pitchFamily="34" charset="0"/>
+              </a:rPr>
+              <a:t> price fluctuates frequently than stock market.</a:t>
+            </a:r>
+          </a:p>
+          <a:p>
+            <a:pPr algn="just">
+              <a:spcAft>
+                <a:spcPts val="600"/>
+              </a:spcAft>
+            </a:pPr>
+            <a:r>
+              <a:rPr lang="en-US" dirty="0" smtClean="0">
+                <a:latin typeface="Arial" pitchFamily="34" charset="0"/>
+                <a:cs typeface="Arial" pitchFamily="34" charset="0"/>
+              </a:rPr>
+              <a:t>The variance of </a:t>
+            </a:r>
+            <a:r>
+              <a:rPr lang="en-US" dirty="0" err="1" smtClean="0">
+                <a:latin typeface="Arial" pitchFamily="34" charset="0"/>
+                <a:cs typeface="Arial" pitchFamily="34" charset="0"/>
+              </a:rPr>
+              <a:t>Bitcoin</a:t>
+            </a:r>
+            <a:r>
+              <a:rPr lang="en-US" dirty="0" smtClean="0">
+                <a:latin typeface="Arial" pitchFamily="34" charset="0"/>
+                <a:cs typeface="Arial" pitchFamily="34" charset="0"/>
+              </a:rPr>
+              <a:t> is 27 times that of </a:t>
+            </a:r>
+            <a:r>
+              <a:rPr lang="en-US" dirty="0" err="1" smtClean="0">
+                <a:latin typeface="Arial" pitchFamily="34" charset="0"/>
+                <a:cs typeface="Arial" pitchFamily="34" charset="0"/>
+              </a:rPr>
+              <a:t>google</a:t>
+            </a:r>
+            <a:r>
+              <a:rPr lang="en-US" dirty="0" smtClean="0">
+                <a:latin typeface="Arial" pitchFamily="34" charset="0"/>
+                <a:cs typeface="Arial" pitchFamily="34" charset="0"/>
+              </a:rPr>
+              <a:t> stock price in the example below.</a:t>
+            </a:r>
+            <a:r>
+              <a:rPr lang="en-US" dirty="0" smtClean="0">
+                <a:latin typeface="Arial" pitchFamily="34" charset="0"/>
+                <a:cs typeface="Arial" pitchFamily="34" charset="0"/>
+              </a:rPr>
+              <a:t> </a:t>
+            </a:r>
+            <a:endParaRPr lang="en-US" dirty="0" smtClean="0">
+              <a:latin typeface="Arial" pitchFamily="34" charset="0"/>
+              <a:cs typeface="Arial" pitchFamily="34" charset="0"/>
+            </a:endParaRPr>
           </a:p>
         </p:txBody>
       </p:sp>
@@ -5990,7 +6036,7 @@
       </p:pic>
       <p:pic>
         <p:nvPicPr>
-          <p:cNvPr id="4098" name="Picture 2"/>
+          <p:cNvPr id="2050" name="Picture 2"/>
           <p:cNvPicPr>
             <a:picLocks noChangeAspect="1" noChangeArrowheads="1"/>
           </p:cNvPicPr>
@@ -6005,8 +6051,8 @@
         </p:blipFill>
         <p:spPr bwMode="auto">
           <a:xfrm>
-            <a:off x="0" y="2133600"/>
-            <a:ext cx="9155055" cy="4724400"/>
+            <a:off x="0" y="3880126"/>
+            <a:ext cx="9144000" cy="2977874"/>
           </a:xfrm>
           <a:prstGeom prst="rect">
             <a:avLst/>
@@ -6021,116 +6067,6 @@
           <a:effectLst/>
         </p:spPr>
       </p:pic>
-      <p:sp>
-        <p:nvSpPr>
-          <p:cNvPr id="6" name="Rounded Rectangular Callout 5"/>
-          <p:cNvSpPr/>
-          <p:nvPr/>
-        </p:nvSpPr>
-        <p:spPr>
-          <a:xfrm>
-            <a:off x="685800" y="2743200"/>
-            <a:ext cx="1447800" cy="990600"/>
-          </a:xfrm>
-          <a:prstGeom prst="wedgeRoundRectCallout">
-            <a:avLst>
-              <a:gd name="adj1" fmla="val -30467"/>
-              <a:gd name="adj2" fmla="val 120388"/>
-              <a:gd name="adj3" fmla="val 16667"/>
-            </a:avLst>
-          </a:prstGeom>
-          <a:solidFill>
-            <a:schemeClr val="bg2">
-              <a:lumMod val="50000"/>
-            </a:schemeClr>
-          </a:solidFill>
-        </p:spPr>
-        <p:style>
-          <a:lnRef idx="2">
-            <a:schemeClr val="accent1">
-              <a:shade val="50000"/>
-            </a:schemeClr>
-          </a:lnRef>
-          <a:fillRef idx="1">
-            <a:schemeClr val="accent1"/>
-          </a:fillRef>
-          <a:effectRef idx="0">
-            <a:schemeClr val="accent1"/>
-          </a:effectRef>
-          <a:fontRef idx="minor">
-            <a:schemeClr val="lt1"/>
-          </a:fontRef>
-        </p:style>
-        <p:txBody>
-          <a:bodyPr rtlCol="0" anchor="ctr"/>
-          <a:lstStyle/>
-          <a:p>
-            <a:pPr algn="ctr"/>
-            <a:r>
-              <a:rPr lang="en-US" dirty="0" smtClean="0"/>
-              <a:t>Google stock price</a:t>
-            </a:r>
-            <a:endParaRPr lang="en-US" dirty="0"/>
-          </a:p>
-        </p:txBody>
-      </p:sp>
-      <p:sp>
-        <p:nvSpPr>
-          <p:cNvPr id="7" name="Rounded Rectangular Callout 6"/>
-          <p:cNvSpPr/>
-          <p:nvPr/>
-        </p:nvSpPr>
-        <p:spPr>
-          <a:xfrm>
-            <a:off x="4724400" y="2514600"/>
-            <a:ext cx="1447800" cy="990600"/>
-          </a:xfrm>
-          <a:prstGeom prst="wedgeRoundRectCallout">
-            <a:avLst>
-              <a:gd name="adj1" fmla="val -150360"/>
-              <a:gd name="adj2" fmla="val -3210"/>
-              <a:gd name="adj3" fmla="val 16667"/>
-            </a:avLst>
-          </a:prstGeom>
-          <a:solidFill>
-            <a:schemeClr val="bg2">
-              <a:lumMod val="50000"/>
-            </a:schemeClr>
-          </a:solidFill>
-        </p:spPr>
-        <p:style>
-          <a:lnRef idx="2">
-            <a:schemeClr val="accent1">
-              <a:shade val="50000"/>
-            </a:schemeClr>
-          </a:lnRef>
-          <a:fillRef idx="1">
-            <a:schemeClr val="accent1"/>
-          </a:fillRef>
-          <a:effectRef idx="0">
-            <a:schemeClr val="accent1"/>
-          </a:effectRef>
-          <a:fontRef idx="minor">
-            <a:schemeClr val="lt1"/>
-          </a:fontRef>
-        </p:style>
-        <p:txBody>
-          <a:bodyPr rtlCol="0" anchor="ctr"/>
-          <a:lstStyle/>
-          <a:p>
-            <a:pPr algn="ctr"/>
-            <a:r>
-              <a:rPr lang="en-US" dirty="0" err="1" smtClean="0"/>
-              <a:t>Bitcoin</a:t>
-            </a:r>
-            <a:r>
-              <a:rPr lang="en-US" dirty="0" smtClean="0"/>
-              <a:t> price</a:t>
-            </a:r>
-            <a:endParaRPr lang="en-US" dirty="0"/>
-          </a:p>
-        </p:txBody>
-      </p:sp>
     </p:spTree>
   </p:cSld>
   <p:clrMapOvr>
@@ -6139,7 +6075,7 @@
   <p:timing>
     <p:tnLst>
       <p:par>
-        <p:cTn xmlns:p14="http://schemas.microsoft.com/office/powerpoint/2010/main" id="1" dur="indefinite" restart="never" nodeType="tmRoot"/>
+        <p:cTn id="1" dur="indefinite" restart="never" nodeType="tmRoot"/>
       </p:par>
     </p:tnLst>
   </p:timing>
@@ -6220,8 +6156,26 @@
                 <a:latin typeface="Arial" pitchFamily="34" charset="0"/>
                 <a:cs typeface="Arial" pitchFamily="34" charset="0"/>
               </a:rPr>
-              <a:t> Use weighted average to indicate the trend weekly and monthly.</a:t>
-            </a:r>
+              <a:t> </a:t>
+            </a:r>
+            <a:r>
+              <a:rPr lang="en-US" sz="2700" dirty="0" smtClean="0">
+                <a:latin typeface="Arial" pitchFamily="34" charset="0"/>
+                <a:cs typeface="Arial" pitchFamily="34" charset="0"/>
+              </a:rPr>
+              <a:t>By comparing the close price of each week using the moving average algorithm to get the </a:t>
+            </a:r>
+            <a:r>
+              <a:rPr lang="en-US" sz="2700" dirty="0" smtClean="0">
+                <a:latin typeface="Arial" pitchFamily="34" charset="0"/>
+                <a:cs typeface="Arial" pitchFamily="34" charset="0"/>
+              </a:rPr>
+              <a:t>trend indicator for a week.</a:t>
+            </a:r>
+            <a:endParaRPr lang="en-US" sz="2700" dirty="0" smtClean="0">
+              <a:latin typeface="Arial" pitchFamily="34" charset="0"/>
+              <a:cs typeface="Arial" pitchFamily="34" charset="0"/>
+            </a:endParaRPr>
           </a:p>
           <a:p>
             <a:pPr marL="603504" lvl="2" indent="-256032" algn="just">
@@ -6301,7 +6255,7 @@
   <p:timing>
     <p:tnLst>
       <p:par>
-        <p:cTn xmlns:p14="http://schemas.microsoft.com/office/powerpoint/2010/main" id="1" dur="indefinite" restart="never" nodeType="tmRoot"/>
+        <p:cTn id="1" dur="indefinite" restart="never" nodeType="tmRoot"/>
       </p:par>
     </p:tnLst>
   </p:timing>
@@ -6685,8 +6639,8 @@
                     <a:p>
                       <a:pPr algn="ctr"/>
                       <a:r>
-                        <a:rPr lang="en-US" smtClean="0"/>
-                        <a:t>44</a:t>
+                        <a:rPr lang="en-US" dirty="0" smtClean="0"/>
+                        <a:t>78</a:t>
                       </a:r>
                       <a:endParaRPr lang="en-US" dirty="0"/>
                     </a:p>
@@ -6701,7 +6655,7 @@
                       <a:pPr algn="ctr"/>
                       <a:r>
                         <a:rPr lang="en-US" dirty="0" smtClean="0"/>
-                        <a:t>1</a:t>
+                        <a:t>32</a:t>
                       </a:r>
                       <a:endParaRPr lang="en-US" dirty="0"/>
                     </a:p>
@@ -6743,7 +6697,7 @@
                       <a:pPr algn="ctr"/>
                       <a:r>
                         <a:rPr lang="en-US" dirty="0" smtClean="0"/>
-                        <a:t>4</a:t>
+                        <a:t>41</a:t>
                       </a:r>
                       <a:endParaRPr lang="en-US" dirty="0"/>
                     </a:p>
@@ -6758,7 +6712,7 @@
                       <a:pPr algn="ctr"/>
                       <a:r>
                         <a:rPr lang="en-US" dirty="0" smtClean="0"/>
-                        <a:t>1</a:t>
+                        <a:t>31</a:t>
                       </a:r>
                       <a:endParaRPr lang="en-US" dirty="0"/>
                     </a:p>
@@ -6945,7 +6899,7 @@
                       <a:pPr algn="ctr"/>
                       <a:r>
                         <a:rPr lang="en-US" dirty="0" smtClean="0"/>
-                        <a:t>47</a:t>
+                        <a:t>82</a:t>
                       </a:r>
                       <a:endParaRPr lang="en-US" dirty="0"/>
                     </a:p>
@@ -6960,7 +6914,7 @@
                       <a:pPr algn="ctr"/>
                       <a:r>
                         <a:rPr lang="en-US" dirty="0" smtClean="0"/>
-                        <a:t>1</a:t>
+                        <a:t>28</a:t>
                       </a:r>
                       <a:endParaRPr lang="en-US" dirty="0"/>
                     </a:p>
@@ -7002,7 +6956,7 @@
                       <a:pPr algn="ctr"/>
                       <a:r>
                         <a:rPr lang="en-US" dirty="0" smtClean="0"/>
-                        <a:t>1</a:t>
+                        <a:t>38</a:t>
                       </a:r>
                       <a:endParaRPr lang="en-US" dirty="0"/>
                     </a:p>
@@ -7017,7 +6971,7 @@
                       <a:pPr algn="ctr"/>
                       <a:r>
                         <a:rPr lang="en-US" dirty="0" smtClean="0"/>
-                        <a:t>1</a:t>
+                        <a:t>34</a:t>
                       </a:r>
                       <a:endParaRPr lang="en-US" dirty="0"/>
                     </a:p>
@@ -7053,7 +7007,35 @@
           <a:p>
             <a:r>
               <a:rPr lang="en-US" dirty="0" smtClean="0"/>
-              <a:t>TPR = 0.9778; FPR = 0.8                    TPR = 0.9792; FPR = 0.5  </a:t>
+              <a:t>TPR = </a:t>
+            </a:r>
+            <a:r>
+              <a:rPr lang="en-US" dirty="0" smtClean="0"/>
+              <a:t>0.7091; </a:t>
+            </a:r>
+            <a:r>
+              <a:rPr lang="en-US" dirty="0" smtClean="0"/>
+              <a:t>FPR = </a:t>
+            </a:r>
+            <a:r>
+              <a:rPr lang="en-US" dirty="0" smtClean="0"/>
+              <a:t>0.5694            TPR </a:t>
+            </a:r>
+            <a:r>
+              <a:rPr lang="en-US" dirty="0" smtClean="0"/>
+              <a:t>= </a:t>
+            </a:r>
+            <a:r>
+              <a:rPr lang="en-US" dirty="0" smtClean="0"/>
+              <a:t>0.7455; </a:t>
+            </a:r>
+            <a:r>
+              <a:rPr lang="en-US" dirty="0" smtClean="0"/>
+              <a:t>FPR = </a:t>
+            </a:r>
+            <a:r>
+              <a:rPr lang="en-US" dirty="0" smtClean="0"/>
+              <a:t>0.5278  </a:t>
             </a:r>
             <a:endParaRPr lang="en-US" dirty="0"/>
           </a:p>
@@ -7067,7 +7049,7 @@
   <p:timing>
     <p:tnLst>
       <p:par>
-        <p:cTn xmlns:p14="http://schemas.microsoft.com/office/powerpoint/2010/main" id="1" dur="indefinite" restart="never" nodeType="tmRoot"/>
+        <p:cTn id="1" dur="indefinite" restart="never" nodeType="tmRoot"/>
       </p:par>
     </p:tnLst>
   </p:timing>
@@ -7155,19 +7137,8 @@
                 <a:latin typeface="Arial" pitchFamily="34" charset="0"/>
                 <a:cs typeface="Arial" pitchFamily="34" charset="0"/>
               </a:rPr>
-              <a:t>Google </a:t>
-            </a:r>
-            <a:r>
-              <a:rPr lang="en-US" dirty="0" smtClean="0">
-                <a:latin typeface="Arial" pitchFamily="34" charset="0"/>
-                <a:cs typeface="Arial" pitchFamily="34" charset="0"/>
-              </a:rPr>
-              <a:t>search trend</a:t>
-            </a:r>
-            <a:endParaRPr lang="en-US" dirty="0" smtClean="0">
-              <a:latin typeface="Arial" pitchFamily="34" charset="0"/>
-              <a:cs typeface="Arial" pitchFamily="34" charset="0"/>
-            </a:endParaRPr>
+              <a:t>Google search trend</a:t>
+            </a:r>
           </a:p>
           <a:p>
             <a:pPr algn="just">
@@ -7180,14 +7151,7 @@
                 <a:latin typeface="Arial" pitchFamily="34" charset="0"/>
                 <a:cs typeface="Arial" pitchFamily="34" charset="0"/>
               </a:rPr>
-              <a:t>News Sentimental </a:t>
-            </a:r>
-            <a:r>
-              <a:rPr lang="en-US" dirty="0" smtClean="0">
-                <a:latin typeface="Arial" pitchFamily="34" charset="0"/>
-                <a:cs typeface="Arial" pitchFamily="34" charset="0"/>
-              </a:rPr>
-              <a:t>analysis</a:t>
+              <a:t>News Sentimental analysis</a:t>
             </a:r>
             <a:endParaRPr lang="en-US" sz="2700" dirty="0" smtClean="0">
               <a:latin typeface="Arial" pitchFamily="34" charset="0"/>
@@ -7360,7 +7324,7 @@
   <p:timing>
     <p:tnLst>
       <p:par>
-        <p:cTn xmlns:p14="http://schemas.microsoft.com/office/powerpoint/2010/main" id="1" dur="indefinite" restart="never" nodeType="tmRoot"/>
+        <p:cTn id="1" dur="indefinite" restart="never" nodeType="tmRoot"/>
       </p:par>
     </p:tnLst>
   </p:timing>
@@ -7584,7 +7548,7 @@
           <a:blip r:embed="rId3">
             <a:extLst>
               <a:ext uri="{28A0092B-C50C-407E-A947-70E740481C1C}">
-                <a14:useLocalDpi xmlns:a14="http://schemas.microsoft.com/office/drawing/2010/main" val="0"/>
+                <a14:useLocalDpi xmlns:a14="http://schemas.microsoft.com/office/drawing/2010/main" xmlns="" val="0"/>
               </a:ext>
             </a:extLst>
           </a:blip>
@@ -7605,13 +7569,20 @@
     </p:spTree>
     <p:extLst>
       <p:ext uri="{BB962C8B-B14F-4D97-AF65-F5344CB8AC3E}">
-        <p14:creationId xmlns:p14="http://schemas.microsoft.com/office/powerpoint/2010/main" val="1561910368"/>
+        <p14:creationId xmlns:p14="http://schemas.microsoft.com/office/powerpoint/2010/main" xmlns="" val="1561910368"/>
       </p:ext>
     </p:extLst>
   </p:cSld>
   <p:clrMapOvr>
     <a:masterClrMapping/>
   </p:clrMapOvr>
+  <p:timing>
+    <p:tnLst>
+      <p:par>
+        <p:cTn id="1" dur="indefinite" restart="never" nodeType="tmRoot"/>
+      </p:par>
+    </p:tnLst>
+  </p:timing>
 </p:sld>
 </file>
 
@@ -7739,10 +7710,6 @@
               </a:rPr>
               <a:t>?</a:t>
             </a:r>
-            <a:endParaRPr lang="en-US" dirty="0" smtClean="0">
-              <a:latin typeface="Arial" pitchFamily="34" charset="0"/>
-              <a:cs typeface="Arial" pitchFamily="34" charset="0"/>
-            </a:endParaRPr>
           </a:p>
           <a:p>
             <a:pPr algn="just">
@@ -7869,13 +7836,20 @@
     </p:spTree>
     <p:extLst>
       <p:ext uri="{BB962C8B-B14F-4D97-AF65-F5344CB8AC3E}">
-        <p14:creationId xmlns:p14="http://schemas.microsoft.com/office/powerpoint/2010/main" val="1898863101"/>
+        <p14:creationId xmlns:p14="http://schemas.microsoft.com/office/powerpoint/2010/main" xmlns="" val="1898863101"/>
       </p:ext>
     </p:extLst>
   </p:cSld>
   <p:clrMapOvr>
     <a:masterClrMapping/>
   </p:clrMapOvr>
+  <p:timing>
+    <p:tnLst>
+      <p:par>
+        <p:cTn id="1" dur="indefinite" restart="never" nodeType="tmRoot"/>
+      </p:par>
+    </p:tnLst>
+  </p:timing>
 </p:sld>
 </file>
 
@@ -8013,7 +7987,7 @@
           <a:blip r:embed="rId3">
             <a:extLst>
               <a:ext uri="{28A0092B-C50C-407E-A947-70E740481C1C}">
-                <a14:useLocalDpi xmlns:a14="http://schemas.microsoft.com/office/drawing/2010/main" val="0"/>
+                <a14:useLocalDpi xmlns:a14="http://schemas.microsoft.com/office/drawing/2010/main" xmlns="" val="0"/>
               </a:ext>
             </a:extLst>
           </a:blip>
@@ -8063,13 +8037,20 @@
     </p:spTree>
     <p:extLst>
       <p:ext uri="{BB962C8B-B14F-4D97-AF65-F5344CB8AC3E}">
-        <p14:creationId xmlns:p14="http://schemas.microsoft.com/office/powerpoint/2010/main" val="2383779861"/>
+        <p14:creationId xmlns:p14="http://schemas.microsoft.com/office/powerpoint/2010/main" xmlns="" val="2383779861"/>
       </p:ext>
     </p:extLst>
   </p:cSld>
   <p:clrMapOvr>
     <a:masterClrMapping/>
   </p:clrMapOvr>
+  <p:timing>
+    <p:tnLst>
+      <p:par>
+        <p:cTn id="1" dur="indefinite" restart="never" nodeType="tmRoot"/>
+      </p:par>
+    </p:tnLst>
+  </p:timing>
 </p:sld>
 </file>
 
@@ -8297,13 +8278,20 @@
     </p:spTree>
     <p:extLst>
       <p:ext uri="{BB962C8B-B14F-4D97-AF65-F5344CB8AC3E}">
-        <p14:creationId xmlns:p14="http://schemas.microsoft.com/office/powerpoint/2010/main" val="2938407280"/>
+        <p14:creationId xmlns:p14="http://schemas.microsoft.com/office/powerpoint/2010/main" xmlns="" val="2938407280"/>
       </p:ext>
     </p:extLst>
   </p:cSld>
   <p:clrMapOvr>
     <a:masterClrMapping/>
   </p:clrMapOvr>
+  <p:timing>
+    <p:tnLst>
+      <p:par>
+        <p:cTn id="1" dur="indefinite" restart="never" nodeType="tmRoot"/>
+      </p:par>
+    </p:tnLst>
+  </p:timing>
 </p:sld>
 </file>
 
@@ -8498,13 +8486,20 @@
     </p:spTree>
     <p:extLst>
       <p:ext uri="{BB962C8B-B14F-4D97-AF65-F5344CB8AC3E}">
-        <p14:creationId xmlns:p14="http://schemas.microsoft.com/office/powerpoint/2010/main" val="4004171504"/>
+        <p14:creationId xmlns:p14="http://schemas.microsoft.com/office/powerpoint/2010/main" xmlns="" val="4004171504"/>
       </p:ext>
     </p:extLst>
   </p:cSld>
   <p:clrMapOvr>
     <a:masterClrMapping/>
   </p:clrMapOvr>
+  <p:timing>
+    <p:tnLst>
+      <p:par>
+        <p:cTn id="1" dur="indefinite" restart="never" nodeType="tmRoot"/>
+      </p:par>
+    </p:tnLst>
+  </p:timing>
 </p:sld>
 </file>
 
@@ -8720,7 +8715,7 @@
   <p:timing>
     <p:tnLst>
       <p:par>
-        <p:cTn xmlns:p14="http://schemas.microsoft.com/office/powerpoint/2010/main" id="1" dur="indefinite" restart="never" nodeType="tmRoot"/>
+        <p:cTn id="1" dur="indefinite" restart="never" nodeType="tmRoot"/>
       </p:par>
     </p:tnLst>
   </p:timing>
@@ -8843,7 +8838,7 @@
           <a:blip r:embed="rId3">
             <a:extLst>
               <a:ext uri="{28A0092B-C50C-407E-A947-70E740481C1C}">
-                <a14:useLocalDpi xmlns:a14="http://schemas.microsoft.com/office/drawing/2010/main" val="0"/>
+                <a14:useLocalDpi xmlns:a14="http://schemas.microsoft.com/office/drawing/2010/main" xmlns="" val="0"/>
               </a:ext>
             </a:extLst>
           </a:blip>
@@ -8864,13 +8859,20 @@
     </p:spTree>
     <p:extLst>
       <p:ext uri="{BB962C8B-B14F-4D97-AF65-F5344CB8AC3E}">
-        <p14:creationId xmlns:p14="http://schemas.microsoft.com/office/powerpoint/2010/main" val="2248839819"/>
+        <p14:creationId xmlns:p14="http://schemas.microsoft.com/office/powerpoint/2010/main" xmlns="" val="2248839819"/>
       </p:ext>
     </p:extLst>
   </p:cSld>
   <p:clrMapOvr>
     <a:masterClrMapping/>
   </p:clrMapOvr>
+  <p:timing>
+    <p:tnLst>
+      <p:par>
+        <p:cTn id="1" dur="indefinite" restart="never" nodeType="tmRoot"/>
+      </p:par>
+    </p:tnLst>
+  </p:timing>
 </p:sld>
 </file>
 
@@ -9009,13 +9011,20 @@
     </p:spTree>
     <p:extLst>
       <p:ext uri="{BB962C8B-B14F-4D97-AF65-F5344CB8AC3E}">
-        <p14:creationId xmlns:p14="http://schemas.microsoft.com/office/powerpoint/2010/main" val="288134162"/>
+        <p14:creationId xmlns:p14="http://schemas.microsoft.com/office/powerpoint/2010/main" xmlns="" val="288134162"/>
       </p:ext>
     </p:extLst>
   </p:cSld>
   <p:clrMapOvr>
     <a:masterClrMapping/>
   </p:clrMapOvr>
+  <p:timing>
+    <p:tnLst>
+      <p:par>
+        <p:cTn id="1" dur="indefinite" restart="never" nodeType="tmRoot"/>
+      </p:par>
+    </p:tnLst>
+  </p:timing>
 </p:sld>
 </file>
 
@@ -9195,7 +9204,7 @@
                 <a:latin typeface="Arial" pitchFamily="34" charset="0"/>
                 <a:cs typeface="Arial" pitchFamily="34" charset="0"/>
               </a:rPr>
-              <a:t>Down-sampling price data</a:t>
+              <a:t>Re-sampling price data to 12h interval</a:t>
             </a:r>
           </a:p>
           <a:p>
@@ -9210,6 +9219,20 @@
                 <a:cs typeface="Arial" pitchFamily="34" charset="0"/>
               </a:rPr>
               <a:t>Interpolate news data into the price data</a:t>
+            </a:r>
+          </a:p>
+          <a:p>
+            <a:pPr lvl="1" algn="just">
+              <a:spcAft>
+                <a:spcPts val="600"/>
+              </a:spcAft>
+            </a:pPr>
+            <a:r>
+              <a:rPr lang="en-US" dirty="0" smtClean="0">
+                <a:latin typeface="Arial" pitchFamily="34" charset="0"/>
+                <a:cs typeface="Arial" pitchFamily="34" charset="0"/>
+              </a:rPr>
+              <a:t>Calculate price change (12h) after each news occurs</a:t>
             </a:r>
           </a:p>
           <a:p>
@@ -9228,13 +9251,20 @@
     </p:spTree>
     <p:extLst>
       <p:ext uri="{BB962C8B-B14F-4D97-AF65-F5344CB8AC3E}">
-        <p14:creationId xmlns:p14="http://schemas.microsoft.com/office/powerpoint/2010/main" val="1372788203"/>
+        <p14:creationId xmlns:p14="http://schemas.microsoft.com/office/powerpoint/2010/main" xmlns="" val="335122943"/>
       </p:ext>
     </p:extLst>
   </p:cSld>
   <p:clrMapOvr>
     <a:masterClrMapping/>
   </p:clrMapOvr>
+  <p:timing>
+    <p:tnLst>
+      <p:par>
+        <p:cTn id="1" dur="indefinite" restart="never" nodeType="tmRoot"/>
+      </p:par>
+    </p:tnLst>
+  </p:timing>
 </p:sld>
 </file>
 
@@ -9307,167 +9337,53 @@
           </a:p>
         </p:txBody>
       </p:sp>
-      <p:sp>
-        <p:nvSpPr>
-          <p:cNvPr id="6" name="Content Placeholder 2"/>
-          <p:cNvSpPr>
-            <a:spLocks noGrp="1"/>
-          </p:cNvSpPr>
+      <p:pic>
+        <p:nvPicPr>
+          <p:cNvPr id="3" name="Content Placeholder 2" descr="sentiment1.png"/>
+          <p:cNvPicPr>
+            <a:picLocks noGrp="1" noChangeAspect="1"/>
+          </p:cNvPicPr>
           <p:nvPr>
             <p:ph idx="1"/>
           </p:nvPr>
-        </p:nvSpPr>
+        </p:nvPicPr>
+        <p:blipFill>
+          <a:blip r:embed="rId3">
+            <a:extLst>
+              <a:ext uri="{28A0092B-C50C-407E-A947-70E740481C1C}">
+                <a14:useLocalDpi xmlns:a14="http://schemas.microsoft.com/office/drawing/2010/main" xmlns="" val="0"/>
+              </a:ext>
+            </a:extLst>
+          </a:blip>
+          <a:srcRect t="-4417" b="-4417"/>
+          <a:stretch>
+            <a:fillRect/>
+          </a:stretch>
+        </p:blipFill>
         <p:spPr>
           <a:xfrm>
-            <a:off x="457200" y="1481328"/>
+            <a:off x="381000" y="1447800"/>
             <a:ext cx="8229600" cy="4525963"/>
           </a:xfrm>
         </p:spPr>
-        <p:txBody>
-          <a:bodyPr/>
-          <a:lstStyle/>
-          <a:p>
-            <a:pPr algn="just">
-              <a:spcAft>
-                <a:spcPts val="600"/>
-              </a:spcAft>
-            </a:pPr>
-            <a:r>
-              <a:rPr lang="en-US" dirty="0" smtClean="0">
-                <a:latin typeface="Arial" pitchFamily="34" charset="0"/>
-                <a:cs typeface="Arial" pitchFamily="34" charset="0"/>
-              </a:rPr>
-              <a:t>Data source</a:t>
-            </a:r>
-          </a:p>
-          <a:p>
-            <a:pPr lvl="1" algn="just">
-              <a:spcAft>
-                <a:spcPts val="600"/>
-              </a:spcAft>
-            </a:pPr>
-            <a:r>
-              <a:rPr lang="en-US" dirty="0" err="1" smtClean="0">
-                <a:latin typeface="Arial" pitchFamily="34" charset="0"/>
-                <a:cs typeface="Arial" pitchFamily="34" charset="0"/>
-              </a:rPr>
-              <a:t>Bitcoin</a:t>
-            </a:r>
-            <a:r>
-              <a:rPr lang="en-US" dirty="0" smtClean="0">
-                <a:latin typeface="Arial" pitchFamily="34" charset="0"/>
-                <a:cs typeface="Arial" pitchFamily="34" charset="0"/>
-              </a:rPr>
-              <a:t> price data 2012</a:t>
-            </a:r>
-          </a:p>
-          <a:p>
-            <a:pPr lvl="1" algn="just">
-              <a:spcAft>
-                <a:spcPts val="600"/>
-              </a:spcAft>
-            </a:pPr>
-            <a:r>
-              <a:rPr lang="en-US" dirty="0" smtClean="0">
-                <a:latin typeface="Arial" pitchFamily="34" charset="0"/>
-                <a:cs typeface="Arial" pitchFamily="34" charset="0"/>
-              </a:rPr>
-              <a:t>341 pieces of news headline with keyword ‘</a:t>
-            </a:r>
-            <a:r>
-              <a:rPr lang="en-US" dirty="0" err="1" smtClean="0">
-                <a:latin typeface="Arial" pitchFamily="34" charset="0"/>
-                <a:cs typeface="Arial" pitchFamily="34" charset="0"/>
-              </a:rPr>
-              <a:t>bitcoin</a:t>
-            </a:r>
-            <a:r>
-              <a:rPr lang="en-US" dirty="0" smtClean="0">
-                <a:latin typeface="Arial" pitchFamily="34" charset="0"/>
-                <a:cs typeface="Arial" pitchFamily="34" charset="0"/>
-              </a:rPr>
-              <a:t>’ from New York Times</a:t>
-            </a:r>
-          </a:p>
-          <a:p>
-            <a:pPr algn="just">
-              <a:spcAft>
-                <a:spcPts val="600"/>
-              </a:spcAft>
-            </a:pPr>
-            <a:r>
-              <a:rPr lang="en-US" dirty="0" smtClean="0">
-                <a:latin typeface="Arial" pitchFamily="34" charset="0"/>
-                <a:cs typeface="Arial" pitchFamily="34" charset="0"/>
-              </a:rPr>
-              <a:t>Preprocessing</a:t>
-            </a:r>
-          </a:p>
-          <a:p>
-            <a:pPr lvl="1" algn="just">
-              <a:spcAft>
-                <a:spcPts val="600"/>
-              </a:spcAft>
-            </a:pPr>
-            <a:r>
-              <a:rPr lang="en-US" dirty="0" smtClean="0">
-                <a:latin typeface="Arial" pitchFamily="34" charset="0"/>
-                <a:cs typeface="Arial" pitchFamily="34" charset="0"/>
-              </a:rPr>
-              <a:t>Re-sampling price data to 12h interval</a:t>
-            </a:r>
-          </a:p>
-          <a:p>
-            <a:pPr lvl="1" algn="just">
-              <a:spcAft>
-                <a:spcPts val="600"/>
-              </a:spcAft>
-            </a:pPr>
-            <a:r>
-              <a:rPr lang="en-US" dirty="0" smtClean="0">
-                <a:latin typeface="Arial" pitchFamily="34" charset="0"/>
-                <a:cs typeface="Arial" pitchFamily="34" charset="0"/>
-              </a:rPr>
-              <a:t>Interpolate news data into the price data</a:t>
-            </a:r>
-          </a:p>
-          <a:p>
-            <a:pPr lvl="1" algn="just">
-              <a:spcAft>
-                <a:spcPts val="600"/>
-              </a:spcAft>
-            </a:pPr>
-            <a:r>
-              <a:rPr lang="en-US" dirty="0" smtClean="0">
-                <a:latin typeface="Arial" pitchFamily="34" charset="0"/>
-                <a:cs typeface="Arial" pitchFamily="34" charset="0"/>
-              </a:rPr>
-              <a:t>Calculate price change (12h) after each news occurs</a:t>
-            </a:r>
-          </a:p>
-          <a:p>
-            <a:pPr lvl="1" algn="just">
-              <a:spcAft>
-                <a:spcPts val="600"/>
-              </a:spcAft>
-            </a:pPr>
-            <a:endParaRPr lang="en-US" dirty="0" smtClean="0">
-              <a:latin typeface="Arial" pitchFamily="34" charset="0"/>
-              <a:cs typeface="Arial" pitchFamily="34" charset="0"/>
-            </a:endParaRPr>
-          </a:p>
-        </p:txBody>
-      </p:sp>
+      </p:pic>
     </p:spTree>
     <p:extLst>
       <p:ext uri="{BB962C8B-B14F-4D97-AF65-F5344CB8AC3E}">
-        <p14:creationId xmlns:p14="http://schemas.microsoft.com/office/powerpoint/2010/main" val="335122943"/>
+        <p14:creationId xmlns:p14="http://schemas.microsoft.com/office/powerpoint/2010/main" xmlns="" val="3429427913"/>
       </p:ext>
     </p:extLst>
   </p:cSld>
   <p:clrMapOvr>
     <a:masterClrMapping/>
   </p:clrMapOvr>
+  <p:timing>
+    <p:tnLst>
+      <p:par>
+        <p:cTn id="1" dur="indefinite" restart="never" nodeType="tmRoot"/>
+      </p:par>
+    </p:tnLst>
+  </p:timing>
 </p:sld>
 </file>
 
@@ -9488,134 +9404,22 @@
           <a:chExt cx="0" cy="0"/>
         </a:xfrm>
       </p:grpSpPr>
-      <p:pic>
-        <p:nvPicPr>
-          <p:cNvPr id="4" name="Picture 3" descr="bitcoin1.jpg"/>
-          <p:cNvPicPr>
-            <a:picLocks noChangeAspect="1"/>
-          </p:cNvPicPr>
-          <p:nvPr/>
-        </p:nvPicPr>
-        <p:blipFill>
-          <a:blip r:embed="rId2" cstate="print"/>
-          <a:stretch>
-            <a:fillRect/>
-          </a:stretch>
-        </p:blipFill>
-        <p:spPr>
-          <a:xfrm>
-            <a:off x="381000" y="304800"/>
-            <a:ext cx="914400" cy="914400"/>
-          </a:xfrm>
-          <a:prstGeom prst="rect">
-            <a:avLst/>
-          </a:prstGeom>
-        </p:spPr>
-      </p:pic>
-      <p:sp>
-        <p:nvSpPr>
-          <p:cNvPr id="5" name="Title 1"/>
+      <p:sp>
+        <p:nvSpPr>
+          <p:cNvPr id="3" name="Content Placeholder 2"/>
           <p:cNvSpPr>
             <a:spLocks noGrp="1"/>
           </p:cNvSpPr>
           <p:nvPr>
-            <p:ph type="title"/>
-          </p:nvPr>
-        </p:nvSpPr>
-        <p:spPr>
-          <a:xfrm>
-            <a:off x="1371600" y="274638"/>
-            <a:ext cx="7315200" cy="1143000"/>
-          </a:xfrm>
-        </p:spPr>
+            <p:ph idx="1"/>
+          </p:nvPr>
+        </p:nvSpPr>
+        <p:spPr/>
         <p:txBody>
           <a:bodyPr/>
           <a:lstStyle/>
           <a:p>
             <a:r>
-              <a:rPr lang="en-US" dirty="0" smtClean="0"/>
-              <a:t>News sentiment analysis</a:t>
-            </a:r>
-            <a:endParaRPr lang="en-US" dirty="0"/>
-          </a:p>
-        </p:txBody>
-      </p:sp>
-      <p:pic>
-        <p:nvPicPr>
-          <p:cNvPr id="3" name="Content Placeholder 2" descr="sentiment1.png"/>
-          <p:cNvPicPr>
-            <a:picLocks noGrp="1" noChangeAspect="1"/>
-          </p:cNvPicPr>
-          <p:nvPr>
-            <p:ph idx="1"/>
-          </p:nvPr>
-        </p:nvPicPr>
-        <p:blipFill>
-          <a:blip r:embed="rId3">
-            <a:extLst>
-              <a:ext uri="{28A0092B-C50C-407E-A947-70E740481C1C}">
-                <a14:useLocalDpi xmlns:a14="http://schemas.microsoft.com/office/drawing/2010/main" val="0"/>
-              </a:ext>
-            </a:extLst>
-          </a:blip>
-          <a:srcRect t="-4417" b="-4417"/>
-          <a:stretch>
-            <a:fillRect/>
-          </a:stretch>
-        </p:blipFill>
-        <p:spPr>
-          <a:xfrm>
-            <a:off x="381000" y="1447800"/>
-            <a:ext cx="8229600" cy="4525963"/>
-          </a:xfrm>
-        </p:spPr>
-      </p:pic>
-    </p:spTree>
-    <p:extLst>
-      <p:ext uri="{BB962C8B-B14F-4D97-AF65-F5344CB8AC3E}">
-        <p14:creationId xmlns:p14="http://schemas.microsoft.com/office/powerpoint/2010/main" val="3429427913"/>
-      </p:ext>
-    </p:extLst>
-  </p:cSld>
-  <p:clrMapOvr>
-    <a:masterClrMapping/>
-  </p:clrMapOvr>
-</p:sld>
-</file>
-
-<file path=ppt/slides/slide25.xml><?xml version="1.0" encoding="utf-8"?>
-<p:sld xmlns:a="http://schemas.openxmlformats.org/drawingml/2006/main" xmlns:r="http://schemas.openxmlformats.org/officeDocument/2006/relationships" xmlns:p="http://schemas.openxmlformats.org/presentationml/2006/main">
-  <p:cSld>
-    <p:spTree>
-      <p:nvGrpSpPr>
-        <p:cNvPr id="1" name=""/>
-        <p:cNvGrpSpPr/>
-        <p:nvPr/>
-      </p:nvGrpSpPr>
-      <p:grpSpPr>
-        <a:xfrm>
-          <a:off x="0" y="0"/>
-          <a:ext cx="0" cy="0"/>
-          <a:chOff x="0" y="0"/>
-          <a:chExt cx="0" cy="0"/>
-        </a:xfrm>
-      </p:grpSpPr>
-      <p:sp>
-        <p:nvSpPr>
-          <p:cNvPr id="3" name="Content Placeholder 2"/>
-          <p:cNvSpPr>
-            <a:spLocks noGrp="1"/>
-          </p:cNvSpPr>
-          <p:nvPr>
-            <p:ph idx="1"/>
-          </p:nvPr>
-        </p:nvSpPr>
-        <p:spPr/>
-        <p:txBody>
-          <a:bodyPr/>
-          <a:lstStyle/>
-          <a:p>
-            <a:r>
               <a:rPr lang="en-US" dirty="0" smtClean="0">
                 <a:latin typeface="Arial" pitchFamily="34" charset="0"/>
                 <a:cs typeface="Arial" pitchFamily="34" charset="0"/>
@@ -9643,53 +9447,39 @@
                 <a:latin typeface="Arial" pitchFamily="34" charset="0"/>
                 <a:cs typeface="Arial" pitchFamily="34" charset="0"/>
               </a:rPr>
-              <a:t> price is not as good as analysis for the stock market</a:t>
-            </a:r>
+              <a:t> price is not as good as analysis for the stock market;</a:t>
+            </a:r>
+          </a:p>
+          <a:p>
             <a:r>
               <a:rPr lang="en-US" dirty="0" smtClean="0">
                 <a:latin typeface="Arial" pitchFamily="34" charset="0"/>
                 <a:cs typeface="Arial" pitchFamily="34" charset="0"/>
               </a:rPr>
-              <a:t>;</a:t>
-            </a:r>
-          </a:p>
-          <a:p>
+              <a:t>More care needs to be taken to analyze </a:t>
+            </a:r>
+            <a:r>
+              <a:rPr lang="en-US" dirty="0" err="1" smtClean="0">
+                <a:latin typeface="Arial" pitchFamily="34" charset="0"/>
+                <a:cs typeface="Arial" pitchFamily="34" charset="0"/>
+              </a:rPr>
+              <a:t>Bitcoin</a:t>
+            </a:r>
             <a:r>
               <a:rPr lang="en-US" dirty="0" smtClean="0">
                 <a:latin typeface="Arial" pitchFamily="34" charset="0"/>
                 <a:cs typeface="Arial" pitchFamily="34" charset="0"/>
               </a:rPr>
-              <a:t>More care needs to be taken to analyze </a:t>
-            </a:r>
-            <a:r>
-              <a:rPr lang="en-US" dirty="0" err="1" smtClean="0">
-                <a:latin typeface="Arial" pitchFamily="34" charset="0"/>
-                <a:cs typeface="Arial" pitchFamily="34" charset="0"/>
-              </a:rPr>
-              <a:t>Bitcoin</a:t>
-            </a:r>
+              <a:t> market</a:t>
+            </a:r>
+          </a:p>
+          <a:p>
             <a:r>
               <a:rPr lang="en-US" dirty="0" smtClean="0">
                 <a:latin typeface="Arial" pitchFamily="34" charset="0"/>
                 <a:cs typeface="Arial" pitchFamily="34" charset="0"/>
               </a:rPr>
-              <a:t> market</a:t>
-            </a:r>
-          </a:p>
-          <a:p>
-            <a:r>
-              <a:rPr lang="en-US" dirty="0" smtClean="0">
-                <a:latin typeface="Arial" pitchFamily="34" charset="0"/>
-                <a:cs typeface="Arial" pitchFamily="34" charset="0"/>
-              </a:rPr>
-              <a:t>Future </a:t>
-            </a:r>
-            <a:r>
-              <a:rPr lang="en-US" dirty="0" smtClean="0">
-                <a:latin typeface="Arial" pitchFamily="34" charset="0"/>
-                <a:cs typeface="Arial" pitchFamily="34" charset="0"/>
-              </a:rPr>
-              <a:t>work</a:t>
+              <a:t>Future work</a:t>
             </a:r>
           </a:p>
           <a:p>
@@ -9760,7 +9550,7 @@
   <p:timing>
     <p:tnLst>
       <p:par>
-        <p:cTn xmlns:p14="http://schemas.microsoft.com/office/powerpoint/2010/main" id="1" dur="indefinite" restart="never" nodeType="tmRoot"/>
+        <p:cTn id="1" dur="indefinite" restart="never" nodeType="tmRoot"/>
       </p:par>
     </p:tnLst>
   </p:timing>
@@ -9846,7 +9636,7 @@
             <p:ph idx="1"/>
             <p:extLst>
               <p:ext uri="{D42A27DB-BD31-4B8C-83A1-F6EECF244321}">
-                <p14:modId xmlns:p14="http://schemas.microsoft.com/office/powerpoint/2010/main" val="3757271971"/>
+                <p14:modId xmlns:p14="http://schemas.microsoft.com/office/powerpoint/2010/main" xmlns="" val="3757271971"/>
               </p:ext>
             </p:extLst>
           </p:nvPr>
@@ -9869,7 +9659,7 @@
   <p:timing>
     <p:tnLst>
       <p:par>
-        <p:cTn xmlns:p14="http://schemas.microsoft.com/office/powerpoint/2010/main" id="1" dur="indefinite" restart="never" nodeType="tmRoot"/>
+        <p:cTn id="1" dur="indefinite" restart="never" nodeType="tmRoot"/>
       </p:par>
     </p:tnLst>
   </p:timing>
@@ -9920,19 +9710,8 @@
                 <a:latin typeface="Arial" pitchFamily="34" charset="0"/>
                 <a:cs typeface="Arial" pitchFamily="34" charset="0"/>
               </a:rPr>
-              <a:t> historical price </a:t>
-            </a:r>
-            <a:r>
-              <a:rPr lang="en-US" dirty="0" smtClean="0">
-                <a:latin typeface="Arial" pitchFamily="34" charset="0"/>
-                <a:cs typeface="Arial" pitchFamily="34" charset="0"/>
-              </a:rPr>
-              <a:t>data</a:t>
-            </a:r>
-            <a:endParaRPr lang="en-US" dirty="0" smtClean="0">
-              <a:latin typeface="Arial" pitchFamily="34" charset="0"/>
-              <a:cs typeface="Arial" pitchFamily="34" charset="0"/>
-            </a:endParaRPr>
+              <a:t> historical price data</a:t>
+            </a:r>
           </a:p>
           <a:p>
             <a:pPr>
@@ -10066,7 +9845,7 @@
           <a:blip r:embed="rId3" cstate="print">
             <a:extLst>
               <a:ext uri="{28A0092B-C50C-407E-A947-70E740481C1C}">
-                <a14:useLocalDpi xmlns:a14="http://schemas.microsoft.com/office/drawing/2010/main" val="0"/>
+                <a14:useLocalDpi xmlns:a14="http://schemas.microsoft.com/office/drawing/2010/main" xmlns="" val="0"/>
               </a:ext>
             </a:extLst>
           </a:blip>
@@ -10096,7 +9875,7 @@
           <a:blip r:embed="rId4">
             <a:extLst>
               <a:ext uri="{28A0092B-C50C-407E-A947-70E740481C1C}">
-                <a14:useLocalDpi xmlns:a14="http://schemas.microsoft.com/office/drawing/2010/main" val="0"/>
+                <a14:useLocalDpi xmlns:a14="http://schemas.microsoft.com/office/drawing/2010/main" xmlns="" val="0"/>
               </a:ext>
             </a:extLst>
           </a:blip>
@@ -10162,7 +9941,7 @@
   <p:timing>
     <p:tnLst>
       <p:par>
-        <p:cTn xmlns:p14="http://schemas.microsoft.com/office/powerpoint/2010/main" id="1" dur="indefinite" restart="never" nodeType="tmRoot"/>
+        <p:cTn id="1" dur="indefinite" restart="never" nodeType="tmRoot"/>
       </p:par>
     </p:tnLst>
   </p:timing>
@@ -10344,7 +10123,7 @@
   <p:timing>
     <p:tnLst>
       <p:par>
-        <p:cTn xmlns:p14="http://schemas.microsoft.com/office/powerpoint/2010/main" id="1" dur="indefinite" restart="never" nodeType="tmRoot"/>
+        <p:cTn id="1" dur="indefinite" restart="never" nodeType="tmRoot"/>
       </p:par>
     </p:tnLst>
   </p:timing>
@@ -10521,7 +10300,7 @@
   <p:timing>
     <p:tnLst>
       <p:par>
-        <p:cTn xmlns:p14="http://schemas.microsoft.com/office/powerpoint/2010/main" id="1" dur="indefinite" restart="never" nodeType="tmRoot"/>
+        <p:cTn id="1" dur="indefinite" restart="never" nodeType="tmRoot"/>
       </p:par>
     </p:tnLst>
   </p:timing>
@@ -10691,7 +10470,7 @@
   <p:timing>
     <p:tnLst>
       <p:par>
-        <p:cTn xmlns:p14="http://schemas.microsoft.com/office/powerpoint/2010/main" id="1" dur="indefinite" restart="never" nodeType="tmRoot"/>
+        <p:cTn id="1" dur="indefinite" restart="never" nodeType="tmRoot"/>
       </p:par>
     </p:tnLst>
   </p:timing>
@@ -10797,9 +10576,50 @@
           </a:prstGeom>
         </p:spPr>
       </p:pic>
+      <p:sp>
+        <p:nvSpPr>
+          <p:cNvPr id="7" name="TextBox 6"/>
+          <p:cNvSpPr txBox="1"/>
+          <p:nvPr/>
+        </p:nvSpPr>
+        <p:spPr>
+          <a:xfrm>
+            <a:off x="4876800" y="845403"/>
+            <a:ext cx="4267200" cy="830997"/>
+          </a:xfrm>
+          <a:prstGeom prst="rect">
+            <a:avLst/>
+          </a:prstGeom>
+          <a:noFill/>
+        </p:spPr>
+        <p:txBody>
+          <a:bodyPr wrap="square" rtlCol="0">
+            <a:spAutoFit/>
+          </a:bodyPr>
+          <a:lstStyle/>
+          <a:p>
+            <a:r>
+              <a:rPr lang="en-US" sz="2400" dirty="0" smtClean="0">
+                <a:latin typeface="Arial" pitchFamily="34" charset="0"/>
+                <a:cs typeface="Arial" pitchFamily="34" charset="0"/>
+              </a:rPr>
+              <a:t>Absolute mean error = 26.76</a:t>
+            </a:r>
+          </a:p>
+          <a:p>
+            <a:r>
+              <a:rPr lang="en-US" sz="2400" dirty="0" smtClean="0">
+                <a:latin typeface="Arial" pitchFamily="34" charset="0"/>
+                <a:cs typeface="Arial" pitchFamily="34" charset="0"/>
+              </a:rPr>
+              <a:t>Average relative error = 0.08</a:t>
+            </a:r>
+          </a:p>
+        </p:txBody>
+      </p:sp>
       <p:pic>
         <p:nvPicPr>
-          <p:cNvPr id="2050" name="Picture 2"/>
+          <p:cNvPr id="1027" name="Picture 3"/>
           <p:cNvPicPr>
             <a:picLocks noChangeAspect="1" noChangeArrowheads="1"/>
           </p:cNvPicPr>
@@ -10814,8 +10634,8 @@
         </p:blipFill>
         <p:spPr bwMode="auto">
           <a:xfrm>
-            <a:off x="0" y="2126082"/>
-            <a:ext cx="9144000" cy="4731918"/>
+            <a:off x="0" y="2229356"/>
+            <a:ext cx="9144000" cy="4628644"/>
           </a:xfrm>
           <a:prstGeom prst="rect">
             <a:avLst/>
@@ -10838,7 +10658,7 @@
   <p:timing>
     <p:tnLst>
       <p:par>
-        <p:cTn xmlns:p14="http://schemas.microsoft.com/office/powerpoint/2010/main" id="1" dur="indefinite" restart="never" nodeType="tmRoot"/>
+        <p:cTn id="1" dur="indefinite" restart="never" nodeType="tmRoot"/>
       </p:par>
     </p:tnLst>
   </p:timing>
@@ -10944,9 +10764,72 @@
           </a:prstGeom>
         </p:spPr>
       </p:pic>
+      <p:sp>
+        <p:nvSpPr>
+          <p:cNvPr id="8" name="TextBox 7"/>
+          <p:cNvSpPr txBox="1"/>
+          <p:nvPr/>
+        </p:nvSpPr>
+        <p:spPr>
+          <a:xfrm>
+            <a:off x="4876800" y="609600"/>
+            <a:ext cx="4267200" cy="830997"/>
+          </a:xfrm>
+          <a:prstGeom prst="rect">
+            <a:avLst/>
+          </a:prstGeom>
+          <a:noFill/>
+        </p:spPr>
+        <p:txBody>
+          <a:bodyPr wrap="square" rtlCol="0">
+            <a:spAutoFit/>
+          </a:bodyPr>
+          <a:lstStyle/>
+          <a:p>
+            <a:r>
+              <a:rPr lang="en-US" sz="2400" dirty="0" smtClean="0">
+                <a:latin typeface="Arial" pitchFamily="34" charset="0"/>
+                <a:cs typeface="Arial" pitchFamily="34" charset="0"/>
+              </a:rPr>
+              <a:t>Absolute mean error = </a:t>
+            </a:r>
+            <a:r>
+              <a:rPr lang="en-US" sz="2400" dirty="0" smtClean="0">
+                <a:latin typeface="Arial" pitchFamily="34" charset="0"/>
+                <a:cs typeface="Arial" pitchFamily="34" charset="0"/>
+              </a:rPr>
+              <a:t>21.39</a:t>
+            </a:r>
+            <a:endParaRPr lang="en-US" sz="2400" dirty="0" smtClean="0">
+              <a:latin typeface="Arial" pitchFamily="34" charset="0"/>
+              <a:cs typeface="Arial" pitchFamily="34" charset="0"/>
+            </a:endParaRPr>
+          </a:p>
+          <a:p>
+            <a:r>
+              <a:rPr lang="en-US" sz="2400" dirty="0" smtClean="0">
+                <a:latin typeface="Arial" pitchFamily="34" charset="0"/>
+                <a:cs typeface="Arial" pitchFamily="34" charset="0"/>
+              </a:rPr>
+              <a:t>Average relative error = </a:t>
+            </a:r>
+            <a:r>
+              <a:rPr lang="en-US" sz="2400" dirty="0" smtClean="0">
+                <a:latin typeface="Arial" pitchFamily="34" charset="0"/>
+                <a:cs typeface="Arial" pitchFamily="34" charset="0"/>
+              </a:rPr>
+              <a:t>0.07</a:t>
+            </a:r>
+            <a:endParaRPr lang="en-US" sz="2400" dirty="0" smtClean="0">
+              <a:latin typeface="Arial" pitchFamily="34" charset="0"/>
+              <a:cs typeface="Arial" pitchFamily="34" charset="0"/>
+            </a:endParaRPr>
+          </a:p>
+        </p:txBody>
+      </p:sp>
       <p:pic>
         <p:nvPicPr>
-          <p:cNvPr id="3074" name="Picture 2"/>
+          <p:cNvPr id="3082" name="Picture 10"/>
           <p:cNvPicPr>
             <a:picLocks noChangeAspect="1" noChangeArrowheads="1"/>
           </p:cNvPicPr>
@@ -10961,8 +10844,8 @@
         </p:blipFill>
         <p:spPr bwMode="auto">
           <a:xfrm>
-            <a:off x="1" y="2233074"/>
-            <a:ext cx="9144000" cy="4624926"/>
+            <a:off x="-1" y="2209800"/>
+            <a:ext cx="9231505" cy="4648200"/>
           </a:xfrm>
           <a:prstGeom prst="rect">
             <a:avLst/>
@@ -10985,7 +10868,7 @@
   <p:timing>
     <p:tnLst>
       <p:par>
-        <p:cTn xmlns:p14="http://schemas.microsoft.com/office/powerpoint/2010/main" id="1" dur="indefinite" restart="never" nodeType="tmRoot"/>
+        <p:cTn id="1" dur="indefinite" restart="never" nodeType="tmRoot"/>
       </p:par>
     </p:tnLst>
   </p:timing>

--- a/DM_Project.pptx
+++ b/DM_Project.pptx
@@ -135,16 +135,28 @@
 
 <file path=ppt/charts/chart1.xml><?xml version="1.0" encoding="utf-8"?>
 <c:chartSpace xmlns:c="http://schemas.openxmlformats.org/drawingml/2006/chart" xmlns:a="http://schemas.openxmlformats.org/drawingml/2006/main" xmlns:r="http://schemas.openxmlformats.org/officeDocument/2006/relationships">
+  <c:date1904 val="0"/>
   <c:lang val="en-US"/>
-  <c:style val="16"/>
+  <c:roundedCorners val="0"/>
+  <mc:AlternateContent xmlns:mc="http://schemas.openxmlformats.org/markup-compatibility/2006">
+    <mc:Choice xmlns:c14="http://schemas.microsoft.com/office/drawing/2007/8/2/chart" Requires="c14">
+      <c14:style val="116"/>
+    </mc:Choice>
+    <mc:Fallback>
+      <c:style val="16"/>
+    </mc:Fallback>
+  </mc:AlternateContent>
   <c:chart>
     <c:title>
       <c:layout/>
+      <c:overlay val="0"/>
     </c:title>
+    <c:autoTitleDeleted val="0"/>
     <c:plotArea>
       <c:layout/>
       <c:lineChart>
         <c:grouping val="standard"/>
+        <c:varyColors val="0"/>
         <c:ser>
           <c:idx val="0"/>
           <c:order val="0"/>
@@ -166,19 +178,19 @@
                 <c:formatCode>m/d/yy</c:formatCode>
                 <c:ptCount val="5"/>
                 <c:pt idx="0">
-                  <c:v>39814</c:v>
+                  <c:v>39814.0</c:v>
                 </c:pt>
                 <c:pt idx="1">
-                  <c:v>41518</c:v>
+                  <c:v>41518.0</c:v>
                 </c:pt>
                 <c:pt idx="2">
-                  <c:v>41609</c:v>
+                  <c:v>41609.0</c:v>
                 </c:pt>
                 <c:pt idx="3">
-                  <c:v>42005</c:v>
+                  <c:v>42005.0</c:v>
                 </c:pt>
                 <c:pt idx="4">
-                  <c:v>42064</c:v>
+                  <c:v>42064.0</c:v>
                 </c:pt>
               </c:numCache>
             </c:numRef>
@@ -190,59 +202,75 @@
                 <c:formatCode>#,##0</c:formatCode>
                 <c:ptCount val="5"/>
                 <c:pt idx="0" formatCode="General">
-                  <c:v>0</c:v>
+                  <c:v>0.0</c:v>
                 </c:pt>
                 <c:pt idx="1">
-                  <c:v>1</c:v>
+                  <c:v>1.0</c:v>
                 </c:pt>
                 <c:pt idx="2">
-                  <c:v>13</c:v>
+                  <c:v>13.0</c:v>
                 </c:pt>
                 <c:pt idx="3">
-                  <c:v>3</c:v>
+                  <c:v>3.0</c:v>
                 </c:pt>
                 <c:pt idx="4">
-                  <c:v>3</c:v>
+                  <c:v>3.0</c:v>
                 </c:pt>
               </c:numCache>
             </c:numRef>
           </c:val>
+          <c:smooth val="0"/>
         </c:ser>
-        <c:dLbls/>
+        <c:dLbls>
+          <c:showLegendKey val="0"/>
+          <c:showVal val="0"/>
+          <c:showCatName val="0"/>
+          <c:showSerName val="0"/>
+          <c:showPercent val="0"/>
+          <c:showBubbleSize val="0"/>
+        </c:dLbls>
         <c:marker val="1"/>
-        <c:axId val="46066688"/>
-        <c:axId val="68748032"/>
+        <c:smooth val="0"/>
+        <c:axId val="2121674936"/>
+        <c:axId val="2121519800"/>
       </c:lineChart>
       <c:dateAx>
-        <c:axId val="46066688"/>
+        <c:axId val="2121674936"/>
         <c:scaling>
           <c:orientation val="minMax"/>
         </c:scaling>
+        <c:delete val="0"/>
         <c:axPos val="b"/>
         <c:numFmt formatCode="m/d/yy" sourceLinked="1"/>
+        <c:majorTickMark val="out"/>
+        <c:minorTickMark val="none"/>
         <c:tickLblPos val="nextTo"/>
-        <c:crossAx val="68748032"/>
+        <c:crossAx val="2121519800"/>
         <c:crosses val="autoZero"/>
         <c:auto val="1"/>
         <c:lblOffset val="100"/>
         <c:baseTimeUnit val="months"/>
       </c:dateAx>
       <c:valAx>
-        <c:axId val="68748032"/>
+        <c:axId val="2121519800"/>
         <c:scaling>
           <c:orientation val="minMax"/>
         </c:scaling>
+        <c:delete val="0"/>
         <c:axPos val="l"/>
         <c:majorGridlines/>
         <c:numFmt formatCode="General" sourceLinked="1"/>
+        <c:majorTickMark val="out"/>
+        <c:minorTickMark val="none"/>
         <c:tickLblPos val="nextTo"/>
-        <c:crossAx val="46066688"/>
+        <c:crossAx val="2121674936"/>
         <c:crosses val="autoZero"/>
         <c:crossBetween val="between"/>
       </c:valAx>
     </c:plotArea>
     <c:plotVisOnly val="1"/>
     <c:dispBlanksAs val="gap"/>
+    <c:showDLblsOverMax val="0"/>
   </c:chart>
   <c:txPr>
     <a:bodyPr/>
@@ -254,7 +282,9 @@
       <a:endParaRPr lang="en-US"/>
     </a:p>
   </c:txPr>
-  <c:externalData r:id="rId1"/>
+  <c:externalData r:id="rId1">
+    <c:autoUpdate val="0"/>
+  </c:externalData>
 </c:chartSpace>
 </file>
 
@@ -341,7 +371,7 @@
             <a:fld id="{359111DE-1BA2-49A7-AE83-CFAA77982A4A}" type="datetimeFigureOut">
               <a:rPr lang="en-US" smtClean="0"/>
               <a:pPr/>
-              <a:t>4/22/2015</a:t>
+              <a:t>4/22/15</a:t>
             </a:fld>
             <a:endParaRPr lang="en-US"/>
           </a:p>
@@ -512,7 +542,7 @@
     </p:spTree>
     <p:extLst>
       <p:ext uri="{BB962C8B-B14F-4D97-AF65-F5344CB8AC3E}">
-        <p14:creationId xmlns:p14="http://schemas.microsoft.com/office/powerpoint/2010/main" xmlns="" val="1175721935"/>
+        <p14:creationId xmlns:p14="http://schemas.microsoft.com/office/powerpoint/2010/main" val="1175721935"/>
       </p:ext>
     </p:extLst>
   </p:cSld>
@@ -1330,7 +1360,7 @@
             <a:fld id="{1D8BD707-D9CF-40AE-B4C6-C98DA3205C09}" type="datetimeFigureOut">
               <a:rPr lang="en-US" smtClean="0"/>
               <a:pPr/>
-              <a:t>4/22/2015</a:t>
+              <a:t>4/22/15</a:t>
             </a:fld>
             <a:endParaRPr lang="en-US"/>
           </a:p>
@@ -1528,7 +1558,7 @@
             <a:fld id="{1D8BD707-D9CF-40AE-B4C6-C98DA3205C09}" type="datetimeFigureOut">
               <a:rPr lang="en-US" smtClean="0"/>
               <a:pPr/>
-              <a:t>4/22/2015</a:t>
+              <a:t>4/22/15</a:t>
             </a:fld>
             <a:endParaRPr lang="en-US"/>
           </a:p>
@@ -1715,7 +1745,7 @@
             <a:fld id="{1D8BD707-D9CF-40AE-B4C6-C98DA3205C09}" type="datetimeFigureOut">
               <a:rPr lang="en-US" smtClean="0"/>
               <a:pPr/>
-              <a:t>4/22/2015</a:t>
+              <a:t>4/22/15</a:t>
             </a:fld>
             <a:endParaRPr lang="en-US"/>
           </a:p>
@@ -1867,7 +1897,7 @@
             <a:fld id="{1D8BD707-D9CF-40AE-B4C6-C98DA3205C09}" type="datetimeFigureOut">
               <a:rPr lang="en-US" smtClean="0"/>
               <a:pPr/>
-              <a:t>4/22/2015</a:t>
+              <a:t>4/22/15</a:t>
             </a:fld>
             <a:endParaRPr lang="en-US"/>
           </a:p>
@@ -2124,7 +2154,7 @@
             <a:fld id="{1D8BD707-D9CF-40AE-B4C6-C98DA3205C09}" type="datetimeFigureOut">
               <a:rPr lang="en-US" smtClean="0"/>
               <a:pPr/>
-              <a:t>4/22/2015</a:t>
+              <a:t>4/22/15</a:t>
             </a:fld>
             <a:endParaRPr lang="en-US"/>
           </a:p>
@@ -2535,7 +2565,7 @@
             <a:fld id="{1D8BD707-D9CF-40AE-B4C6-C98DA3205C09}" type="datetimeFigureOut">
               <a:rPr lang="en-US" smtClean="0"/>
               <a:pPr/>
-              <a:t>4/22/2015</a:t>
+              <a:t>4/22/15</a:t>
             </a:fld>
             <a:endParaRPr lang="en-US"/>
           </a:p>
@@ -2983,7 +3013,7 @@
             <a:fld id="{1D8BD707-D9CF-40AE-B4C6-C98DA3205C09}" type="datetimeFigureOut">
               <a:rPr lang="en-US" smtClean="0"/>
               <a:pPr/>
-              <a:t>4/22/2015</a:t>
+              <a:t>4/22/15</a:t>
             </a:fld>
             <a:endParaRPr lang="en-US"/>
           </a:p>
@@ -3086,7 +3116,7 @@
             <a:fld id="{1D8BD707-D9CF-40AE-B4C6-C98DA3205C09}" type="datetimeFigureOut">
               <a:rPr lang="en-US" smtClean="0"/>
               <a:pPr/>
-              <a:t>4/22/2015</a:t>
+              <a:t>4/22/15</a:t>
             </a:fld>
             <a:endParaRPr lang="en-US"/>
           </a:p>
@@ -3209,7 +3239,7 @@
             <a:fld id="{1D8BD707-D9CF-40AE-B4C6-C98DA3205C09}" type="datetimeFigureOut">
               <a:rPr lang="en-US" smtClean="0"/>
               <a:pPr/>
-              <a:t>4/22/2015</a:t>
+              <a:t>4/22/15</a:t>
             </a:fld>
             <a:endParaRPr lang="en-US"/>
           </a:p>
@@ -3485,7 +3515,7 @@
             <a:fld id="{1D8BD707-D9CF-40AE-B4C6-C98DA3205C09}" type="datetimeFigureOut">
               <a:rPr lang="en-US" smtClean="0"/>
               <a:pPr/>
-              <a:t>4/22/2015</a:t>
+              <a:t>4/22/15</a:t>
             </a:fld>
             <a:endParaRPr lang="en-US"/>
           </a:p>
@@ -3692,7 +3722,7 @@
             <a:fld id="{1D8BD707-D9CF-40AE-B4C6-C98DA3205C09}" type="datetimeFigureOut">
               <a:rPr lang="en-US" smtClean="0"/>
               <a:pPr/>
-              <a:t>4/22/2015</a:t>
+              <a:t>4/22/15</a:t>
             </a:fld>
             <a:endParaRPr lang="en-US"/>
           </a:p>
@@ -4803,7 +4833,7 @@
             <a:fld id="{1D8BD707-D9CF-40AE-B4C6-C98DA3205C09}" type="datetimeFigureOut">
               <a:rPr lang="en-US" smtClean="0"/>
               <a:pPr/>
-              <a:t>4/22/2015</a:t>
+              <a:t>4/22/15</a:t>
             </a:fld>
             <a:endParaRPr lang="en-US"/>
           </a:p>
@@ -5333,7 +5363,7 @@
   <p:timing>
     <p:tnLst>
       <p:par>
-        <p:cTn id="1" dur="indefinite" restart="never" nodeType="tmRoot"/>
+        <p:cTn xmlns:p14="http://schemas.microsoft.com/office/powerpoint/2010/main" id="1" dur="indefinite" restart="never" nodeType="tmRoot"/>
       </p:par>
     </p:tnLst>
   </p:timing>
@@ -5854,7 +5884,7 @@
   <p:timing>
     <p:tnLst>
       <p:par>
-        <p:cTn id="1" dur="indefinite" restart="never" nodeType="tmRoot"/>
+        <p:cTn xmlns:p14="http://schemas.microsoft.com/office/powerpoint/2010/main" id="1" dur="indefinite" restart="never" nodeType="tmRoot"/>
       </p:par>
     </p:tnLst>
   </p:timing>
@@ -5903,14 +5933,7 @@
                 <a:latin typeface="Arial" pitchFamily="34" charset="0"/>
                 <a:cs typeface="Arial" pitchFamily="34" charset="0"/>
               </a:rPr>
-              <a:t>Based on my analysis, t</a:t>
-            </a:r>
-            <a:r>
-              <a:rPr lang="en-US" dirty="0" smtClean="0">
-                <a:latin typeface="Arial" pitchFamily="34" charset="0"/>
-                <a:cs typeface="Arial" pitchFamily="34" charset="0"/>
-              </a:rPr>
-              <a:t>he reason for HIGHER relative mean error rate can be </a:t>
+              <a:t>Based on my analysis, the reason for HIGHER relative mean error rate can be </a:t>
             </a:r>
             <a:r>
               <a:rPr lang="en-US" dirty="0" err="1" smtClean="0">
@@ -5966,19 +5989,8 @@
                 <a:latin typeface="Arial" pitchFamily="34" charset="0"/>
                 <a:cs typeface="Arial" pitchFamily="34" charset="0"/>
               </a:rPr>
-              <a:t> stock price in the example below.</a:t>
-            </a:r>
-            <a:r>
-              <a:rPr lang="en-US" dirty="0" smtClean="0">
-                <a:latin typeface="Arial" pitchFamily="34" charset="0"/>
-                <a:cs typeface="Arial" pitchFamily="34" charset="0"/>
-              </a:rPr>
-              <a:t> </a:t>
-            </a:r>
-            <a:endParaRPr lang="en-US" dirty="0" smtClean="0">
-              <a:latin typeface="Arial" pitchFamily="34" charset="0"/>
-              <a:cs typeface="Arial" pitchFamily="34" charset="0"/>
-            </a:endParaRPr>
+              <a:t> stock price in the example below. </a:t>
+            </a:r>
           </a:p>
         </p:txBody>
       </p:sp>
@@ -6075,7 +6087,7 @@
   <p:timing>
     <p:tnLst>
       <p:par>
-        <p:cTn id="1" dur="indefinite" restart="never" nodeType="tmRoot"/>
+        <p:cTn xmlns:p14="http://schemas.microsoft.com/office/powerpoint/2010/main" id="1" dur="indefinite" restart="never" nodeType="tmRoot"/>
       </p:par>
     </p:tnLst>
   </p:timing>
@@ -6156,26 +6168,8 @@
                 <a:latin typeface="Arial" pitchFamily="34" charset="0"/>
                 <a:cs typeface="Arial" pitchFamily="34" charset="0"/>
               </a:rPr>
-              <a:t> </a:t>
-            </a:r>
-            <a:r>
-              <a:rPr lang="en-US" sz="2700" dirty="0" smtClean="0">
-                <a:latin typeface="Arial" pitchFamily="34" charset="0"/>
-                <a:cs typeface="Arial" pitchFamily="34" charset="0"/>
-              </a:rPr>
-              <a:t>By comparing the close price of each week using the moving average algorithm to get the </a:t>
-            </a:r>
-            <a:r>
-              <a:rPr lang="en-US" sz="2700" dirty="0" smtClean="0">
-                <a:latin typeface="Arial" pitchFamily="34" charset="0"/>
-                <a:cs typeface="Arial" pitchFamily="34" charset="0"/>
-              </a:rPr>
-              <a:t>trend indicator for a week.</a:t>
-            </a:r>
-            <a:endParaRPr lang="en-US" sz="2700" dirty="0" smtClean="0">
-              <a:latin typeface="Arial" pitchFamily="34" charset="0"/>
-              <a:cs typeface="Arial" pitchFamily="34" charset="0"/>
-            </a:endParaRPr>
+              <a:t> By comparing the close price of each week using the moving average algorithm to get the trend indicator for a week.</a:t>
+            </a:r>
           </a:p>
           <a:p>
             <a:pPr marL="603504" lvl="2" indent="-256032" algn="just">
@@ -6255,7 +6249,7 @@
   <p:timing>
     <p:tnLst>
       <p:par>
-        <p:cTn id="1" dur="indefinite" restart="never" nodeType="tmRoot"/>
+        <p:cTn xmlns:p14="http://schemas.microsoft.com/office/powerpoint/2010/main" id="1" dur="indefinite" restart="never" nodeType="tmRoot"/>
       </p:par>
     </p:tnLst>
   </p:timing>
@@ -7007,35 +7001,7 @@
           <a:p>
             <a:r>
               <a:rPr lang="en-US" dirty="0" smtClean="0"/>
-              <a:t>TPR = </a:t>
-            </a:r>
-            <a:r>
-              <a:rPr lang="en-US" dirty="0" smtClean="0"/>
-              <a:t>0.7091; </a:t>
-            </a:r>
-            <a:r>
-              <a:rPr lang="en-US" dirty="0" smtClean="0"/>
-              <a:t>FPR = </a:t>
-            </a:r>
-            <a:r>
-              <a:rPr lang="en-US" dirty="0" smtClean="0"/>
-              <a:t>0.5694            TPR </a:t>
-            </a:r>
-            <a:r>
-              <a:rPr lang="en-US" dirty="0" smtClean="0"/>
-              <a:t>= </a:t>
-            </a:r>
-            <a:r>
-              <a:rPr lang="en-US" dirty="0" smtClean="0"/>
-              <a:t>0.7455; </a:t>
-            </a:r>
-            <a:r>
-              <a:rPr lang="en-US" dirty="0" smtClean="0"/>
-              <a:t>FPR = </a:t>
-            </a:r>
-            <a:r>
-              <a:rPr lang="en-US" dirty="0" smtClean="0"/>
-              <a:t>0.5278  </a:t>
+              <a:t>TPR = 0.7091; FPR = 0.5694            TPR = 0.7455; FPR = 0.5278  </a:t>
             </a:r>
             <a:endParaRPr lang="en-US" dirty="0"/>
           </a:p>
@@ -7049,7 +7015,7 @@
   <p:timing>
     <p:tnLst>
       <p:par>
-        <p:cTn id="1" dur="indefinite" restart="never" nodeType="tmRoot"/>
+        <p:cTn xmlns:p14="http://schemas.microsoft.com/office/powerpoint/2010/main" id="1" dur="indefinite" restart="never" nodeType="tmRoot"/>
       </p:par>
     </p:tnLst>
   </p:timing>
@@ -7112,22 +7078,36 @@
                 <a:latin typeface="Arial" pitchFamily="34" charset="0"/>
                 <a:cs typeface="Arial" pitchFamily="34" charset="0"/>
               </a:rPr>
-              <a:t> price analysis?</a:t>
-            </a:r>
-          </a:p>
-          <a:p>
-            <a:pPr algn="just">
+              <a:t> price analysis</a:t>
+            </a:r>
+            <a:r>
+              <a:rPr lang="en-US" dirty="0" smtClean="0">
+                <a:latin typeface="Arial" pitchFamily="34" charset="0"/>
+                <a:cs typeface="Arial" pitchFamily="34" charset="0"/>
+              </a:rPr>
+              <a:t>?</a:t>
+            </a:r>
+          </a:p>
+          <a:p>
+            <a:pPr lvl="1" algn="just">
               <a:spcAft>
                 <a:spcPts val="600"/>
               </a:spcAft>
             </a:pPr>
-            <a:endParaRPr lang="en-US" sz="2700" dirty="0" smtClean="0">
+            <a:r>
+              <a:rPr lang="en-US" dirty="0" smtClean="0">
+                <a:latin typeface="Arial" pitchFamily="34" charset="0"/>
+                <a:cs typeface="Arial" pitchFamily="34" charset="0"/>
+              </a:rPr>
+              <a:t>To account for the huge variance</a:t>
+            </a:r>
+            <a:endParaRPr lang="en-US" dirty="0" smtClean="0">
               <a:latin typeface="Arial" pitchFamily="34" charset="0"/>
               <a:cs typeface="Arial" pitchFamily="34" charset="0"/>
             </a:endParaRPr>
           </a:p>
           <a:p>
-            <a:pPr algn="just">
+            <a:pPr lvl="2" algn="just">
               <a:spcAft>
                 <a:spcPts val="600"/>
               </a:spcAft>
@@ -7137,11 +7117,18 @@
                 <a:latin typeface="Arial" pitchFamily="34" charset="0"/>
                 <a:cs typeface="Arial" pitchFamily="34" charset="0"/>
               </a:rPr>
-              <a:t>Google search trend</a:t>
-            </a:r>
-          </a:p>
-          <a:p>
-            <a:pPr algn="just">
+              <a:t>Google </a:t>
+            </a:r>
+            <a:r>
+              <a:rPr lang="en-US" dirty="0" smtClean="0">
+                <a:latin typeface="Arial" pitchFamily="34" charset="0"/>
+                <a:cs typeface="Arial" pitchFamily="34" charset="0"/>
+              </a:rPr>
+              <a:t>search trend</a:t>
+            </a:r>
+          </a:p>
+          <a:p>
+            <a:pPr lvl="2" algn="just">
               <a:spcAft>
                 <a:spcPts val="600"/>
               </a:spcAft>
@@ -7153,7 +7140,7 @@
               </a:rPr>
               <a:t>News Sentimental analysis</a:t>
             </a:r>
-            <a:endParaRPr lang="en-US" sz="2700" dirty="0" smtClean="0">
+            <a:endParaRPr lang="en-US" sz="2100" dirty="0" smtClean="0">
               <a:latin typeface="Arial" pitchFamily="34" charset="0"/>
               <a:cs typeface="Arial" pitchFamily="34" charset="0"/>
             </a:endParaRPr>
@@ -7324,7 +7311,7 @@
   <p:timing>
     <p:tnLst>
       <p:par>
-        <p:cTn id="1" dur="indefinite" restart="never" nodeType="tmRoot"/>
+        <p:cTn xmlns:p14="http://schemas.microsoft.com/office/powerpoint/2010/main" id="1" dur="indefinite" restart="never" nodeType="tmRoot"/>
       </p:par>
     </p:tnLst>
   </p:timing>
@@ -7394,7 +7381,11 @@
           <a:p>
             <a:r>
               <a:rPr lang="en-US" dirty="0" smtClean="0"/>
-              <a:t>Google trend analysis</a:t>
+              <a:t>Google </a:t>
+            </a:r>
+            <a:r>
+              <a:rPr lang="en-US" dirty="0" smtClean="0"/>
+              <a:t>search analysis</a:t>
             </a:r>
             <a:endParaRPr lang="en-US" dirty="0"/>
           </a:p>
@@ -7492,17 +7483,6 @@
               </a:rPr>
               <a:t>Invest</a:t>
             </a:r>
-            <a:endParaRPr lang="en-US" dirty="0">
-              <a:latin typeface="Arial" pitchFamily="34" charset="0"/>
-              <a:cs typeface="Arial" pitchFamily="34" charset="0"/>
-            </a:endParaRPr>
-          </a:p>
-          <a:p>
-            <a:pPr algn="just">
-              <a:spcAft>
-                <a:spcPts val="600"/>
-              </a:spcAft>
-            </a:pPr>
             <a:endParaRPr lang="en-US" dirty="0" smtClean="0">
               <a:latin typeface="Arial" pitchFamily="34" charset="0"/>
               <a:cs typeface="Arial" pitchFamily="34" charset="0"/>
@@ -7548,7 +7528,7 @@
           <a:blip r:embed="rId3">
             <a:extLst>
               <a:ext uri="{28A0092B-C50C-407E-A947-70E740481C1C}">
-                <a14:useLocalDpi xmlns:a14="http://schemas.microsoft.com/office/drawing/2010/main" xmlns="" val="0"/>
+                <a14:useLocalDpi xmlns:a14="http://schemas.microsoft.com/office/drawing/2010/main" val="0"/>
               </a:ext>
             </a:extLst>
           </a:blip>
@@ -7569,7 +7549,7 @@
     </p:spTree>
     <p:extLst>
       <p:ext uri="{BB962C8B-B14F-4D97-AF65-F5344CB8AC3E}">
-        <p14:creationId xmlns:p14="http://schemas.microsoft.com/office/powerpoint/2010/main" xmlns="" val="1561910368"/>
+        <p14:creationId xmlns:p14="http://schemas.microsoft.com/office/powerpoint/2010/main" val="1561910368"/>
       </p:ext>
     </p:extLst>
   </p:cSld>
@@ -7579,7 +7559,7 @@
   <p:timing>
     <p:tnLst>
       <p:par>
-        <p:cTn id="1" dur="indefinite" restart="never" nodeType="tmRoot"/>
+        <p:cTn xmlns:p14="http://schemas.microsoft.com/office/powerpoint/2010/main" id="1" dur="indefinite" restart="never" nodeType="tmRoot"/>
       </p:par>
     </p:tnLst>
   </p:timing>
@@ -7649,7 +7629,11 @@
           <a:p>
             <a:r>
               <a:rPr lang="en-US" dirty="0" smtClean="0"/>
-              <a:t>Google trend analysis</a:t>
+              <a:t>Google </a:t>
+            </a:r>
+            <a:r>
+              <a:rPr lang="en-US" dirty="0" smtClean="0"/>
+              <a:t>search analysis</a:t>
             </a:r>
             <a:endParaRPr lang="en-US" dirty="0"/>
           </a:p>
@@ -7673,7 +7657,7 @@
         </p:spPr>
         <p:txBody>
           <a:bodyPr>
-            <a:normAutofit lnSpcReduction="10000"/>
+            <a:normAutofit fontScale="92500"/>
           </a:bodyPr>
           <a:lstStyle/>
           <a:p>
@@ -7736,7 +7720,28 @@
                 <a:latin typeface="Arial" pitchFamily="34" charset="0"/>
                 <a:cs typeface="Arial" pitchFamily="34" charset="0"/>
               </a:rPr>
-              <a:t>Google search interest index (SI): 0-100</a:t>
+              <a:t>Google search interest </a:t>
+            </a:r>
+            <a:r>
+              <a:rPr lang="en-US" dirty="0" smtClean="0">
+                <a:latin typeface="Arial" pitchFamily="34" charset="0"/>
+                <a:cs typeface="Arial" pitchFamily="34" charset="0"/>
+              </a:rPr>
+              <a:t>(</a:t>
+            </a:r>
+            <a:r>
+              <a:rPr lang="en-US" dirty="0" smtClean="0">
+                <a:latin typeface="Arial" pitchFamily="34" charset="0"/>
+                <a:cs typeface="Arial" pitchFamily="34" charset="0"/>
+              </a:rPr>
+              <a:t>SI</a:t>
+            </a:r>
+            <a:r>
+              <a:rPr lang="en-US" dirty="0" smtClean="0">
+                <a:latin typeface="Arial" pitchFamily="34" charset="0"/>
+                <a:cs typeface="Arial" pitchFamily="34" charset="0"/>
+              </a:rPr>
+              <a:t>)</a:t>
             </a:r>
           </a:p>
           <a:p>
@@ -7750,6 +7755,45 @@
                 <a:latin typeface="Arial" pitchFamily="34" charset="0"/>
                 <a:cs typeface="Arial" pitchFamily="34" charset="0"/>
               </a:rPr>
+              <a:t>Weekly index (</a:t>
+            </a:r>
+            <a:r>
+              <a:rPr lang="en-US" dirty="0" smtClean="0">
+                <a:latin typeface="Arial" pitchFamily="34" charset="0"/>
+                <a:cs typeface="Arial" pitchFamily="34" charset="0"/>
+              </a:rPr>
+              <a:t>0</a:t>
+            </a:r>
+            <a:r>
+              <a:rPr lang="en-US" dirty="0" smtClean="0">
+                <a:latin typeface="Arial" pitchFamily="34" charset="0"/>
+                <a:cs typeface="Arial" pitchFamily="34" charset="0"/>
+              </a:rPr>
+              <a:t>-</a:t>
+            </a:r>
+            <a:r>
+              <a:rPr lang="en-US" dirty="0" smtClean="0">
+                <a:latin typeface="Arial" pitchFamily="34" charset="0"/>
+                <a:cs typeface="Arial" pitchFamily="34" charset="0"/>
+              </a:rPr>
+              <a:t>100)</a:t>
+            </a:r>
+            <a:endParaRPr lang="en-US" dirty="0" smtClean="0">
+              <a:latin typeface="Arial" pitchFamily="34" charset="0"/>
+              <a:cs typeface="Arial" pitchFamily="34" charset="0"/>
+            </a:endParaRPr>
+          </a:p>
+          <a:p>
+            <a:pPr lvl="2" algn="just">
+              <a:spcAft>
+                <a:spcPts val="600"/>
+              </a:spcAft>
+            </a:pPr>
+            <a:r>
+              <a:rPr lang="en-US" dirty="0" smtClean="0">
+                <a:latin typeface="Arial" pitchFamily="34" charset="0"/>
+                <a:cs typeface="Arial" pitchFamily="34" charset="0"/>
+              </a:rPr>
               <a:t>Keyword: </a:t>
             </a:r>
             <a:r>
@@ -7836,7 +7880,7 @@
     </p:spTree>
     <p:extLst>
       <p:ext uri="{BB962C8B-B14F-4D97-AF65-F5344CB8AC3E}">
-        <p14:creationId xmlns:p14="http://schemas.microsoft.com/office/powerpoint/2010/main" xmlns="" val="1898863101"/>
+        <p14:creationId xmlns:p14="http://schemas.microsoft.com/office/powerpoint/2010/main" val="1898863101"/>
       </p:ext>
     </p:extLst>
   </p:cSld>
@@ -7846,7 +7890,7 @@
   <p:timing>
     <p:tnLst>
       <p:par>
-        <p:cTn id="1" dur="indefinite" restart="never" nodeType="tmRoot"/>
+        <p:cTn xmlns:p14="http://schemas.microsoft.com/office/powerpoint/2010/main" id="1" dur="indefinite" restart="never" nodeType="tmRoot"/>
       </p:par>
     </p:tnLst>
   </p:timing>
@@ -7987,7 +8031,7 @@
           <a:blip r:embed="rId3">
             <a:extLst>
               <a:ext uri="{28A0092B-C50C-407E-A947-70E740481C1C}">
-                <a14:useLocalDpi xmlns:a14="http://schemas.microsoft.com/office/drawing/2010/main" xmlns="" val="0"/>
+                <a14:useLocalDpi xmlns:a14="http://schemas.microsoft.com/office/drawing/2010/main" val="0"/>
               </a:ext>
             </a:extLst>
           </a:blip>
@@ -8037,7 +8081,7 @@
     </p:spTree>
     <p:extLst>
       <p:ext uri="{BB962C8B-B14F-4D97-AF65-F5344CB8AC3E}">
-        <p14:creationId xmlns:p14="http://schemas.microsoft.com/office/powerpoint/2010/main" xmlns="" val="2383779861"/>
+        <p14:creationId xmlns:p14="http://schemas.microsoft.com/office/powerpoint/2010/main" val="2383779861"/>
       </p:ext>
     </p:extLst>
   </p:cSld>
@@ -8047,7 +8091,7 @@
   <p:timing>
     <p:tnLst>
       <p:par>
-        <p:cTn id="1" dur="indefinite" restart="never" nodeType="tmRoot"/>
+        <p:cTn xmlns:p14="http://schemas.microsoft.com/office/powerpoint/2010/main" id="1" dur="indefinite" restart="never" nodeType="tmRoot"/>
       </p:par>
     </p:tnLst>
   </p:timing>
@@ -8171,20 +8215,6 @@
             </a:r>
           </a:p>
           <a:p>
-            <a:pPr lvl="1" algn="just">
-              <a:spcAft>
-                <a:spcPts val="600"/>
-              </a:spcAft>
-            </a:pPr>
-            <a:r>
-              <a:rPr lang="en-US" dirty="0" smtClean="0">
-                <a:latin typeface="Arial" pitchFamily="34" charset="0"/>
-                <a:cs typeface="Arial" pitchFamily="34" charset="0"/>
-              </a:rPr>
-              <a:t>Given historical data</a:t>
-            </a:r>
-          </a:p>
-          <a:p>
             <a:pPr algn="just">
               <a:spcAft>
                 <a:spcPts val="600"/>
@@ -8195,7 +8225,14 @@
                 <a:latin typeface="Arial" pitchFamily="34" charset="0"/>
                 <a:cs typeface="Arial" pitchFamily="34" charset="0"/>
               </a:rPr>
-              <a:t>For week </a:t>
+              <a:t>For </a:t>
+            </a:r>
+            <a:r>
+              <a:rPr lang="en-US" dirty="0" smtClean="0">
+                <a:latin typeface="Arial" pitchFamily="34" charset="0"/>
+                <a:cs typeface="Arial" pitchFamily="34" charset="0"/>
+              </a:rPr>
+              <a:t>week </a:t>
             </a:r>
             <a:r>
               <a:rPr lang="en-US" dirty="0" err="1" smtClean="0">
@@ -8278,7 +8315,7 @@
     </p:spTree>
     <p:extLst>
       <p:ext uri="{BB962C8B-B14F-4D97-AF65-F5344CB8AC3E}">
-        <p14:creationId xmlns:p14="http://schemas.microsoft.com/office/powerpoint/2010/main" xmlns="" val="2938407280"/>
+        <p14:creationId xmlns:p14="http://schemas.microsoft.com/office/powerpoint/2010/main" val="2938407280"/>
       </p:ext>
     </p:extLst>
   </p:cSld>
@@ -8288,7 +8325,7 @@
   <p:timing>
     <p:tnLst>
       <p:par>
-        <p:cTn id="1" dur="indefinite" restart="never" nodeType="tmRoot"/>
+        <p:cTn xmlns:p14="http://schemas.microsoft.com/office/powerpoint/2010/main" id="1" dur="indefinite" restart="never" nodeType="tmRoot"/>
       </p:par>
     </p:tnLst>
   </p:timing>
@@ -8486,7 +8523,7 @@
     </p:spTree>
     <p:extLst>
       <p:ext uri="{BB962C8B-B14F-4D97-AF65-F5344CB8AC3E}">
-        <p14:creationId xmlns:p14="http://schemas.microsoft.com/office/powerpoint/2010/main" xmlns="" val="4004171504"/>
+        <p14:creationId xmlns:p14="http://schemas.microsoft.com/office/powerpoint/2010/main" val="4004171504"/>
       </p:ext>
     </p:extLst>
   </p:cSld>
@@ -8496,7 +8533,7 @@
   <p:timing>
     <p:tnLst>
       <p:par>
-        <p:cTn id="1" dur="indefinite" restart="never" nodeType="tmRoot"/>
+        <p:cTn xmlns:p14="http://schemas.microsoft.com/office/powerpoint/2010/main" id="1" dur="indefinite" restart="never" nodeType="tmRoot"/>
       </p:par>
     </p:tnLst>
   </p:timing>
@@ -8715,7 +8752,7 @@
   <p:timing>
     <p:tnLst>
       <p:par>
-        <p:cTn id="1" dur="indefinite" restart="never" nodeType="tmRoot"/>
+        <p:cTn xmlns:p14="http://schemas.microsoft.com/office/powerpoint/2010/main" id="1" dur="indefinite" restart="never" nodeType="tmRoot"/>
       </p:par>
     </p:tnLst>
   </p:timing>
@@ -8838,7 +8875,7 @@
           <a:blip r:embed="rId3">
             <a:extLst>
               <a:ext uri="{28A0092B-C50C-407E-A947-70E740481C1C}">
-                <a14:useLocalDpi xmlns:a14="http://schemas.microsoft.com/office/drawing/2010/main" xmlns="" val="0"/>
+                <a14:useLocalDpi xmlns:a14="http://schemas.microsoft.com/office/drawing/2010/main" val="0"/>
               </a:ext>
             </a:extLst>
           </a:blip>
@@ -8859,7 +8896,7 @@
     </p:spTree>
     <p:extLst>
       <p:ext uri="{BB962C8B-B14F-4D97-AF65-F5344CB8AC3E}">
-        <p14:creationId xmlns:p14="http://schemas.microsoft.com/office/powerpoint/2010/main" xmlns="" val="2248839819"/>
+        <p14:creationId xmlns:p14="http://schemas.microsoft.com/office/powerpoint/2010/main" val="2248839819"/>
       </p:ext>
     </p:extLst>
   </p:cSld>
@@ -8869,7 +8906,7 @@
   <p:timing>
     <p:tnLst>
       <p:par>
-        <p:cTn id="1" dur="indefinite" restart="never" nodeType="tmRoot"/>
+        <p:cTn xmlns:p14="http://schemas.microsoft.com/office/powerpoint/2010/main" id="1" dur="indefinite" restart="never" nodeType="tmRoot"/>
       </p:par>
     </p:tnLst>
   </p:timing>
@@ -9011,7 +9048,7 @@
     </p:spTree>
     <p:extLst>
       <p:ext uri="{BB962C8B-B14F-4D97-AF65-F5344CB8AC3E}">
-        <p14:creationId xmlns:p14="http://schemas.microsoft.com/office/powerpoint/2010/main" xmlns="" val="288134162"/>
+        <p14:creationId xmlns:p14="http://schemas.microsoft.com/office/powerpoint/2010/main" val="288134162"/>
       </p:ext>
     </p:extLst>
   </p:cSld>
@@ -9021,7 +9058,7 @@
   <p:timing>
     <p:tnLst>
       <p:par>
-        <p:cTn id="1" dur="indefinite" restart="never" nodeType="tmRoot"/>
+        <p:cTn xmlns:p14="http://schemas.microsoft.com/office/powerpoint/2010/main" id="1" dur="indefinite" restart="never" nodeType="tmRoot"/>
       </p:par>
     </p:tnLst>
   </p:timing>
@@ -9236,11 +9273,18 @@
             </a:r>
           </a:p>
           <a:p>
-            <a:pPr lvl="1" algn="just">
+            <a:pPr algn="just">
               <a:spcAft>
                 <a:spcPts val="600"/>
               </a:spcAft>
             </a:pPr>
+            <a:r>
+              <a:rPr lang="en-US" dirty="0" smtClean="0">
+                <a:latin typeface="Arial" pitchFamily="34" charset="0"/>
+                <a:cs typeface="Arial" pitchFamily="34" charset="0"/>
+              </a:rPr>
+              <a:t>Build an interactive graph for easier observation</a:t>
+            </a:r>
             <a:endParaRPr lang="en-US" dirty="0" smtClean="0">
               <a:latin typeface="Arial" pitchFamily="34" charset="0"/>
               <a:cs typeface="Arial" pitchFamily="34" charset="0"/>
@@ -9251,7 +9295,7 @@
     </p:spTree>
     <p:extLst>
       <p:ext uri="{BB962C8B-B14F-4D97-AF65-F5344CB8AC3E}">
-        <p14:creationId xmlns:p14="http://schemas.microsoft.com/office/powerpoint/2010/main" xmlns="" val="335122943"/>
+        <p14:creationId xmlns:p14="http://schemas.microsoft.com/office/powerpoint/2010/main" val="335122943"/>
       </p:ext>
     </p:extLst>
   </p:cSld>
@@ -9261,7 +9305,7 @@
   <p:timing>
     <p:tnLst>
       <p:par>
-        <p:cTn id="1" dur="indefinite" restart="never" nodeType="tmRoot"/>
+        <p:cTn xmlns:p14="http://schemas.microsoft.com/office/powerpoint/2010/main" id="1" dur="indefinite" restart="never" nodeType="tmRoot"/>
       </p:par>
     </p:tnLst>
   </p:timing>
@@ -9351,7 +9395,7 @@
           <a:blip r:embed="rId3">
             <a:extLst>
               <a:ext uri="{28A0092B-C50C-407E-A947-70E740481C1C}">
-                <a14:useLocalDpi xmlns:a14="http://schemas.microsoft.com/office/drawing/2010/main" xmlns="" val="0"/>
+                <a14:useLocalDpi xmlns:a14="http://schemas.microsoft.com/office/drawing/2010/main" val="0"/>
               </a:ext>
             </a:extLst>
           </a:blip>
@@ -9367,10 +9411,40 @@
           </a:xfrm>
         </p:spPr>
       </p:pic>
+      <p:sp>
+        <p:nvSpPr>
+          <p:cNvPr id="2" name="TextBox 1"/>
+          <p:cNvSpPr txBox="1"/>
+          <p:nvPr/>
+        </p:nvSpPr>
+        <p:spPr>
+          <a:xfrm>
+            <a:off x="3124200" y="5867400"/>
+            <a:ext cx="5900474" cy="369332"/>
+          </a:xfrm>
+          <a:prstGeom prst="rect">
+            <a:avLst/>
+          </a:prstGeom>
+          <a:noFill/>
+        </p:spPr>
+        <p:txBody>
+          <a:bodyPr wrap="none" rtlCol="0">
+            <a:spAutoFit/>
+          </a:bodyPr>
+          <a:lstStyle/>
+          <a:p>
+            <a:r>
+              <a:rPr lang="en-US" dirty="0" smtClean="0"/>
+              <a:t>Take away: only part of news has substantial effect</a:t>
+            </a:r>
+            <a:endParaRPr lang="en-US" dirty="0"/>
+          </a:p>
+        </p:txBody>
+      </p:sp>
     </p:spTree>
     <p:extLst>
       <p:ext uri="{BB962C8B-B14F-4D97-AF65-F5344CB8AC3E}">
-        <p14:creationId xmlns:p14="http://schemas.microsoft.com/office/powerpoint/2010/main" xmlns="" val="3429427913"/>
+        <p14:creationId xmlns:p14="http://schemas.microsoft.com/office/powerpoint/2010/main" val="3429427913"/>
       </p:ext>
     </p:extLst>
   </p:cSld>
@@ -9380,7 +9454,7 @@
   <p:timing>
     <p:tnLst>
       <p:par>
-        <p:cTn id="1" dur="indefinite" restart="never" nodeType="tmRoot"/>
+        <p:cTn xmlns:p14="http://schemas.microsoft.com/office/powerpoint/2010/main" id="1" dur="indefinite" restart="never" nodeType="tmRoot"/>
       </p:par>
     </p:tnLst>
   </p:timing>
@@ -9447,16 +9521,50 @@
                 <a:latin typeface="Arial" pitchFamily="34" charset="0"/>
                 <a:cs typeface="Arial" pitchFamily="34" charset="0"/>
               </a:rPr>
-              <a:t> price is not as good as analysis for the stock market;</a:t>
-            </a:r>
-          </a:p>
-          <a:p>
+              <a:t> price is not as good as analysis for the stock </a:t>
+            </a:r>
             <a:r>
               <a:rPr lang="en-US" dirty="0" smtClean="0">
                 <a:latin typeface="Arial" pitchFamily="34" charset="0"/>
                 <a:cs typeface="Arial" pitchFamily="34" charset="0"/>
               </a:rPr>
-              <a:t>More care needs to be taken to analyze </a:t>
+              <a:t>market</a:t>
+            </a:r>
+            <a:r>
+              <a:rPr lang="zh-CN" altLang="en-US" dirty="0" smtClean="0">
+                <a:latin typeface="Arial" pitchFamily="34" charset="0"/>
+                <a:cs typeface="Arial" pitchFamily="34" charset="0"/>
+              </a:rPr>
+              <a:t>；</a:t>
+            </a:r>
+            <a:endParaRPr lang="en-US" altLang="zh-CN" dirty="0" smtClean="0">
+              <a:latin typeface="Arial" pitchFamily="34" charset="0"/>
+              <a:cs typeface="Arial" pitchFamily="34" charset="0"/>
+            </a:endParaRPr>
+          </a:p>
+          <a:p>
+            <a:r>
+              <a:rPr lang="en-US" dirty="0" smtClean="0">
+                <a:latin typeface="Arial" pitchFamily="34" charset="0"/>
+                <a:cs typeface="Arial" pitchFamily="34" charset="0"/>
+              </a:rPr>
+              <a:t>Alternative methods bear potential, but require specific tailoring</a:t>
+            </a:r>
+          </a:p>
+          <a:p>
+            <a:r>
+              <a:rPr lang="en-US" dirty="0" smtClean="0">
+                <a:latin typeface="Arial" pitchFamily="34" charset="0"/>
+                <a:cs typeface="Arial" pitchFamily="34" charset="0"/>
+              </a:rPr>
+              <a:t>More </a:t>
+            </a:r>
+            <a:r>
+              <a:rPr lang="en-US" dirty="0" smtClean="0">
+                <a:latin typeface="Arial" pitchFamily="34" charset="0"/>
+                <a:cs typeface="Arial" pitchFamily="34" charset="0"/>
+              </a:rPr>
+              <a:t>care needs to be taken to analyze </a:t>
             </a:r>
             <a:r>
               <a:rPr lang="en-US" dirty="0" err="1" smtClean="0">
@@ -9550,7 +9658,7 @@
   <p:timing>
     <p:tnLst>
       <p:par>
-        <p:cTn id="1" dur="indefinite" restart="never" nodeType="tmRoot"/>
+        <p:cTn xmlns:p14="http://schemas.microsoft.com/office/powerpoint/2010/main" id="1" dur="indefinite" restart="never" nodeType="tmRoot"/>
       </p:par>
     </p:tnLst>
   </p:timing>
@@ -9636,7 +9744,7 @@
             <p:ph idx="1"/>
             <p:extLst>
               <p:ext uri="{D42A27DB-BD31-4B8C-83A1-F6EECF244321}">
-                <p14:modId xmlns:p14="http://schemas.microsoft.com/office/powerpoint/2010/main" xmlns="" val="3757271971"/>
+                <p14:modId xmlns:p14="http://schemas.microsoft.com/office/powerpoint/2010/main" val="3757271971"/>
               </p:ext>
             </p:extLst>
           </p:nvPr>
@@ -9659,7 +9767,7 @@
   <p:timing>
     <p:tnLst>
       <p:par>
-        <p:cTn id="1" dur="indefinite" restart="never" nodeType="tmRoot"/>
+        <p:cTn xmlns:p14="http://schemas.microsoft.com/office/powerpoint/2010/main" id="1" dur="indefinite" restart="never" nodeType="tmRoot"/>
       </p:par>
     </p:tnLst>
   </p:timing>
@@ -9845,7 +9953,7 @@
           <a:blip r:embed="rId3" cstate="print">
             <a:extLst>
               <a:ext uri="{28A0092B-C50C-407E-A947-70E740481C1C}">
-                <a14:useLocalDpi xmlns:a14="http://schemas.microsoft.com/office/drawing/2010/main" xmlns="" val="0"/>
+                <a14:useLocalDpi xmlns:a14="http://schemas.microsoft.com/office/drawing/2010/main" val="0"/>
               </a:ext>
             </a:extLst>
           </a:blip>
@@ -9875,7 +9983,7 @@
           <a:blip r:embed="rId4">
             <a:extLst>
               <a:ext uri="{28A0092B-C50C-407E-A947-70E740481C1C}">
-                <a14:useLocalDpi xmlns:a14="http://schemas.microsoft.com/office/drawing/2010/main" xmlns="" val="0"/>
+                <a14:useLocalDpi xmlns:a14="http://schemas.microsoft.com/office/drawing/2010/main" val="0"/>
               </a:ext>
             </a:extLst>
           </a:blip>
@@ -9941,7 +10049,7 @@
   <p:timing>
     <p:tnLst>
       <p:par>
-        <p:cTn id="1" dur="indefinite" restart="never" nodeType="tmRoot"/>
+        <p:cTn xmlns:p14="http://schemas.microsoft.com/office/powerpoint/2010/main" id="1" dur="indefinite" restart="never" nodeType="tmRoot"/>
       </p:par>
     </p:tnLst>
   </p:timing>
@@ -10123,7 +10231,7 @@
   <p:timing>
     <p:tnLst>
       <p:par>
-        <p:cTn id="1" dur="indefinite" restart="never" nodeType="tmRoot"/>
+        <p:cTn xmlns:p14="http://schemas.microsoft.com/office/powerpoint/2010/main" id="1" dur="indefinite" restart="never" nodeType="tmRoot"/>
       </p:par>
     </p:tnLst>
   </p:timing>
@@ -10300,7 +10408,7 @@
   <p:timing>
     <p:tnLst>
       <p:par>
-        <p:cTn id="1" dur="indefinite" restart="never" nodeType="tmRoot"/>
+        <p:cTn xmlns:p14="http://schemas.microsoft.com/office/powerpoint/2010/main" id="1" dur="indefinite" restart="never" nodeType="tmRoot"/>
       </p:par>
     </p:tnLst>
   </p:timing>
@@ -10470,7 +10578,7 @@
   <p:timing>
     <p:tnLst>
       <p:par>
-        <p:cTn id="1" dur="indefinite" restart="never" nodeType="tmRoot"/>
+        <p:cTn xmlns:p14="http://schemas.microsoft.com/office/powerpoint/2010/main" id="1" dur="indefinite" restart="never" nodeType="tmRoot"/>
       </p:par>
     </p:tnLst>
   </p:timing>
@@ -10658,7 +10766,7 @@
   <p:timing>
     <p:tnLst>
       <p:par>
-        <p:cTn id="1" dur="indefinite" restart="never" nodeType="tmRoot"/>
+        <p:cTn xmlns:p14="http://schemas.microsoft.com/office/powerpoint/2010/main" id="1" dur="indefinite" restart="never" nodeType="tmRoot"/>
       </p:par>
     </p:tnLst>
   </p:timing>
@@ -10791,39 +10899,17 @@
                 <a:latin typeface="Arial" pitchFamily="34" charset="0"/>
                 <a:cs typeface="Arial" pitchFamily="34" charset="0"/>
               </a:rPr>
-              <a:t>Absolute mean error = </a:t>
-            </a:r>
+              <a:t>Absolute mean error = 21.39</a:t>
+            </a:r>
+          </a:p>
+          <a:p>
             <a:r>
               <a:rPr lang="en-US" sz="2400" dirty="0" smtClean="0">
                 <a:latin typeface="Arial" pitchFamily="34" charset="0"/>
                 <a:cs typeface="Arial" pitchFamily="34" charset="0"/>
               </a:rPr>
-              <a:t>21.39</a:t>
-            </a:r>
-            <a:endParaRPr lang="en-US" sz="2400" dirty="0" smtClean="0">
-              <a:latin typeface="Arial" pitchFamily="34" charset="0"/>
-              <a:cs typeface="Arial" pitchFamily="34" charset="0"/>
-            </a:endParaRPr>
-          </a:p>
-          <a:p>
-            <a:r>
-              <a:rPr lang="en-US" sz="2400" dirty="0" smtClean="0">
-                <a:latin typeface="Arial" pitchFamily="34" charset="0"/>
-                <a:cs typeface="Arial" pitchFamily="34" charset="0"/>
-              </a:rPr>
-              <a:t>Average relative error = </a:t>
-            </a:r>
-            <a:r>
-              <a:rPr lang="en-US" sz="2400" dirty="0" smtClean="0">
-                <a:latin typeface="Arial" pitchFamily="34" charset="0"/>
-                <a:cs typeface="Arial" pitchFamily="34" charset="0"/>
-              </a:rPr>
-              <a:t>0.07</a:t>
-            </a:r>
-            <a:endParaRPr lang="en-US" sz="2400" dirty="0" smtClean="0">
-              <a:latin typeface="Arial" pitchFamily="34" charset="0"/>
-              <a:cs typeface="Arial" pitchFamily="34" charset="0"/>
-            </a:endParaRPr>
+              <a:t>Average relative error = 0.07</a:t>
+            </a:r>
           </a:p>
         </p:txBody>
       </p:sp>
@@ -10868,7 +10954,7 @@
   <p:timing>
     <p:tnLst>
       <p:par>
-        <p:cTn id="1" dur="indefinite" restart="never" nodeType="tmRoot"/>
+        <p:cTn xmlns:p14="http://schemas.microsoft.com/office/powerpoint/2010/main" id="1" dur="indefinite" restart="never" nodeType="tmRoot"/>
       </p:par>
     </p:tnLst>
   </p:timing>

--- a/DM_Project.pptx
+++ b/DM_Project.pptx
@@ -135,28 +135,16 @@
 
 <file path=ppt/charts/chart1.xml><?xml version="1.0" encoding="utf-8"?>
 <c:chartSpace xmlns:c="http://schemas.openxmlformats.org/drawingml/2006/chart" xmlns:a="http://schemas.openxmlformats.org/drawingml/2006/main" xmlns:r="http://schemas.openxmlformats.org/officeDocument/2006/relationships">
-  <c:date1904 val="0"/>
   <c:lang val="en-US"/>
-  <c:roundedCorners val="0"/>
-  <mc:AlternateContent xmlns:mc="http://schemas.openxmlformats.org/markup-compatibility/2006">
-    <mc:Choice xmlns:c14="http://schemas.microsoft.com/office/drawing/2007/8/2/chart" Requires="c14">
-      <c14:style val="116"/>
-    </mc:Choice>
-    <mc:Fallback>
-      <c:style val="16"/>
-    </mc:Fallback>
-  </mc:AlternateContent>
+  <c:style val="16"/>
   <c:chart>
     <c:title>
       <c:layout/>
-      <c:overlay val="0"/>
     </c:title>
-    <c:autoTitleDeleted val="0"/>
     <c:plotArea>
       <c:layout/>
       <c:lineChart>
         <c:grouping val="standard"/>
-        <c:varyColors val="0"/>
         <c:ser>
           <c:idx val="0"/>
           <c:order val="0"/>
@@ -178,19 +166,19 @@
                 <c:formatCode>m/d/yy</c:formatCode>
                 <c:ptCount val="5"/>
                 <c:pt idx="0">
-                  <c:v>39814.0</c:v>
+                  <c:v>39814</c:v>
                 </c:pt>
                 <c:pt idx="1">
-                  <c:v>41518.0</c:v>
+                  <c:v>41518</c:v>
                 </c:pt>
                 <c:pt idx="2">
-                  <c:v>41609.0</c:v>
+                  <c:v>41609</c:v>
                 </c:pt>
                 <c:pt idx="3">
-                  <c:v>42005.0</c:v>
+                  <c:v>42005</c:v>
                 </c:pt>
                 <c:pt idx="4">
-                  <c:v>42064.0</c:v>
+                  <c:v>42064</c:v>
                 </c:pt>
               </c:numCache>
             </c:numRef>
@@ -202,75 +190,58 @@
                 <c:formatCode>#,##0</c:formatCode>
                 <c:ptCount val="5"/>
                 <c:pt idx="0" formatCode="General">
-                  <c:v>0.0</c:v>
+                  <c:v>0</c:v>
                 </c:pt>
                 <c:pt idx="1">
-                  <c:v>1.0</c:v>
+                  <c:v>1</c:v>
                 </c:pt>
                 <c:pt idx="2">
-                  <c:v>13.0</c:v>
+                  <c:v>13</c:v>
                 </c:pt>
                 <c:pt idx="3">
-                  <c:v>3.0</c:v>
+                  <c:v>3</c:v>
                 </c:pt>
                 <c:pt idx="4">
-                  <c:v>3.0</c:v>
+                  <c:v>3</c:v>
                 </c:pt>
               </c:numCache>
             </c:numRef>
           </c:val>
-          <c:smooth val="0"/>
         </c:ser>
-        <c:dLbls>
-          <c:showLegendKey val="0"/>
-          <c:showVal val="0"/>
-          <c:showCatName val="0"/>
-          <c:showSerName val="0"/>
-          <c:showPercent val="0"/>
-          <c:showBubbleSize val="0"/>
-        </c:dLbls>
         <c:marker val="1"/>
-        <c:smooth val="0"/>
-        <c:axId val="2121674936"/>
-        <c:axId val="2121519800"/>
+        <c:axId val="67034496"/>
+        <c:axId val="67097728"/>
       </c:lineChart>
       <c:dateAx>
-        <c:axId val="2121674936"/>
+        <c:axId val="67034496"/>
         <c:scaling>
           <c:orientation val="minMax"/>
         </c:scaling>
-        <c:delete val="0"/>
         <c:axPos val="b"/>
         <c:numFmt formatCode="m/d/yy" sourceLinked="1"/>
-        <c:majorTickMark val="out"/>
-        <c:minorTickMark val="none"/>
         <c:tickLblPos val="nextTo"/>
-        <c:crossAx val="2121519800"/>
+        <c:crossAx val="67097728"/>
         <c:crosses val="autoZero"/>
         <c:auto val="1"/>
         <c:lblOffset val="100"/>
         <c:baseTimeUnit val="months"/>
       </c:dateAx>
       <c:valAx>
-        <c:axId val="2121519800"/>
+        <c:axId val="67097728"/>
         <c:scaling>
           <c:orientation val="minMax"/>
         </c:scaling>
-        <c:delete val="0"/>
         <c:axPos val="l"/>
         <c:majorGridlines/>
         <c:numFmt formatCode="General" sourceLinked="1"/>
-        <c:majorTickMark val="out"/>
-        <c:minorTickMark val="none"/>
         <c:tickLblPos val="nextTo"/>
-        <c:crossAx val="2121674936"/>
+        <c:crossAx val="67034496"/>
         <c:crosses val="autoZero"/>
         <c:crossBetween val="between"/>
       </c:valAx>
     </c:plotArea>
     <c:plotVisOnly val="1"/>
     <c:dispBlanksAs val="gap"/>
-    <c:showDLblsOverMax val="0"/>
   </c:chart>
   <c:txPr>
     <a:bodyPr/>
@@ -282,9 +253,7 @@
       <a:endParaRPr lang="en-US"/>
     </a:p>
   </c:txPr>
-  <c:externalData r:id="rId1">
-    <c:autoUpdate val="0"/>
-  </c:externalData>
+  <c:externalData r:id="rId1"/>
 </c:chartSpace>
 </file>
 
@@ -371,7 +340,7 @@
             <a:fld id="{359111DE-1BA2-49A7-AE83-CFAA77982A4A}" type="datetimeFigureOut">
               <a:rPr lang="en-US" smtClean="0"/>
               <a:pPr/>
-              <a:t>4/22/15</a:t>
+              <a:t>4/23/2015</a:t>
             </a:fld>
             <a:endParaRPr lang="en-US"/>
           </a:p>
@@ -542,7 +511,7 @@
     </p:spTree>
     <p:extLst>
       <p:ext uri="{BB962C8B-B14F-4D97-AF65-F5344CB8AC3E}">
-        <p14:creationId xmlns:p14="http://schemas.microsoft.com/office/powerpoint/2010/main" val="1175721935"/>
+        <p14:creationId xmlns="" xmlns:p14="http://schemas.microsoft.com/office/powerpoint/2010/main" val="1175721935"/>
       </p:ext>
     </p:extLst>
   </p:cSld>
@@ -1360,7 +1329,7 @@
             <a:fld id="{1D8BD707-D9CF-40AE-B4C6-C98DA3205C09}" type="datetimeFigureOut">
               <a:rPr lang="en-US" smtClean="0"/>
               <a:pPr/>
-              <a:t>4/22/15</a:t>
+              <a:t>4/23/2015</a:t>
             </a:fld>
             <a:endParaRPr lang="en-US"/>
           </a:p>
@@ -1558,7 +1527,7 @@
             <a:fld id="{1D8BD707-D9CF-40AE-B4C6-C98DA3205C09}" type="datetimeFigureOut">
               <a:rPr lang="en-US" smtClean="0"/>
               <a:pPr/>
-              <a:t>4/22/15</a:t>
+              <a:t>4/23/2015</a:t>
             </a:fld>
             <a:endParaRPr lang="en-US"/>
           </a:p>
@@ -1745,7 +1714,7 @@
             <a:fld id="{1D8BD707-D9CF-40AE-B4C6-C98DA3205C09}" type="datetimeFigureOut">
               <a:rPr lang="en-US" smtClean="0"/>
               <a:pPr/>
-              <a:t>4/22/15</a:t>
+              <a:t>4/23/2015</a:t>
             </a:fld>
             <a:endParaRPr lang="en-US"/>
           </a:p>
@@ -1897,7 +1866,7 @@
             <a:fld id="{1D8BD707-D9CF-40AE-B4C6-C98DA3205C09}" type="datetimeFigureOut">
               <a:rPr lang="en-US" smtClean="0"/>
               <a:pPr/>
-              <a:t>4/22/15</a:t>
+              <a:t>4/23/2015</a:t>
             </a:fld>
             <a:endParaRPr lang="en-US"/>
           </a:p>
@@ -2154,7 +2123,7 @@
             <a:fld id="{1D8BD707-D9CF-40AE-B4C6-C98DA3205C09}" type="datetimeFigureOut">
               <a:rPr lang="en-US" smtClean="0"/>
               <a:pPr/>
-              <a:t>4/22/15</a:t>
+              <a:t>4/23/2015</a:t>
             </a:fld>
             <a:endParaRPr lang="en-US"/>
           </a:p>
@@ -2565,7 +2534,7 @@
             <a:fld id="{1D8BD707-D9CF-40AE-B4C6-C98DA3205C09}" type="datetimeFigureOut">
               <a:rPr lang="en-US" smtClean="0"/>
               <a:pPr/>
-              <a:t>4/22/15</a:t>
+              <a:t>4/23/2015</a:t>
             </a:fld>
             <a:endParaRPr lang="en-US"/>
           </a:p>
@@ -3013,7 +2982,7 @@
             <a:fld id="{1D8BD707-D9CF-40AE-B4C6-C98DA3205C09}" type="datetimeFigureOut">
               <a:rPr lang="en-US" smtClean="0"/>
               <a:pPr/>
-              <a:t>4/22/15</a:t>
+              <a:t>4/23/2015</a:t>
             </a:fld>
             <a:endParaRPr lang="en-US"/>
           </a:p>
@@ -3116,7 +3085,7 @@
             <a:fld id="{1D8BD707-D9CF-40AE-B4C6-C98DA3205C09}" type="datetimeFigureOut">
               <a:rPr lang="en-US" smtClean="0"/>
               <a:pPr/>
-              <a:t>4/22/15</a:t>
+              <a:t>4/23/2015</a:t>
             </a:fld>
             <a:endParaRPr lang="en-US"/>
           </a:p>
@@ -3239,7 +3208,7 @@
             <a:fld id="{1D8BD707-D9CF-40AE-B4C6-C98DA3205C09}" type="datetimeFigureOut">
               <a:rPr lang="en-US" smtClean="0"/>
               <a:pPr/>
-              <a:t>4/22/15</a:t>
+              <a:t>4/23/2015</a:t>
             </a:fld>
             <a:endParaRPr lang="en-US"/>
           </a:p>
@@ -3515,7 +3484,7 @@
             <a:fld id="{1D8BD707-D9CF-40AE-B4C6-C98DA3205C09}" type="datetimeFigureOut">
               <a:rPr lang="en-US" smtClean="0"/>
               <a:pPr/>
-              <a:t>4/22/15</a:t>
+              <a:t>4/23/2015</a:t>
             </a:fld>
             <a:endParaRPr lang="en-US"/>
           </a:p>
@@ -3722,7 +3691,7 @@
             <a:fld id="{1D8BD707-D9CF-40AE-B4C6-C98DA3205C09}" type="datetimeFigureOut">
               <a:rPr lang="en-US" smtClean="0"/>
               <a:pPr/>
-              <a:t>4/22/15</a:t>
+              <a:t>4/23/2015</a:t>
             </a:fld>
             <a:endParaRPr lang="en-US"/>
           </a:p>
@@ -4833,7 +4802,7 @@
             <a:fld id="{1D8BD707-D9CF-40AE-B4C6-C98DA3205C09}" type="datetimeFigureOut">
               <a:rPr lang="en-US" smtClean="0"/>
               <a:pPr/>
-              <a:t>4/22/15</a:t>
+              <a:t>4/23/2015</a:t>
             </a:fld>
             <a:endParaRPr lang="en-US"/>
           </a:p>
@@ -5363,7 +5332,7 @@
   <p:timing>
     <p:tnLst>
       <p:par>
-        <p:cTn xmlns:p14="http://schemas.microsoft.com/office/powerpoint/2010/main" id="1" dur="indefinite" restart="never" nodeType="tmRoot"/>
+        <p:cTn id="1" dur="indefinite" restart="never" nodeType="tmRoot"/>
       </p:par>
     </p:tnLst>
   </p:timing>
@@ -5884,7 +5853,7 @@
   <p:timing>
     <p:tnLst>
       <p:par>
-        <p:cTn xmlns:p14="http://schemas.microsoft.com/office/powerpoint/2010/main" id="1" dur="indefinite" restart="never" nodeType="tmRoot"/>
+        <p:cTn id="1" dur="indefinite" restart="never" nodeType="tmRoot"/>
       </p:par>
     </p:tnLst>
   </p:timing>
@@ -6048,35 +6017,26 @@
       </p:pic>
       <p:pic>
         <p:nvPicPr>
-          <p:cNvPr id="2050" name="Picture 2"/>
+          <p:cNvPr id="6" name="Picture 5" descr="Capture.PNG"/>
           <p:cNvPicPr>
-            <a:picLocks noChangeAspect="1" noChangeArrowheads="1"/>
+            <a:picLocks noChangeAspect="1"/>
           </p:cNvPicPr>
           <p:nvPr/>
         </p:nvPicPr>
         <p:blipFill>
           <a:blip r:embed="rId3"/>
-          <a:srcRect/>
           <a:stretch>
             <a:fillRect/>
           </a:stretch>
         </p:blipFill>
-        <p:spPr bwMode="auto">
-          <a:xfrm>
-            <a:off x="0" y="3880126"/>
-            <a:ext cx="9144000" cy="2977874"/>
+        <p:spPr>
+          <a:xfrm>
+            <a:off x="0" y="3733800"/>
+            <a:ext cx="9144000" cy="3200400"/>
           </a:xfrm>
           <a:prstGeom prst="rect">
             <a:avLst/>
           </a:prstGeom>
-          <a:noFill/>
-          <a:ln w="9525">
-            <a:noFill/>
-            <a:miter lim="800000"/>
-            <a:headEnd/>
-            <a:tailEnd/>
-          </a:ln>
-          <a:effectLst/>
         </p:spPr>
       </p:pic>
     </p:spTree>
@@ -6087,7 +6047,7 @@
   <p:timing>
     <p:tnLst>
       <p:par>
-        <p:cTn xmlns:p14="http://schemas.microsoft.com/office/powerpoint/2010/main" id="1" dur="indefinite" restart="never" nodeType="tmRoot"/>
+        <p:cTn id="1" dur="indefinite" restart="never" nodeType="tmRoot"/>
       </p:par>
     </p:tnLst>
   </p:timing>
@@ -6249,7 +6209,7 @@
   <p:timing>
     <p:tnLst>
       <p:par>
-        <p:cTn xmlns:p14="http://schemas.microsoft.com/office/powerpoint/2010/main" id="1" dur="indefinite" restart="never" nodeType="tmRoot"/>
+        <p:cTn id="1" dur="indefinite" restart="never" nodeType="tmRoot"/>
       </p:par>
     </p:tnLst>
   </p:timing>
@@ -7015,7 +6975,7 @@
   <p:timing>
     <p:tnLst>
       <p:par>
-        <p:cTn xmlns:p14="http://schemas.microsoft.com/office/powerpoint/2010/main" id="1" dur="indefinite" restart="never" nodeType="tmRoot"/>
+        <p:cTn id="1" dur="indefinite" restart="never" nodeType="tmRoot"/>
       </p:par>
     </p:tnLst>
   </p:timing>
@@ -7078,36 +7038,22 @@
                 <a:latin typeface="Arial" pitchFamily="34" charset="0"/>
                 <a:cs typeface="Arial" pitchFamily="34" charset="0"/>
               </a:rPr>
-              <a:t> price analysis</a:t>
-            </a:r>
-            <a:r>
-              <a:rPr lang="en-US" dirty="0" smtClean="0">
-                <a:latin typeface="Arial" pitchFamily="34" charset="0"/>
-                <a:cs typeface="Arial" pitchFamily="34" charset="0"/>
-              </a:rPr>
-              <a:t>?</a:t>
-            </a:r>
-          </a:p>
-          <a:p>
-            <a:pPr lvl="1" algn="just">
+              <a:t> price analysis?</a:t>
+            </a:r>
+          </a:p>
+          <a:p>
+            <a:pPr algn="just">
               <a:spcAft>
                 <a:spcPts val="600"/>
               </a:spcAft>
             </a:pPr>
-            <a:r>
-              <a:rPr lang="en-US" dirty="0" smtClean="0">
-                <a:latin typeface="Arial" pitchFamily="34" charset="0"/>
-                <a:cs typeface="Arial" pitchFamily="34" charset="0"/>
-              </a:rPr>
-              <a:t>To account for the huge variance</a:t>
-            </a:r>
-            <a:endParaRPr lang="en-US" dirty="0" smtClean="0">
+            <a:endParaRPr lang="en-US" sz="2700" dirty="0" smtClean="0">
               <a:latin typeface="Arial" pitchFamily="34" charset="0"/>
               <a:cs typeface="Arial" pitchFamily="34" charset="0"/>
             </a:endParaRPr>
           </a:p>
           <a:p>
-            <a:pPr lvl="2" algn="just">
+            <a:pPr algn="just">
               <a:spcAft>
                 <a:spcPts val="600"/>
               </a:spcAft>
@@ -7117,18 +7063,11 @@
                 <a:latin typeface="Arial" pitchFamily="34" charset="0"/>
                 <a:cs typeface="Arial" pitchFamily="34" charset="0"/>
               </a:rPr>
-              <a:t>Google </a:t>
-            </a:r>
-            <a:r>
-              <a:rPr lang="en-US" dirty="0" smtClean="0">
-                <a:latin typeface="Arial" pitchFamily="34" charset="0"/>
-                <a:cs typeface="Arial" pitchFamily="34" charset="0"/>
-              </a:rPr>
-              <a:t>search trend</a:t>
-            </a:r>
-          </a:p>
-          <a:p>
-            <a:pPr lvl="2" algn="just">
+              <a:t>Google search trend</a:t>
+            </a:r>
+          </a:p>
+          <a:p>
+            <a:pPr algn="just">
               <a:spcAft>
                 <a:spcPts val="600"/>
               </a:spcAft>
@@ -7140,7 +7079,7 @@
               </a:rPr>
               <a:t>News Sentimental analysis</a:t>
             </a:r>
-            <a:endParaRPr lang="en-US" sz="2100" dirty="0" smtClean="0">
+            <a:endParaRPr lang="en-US" sz="2700" dirty="0" smtClean="0">
               <a:latin typeface="Arial" pitchFamily="34" charset="0"/>
               <a:cs typeface="Arial" pitchFamily="34" charset="0"/>
             </a:endParaRPr>
@@ -7311,7 +7250,7 @@
   <p:timing>
     <p:tnLst>
       <p:par>
-        <p:cTn xmlns:p14="http://schemas.microsoft.com/office/powerpoint/2010/main" id="1" dur="indefinite" restart="never" nodeType="tmRoot"/>
+        <p:cTn id="1" dur="indefinite" restart="never" nodeType="tmRoot"/>
       </p:par>
     </p:tnLst>
   </p:timing>
@@ -7381,11 +7320,7 @@
           <a:p>
             <a:r>
               <a:rPr lang="en-US" dirty="0" smtClean="0"/>
-              <a:t>Google </a:t>
-            </a:r>
-            <a:r>
-              <a:rPr lang="en-US" dirty="0" smtClean="0"/>
-              <a:t>search analysis</a:t>
+              <a:t>Google trend analysis</a:t>
             </a:r>
             <a:endParaRPr lang="en-US" dirty="0"/>
           </a:p>
@@ -7483,6 +7418,17 @@
               </a:rPr>
               <a:t>Invest</a:t>
             </a:r>
+            <a:endParaRPr lang="en-US" dirty="0">
+              <a:latin typeface="Arial" pitchFamily="34" charset="0"/>
+              <a:cs typeface="Arial" pitchFamily="34" charset="0"/>
+            </a:endParaRPr>
+          </a:p>
+          <a:p>
+            <a:pPr algn="just">
+              <a:spcAft>
+                <a:spcPts val="600"/>
+              </a:spcAft>
+            </a:pPr>
             <a:endParaRPr lang="en-US" dirty="0" smtClean="0">
               <a:latin typeface="Arial" pitchFamily="34" charset="0"/>
               <a:cs typeface="Arial" pitchFamily="34" charset="0"/>
@@ -7528,7 +7474,7 @@
           <a:blip r:embed="rId3">
             <a:extLst>
               <a:ext uri="{28A0092B-C50C-407E-A947-70E740481C1C}">
-                <a14:useLocalDpi xmlns:a14="http://schemas.microsoft.com/office/drawing/2010/main" val="0"/>
+                <a14:useLocalDpi xmlns="" xmlns:a14="http://schemas.microsoft.com/office/drawing/2010/main" val="0"/>
               </a:ext>
             </a:extLst>
           </a:blip>
@@ -7549,7 +7495,7 @@
     </p:spTree>
     <p:extLst>
       <p:ext uri="{BB962C8B-B14F-4D97-AF65-F5344CB8AC3E}">
-        <p14:creationId xmlns:p14="http://schemas.microsoft.com/office/powerpoint/2010/main" val="1561910368"/>
+        <p14:creationId xmlns="" xmlns:p14="http://schemas.microsoft.com/office/powerpoint/2010/main" val="1561910368"/>
       </p:ext>
     </p:extLst>
   </p:cSld>
@@ -7559,7 +7505,7 @@
   <p:timing>
     <p:tnLst>
       <p:par>
-        <p:cTn xmlns:p14="http://schemas.microsoft.com/office/powerpoint/2010/main" id="1" dur="indefinite" restart="never" nodeType="tmRoot"/>
+        <p:cTn id="1" dur="indefinite" restart="never" nodeType="tmRoot"/>
       </p:par>
     </p:tnLst>
   </p:timing>
@@ -7629,11 +7575,7 @@
           <a:p>
             <a:r>
               <a:rPr lang="en-US" dirty="0" smtClean="0"/>
-              <a:t>Google </a:t>
-            </a:r>
-            <a:r>
-              <a:rPr lang="en-US" dirty="0" smtClean="0"/>
-              <a:t>search analysis</a:t>
+              <a:t>Google trend analysis</a:t>
             </a:r>
             <a:endParaRPr lang="en-US" dirty="0"/>
           </a:p>
@@ -7657,7 +7599,7 @@
         </p:spPr>
         <p:txBody>
           <a:bodyPr>
-            <a:normAutofit fontScale="92500"/>
+            <a:normAutofit lnSpcReduction="10000"/>
           </a:bodyPr>
           <a:lstStyle/>
           <a:p>
@@ -7720,28 +7662,7 @@
                 <a:latin typeface="Arial" pitchFamily="34" charset="0"/>
                 <a:cs typeface="Arial" pitchFamily="34" charset="0"/>
               </a:rPr>
-              <a:t>Google search interest </a:t>
-            </a:r>
-            <a:r>
-              <a:rPr lang="en-US" dirty="0" smtClean="0">
-                <a:latin typeface="Arial" pitchFamily="34" charset="0"/>
-                <a:cs typeface="Arial" pitchFamily="34" charset="0"/>
-              </a:rPr>
-              <a:t>(</a:t>
-            </a:r>
-            <a:r>
-              <a:rPr lang="en-US" dirty="0" smtClean="0">
-                <a:latin typeface="Arial" pitchFamily="34" charset="0"/>
-                <a:cs typeface="Arial" pitchFamily="34" charset="0"/>
-              </a:rPr>
-              <a:t>SI</a:t>
-            </a:r>
-            <a:r>
-              <a:rPr lang="en-US" dirty="0" smtClean="0">
-                <a:latin typeface="Arial" pitchFamily="34" charset="0"/>
-                <a:cs typeface="Arial" pitchFamily="34" charset="0"/>
-              </a:rPr>
-              <a:t>)</a:t>
+              <a:t>Google search interest index (SI): 0-100</a:t>
             </a:r>
           </a:p>
           <a:p>
@@ -7755,45 +7676,6 @@
                 <a:latin typeface="Arial" pitchFamily="34" charset="0"/>
                 <a:cs typeface="Arial" pitchFamily="34" charset="0"/>
               </a:rPr>
-              <a:t>Weekly index (</a:t>
-            </a:r>
-            <a:r>
-              <a:rPr lang="en-US" dirty="0" smtClean="0">
-                <a:latin typeface="Arial" pitchFamily="34" charset="0"/>
-                <a:cs typeface="Arial" pitchFamily="34" charset="0"/>
-              </a:rPr>
-              <a:t>0</a:t>
-            </a:r>
-            <a:r>
-              <a:rPr lang="en-US" dirty="0" smtClean="0">
-                <a:latin typeface="Arial" pitchFamily="34" charset="0"/>
-                <a:cs typeface="Arial" pitchFamily="34" charset="0"/>
-              </a:rPr>
-              <a:t>-</a:t>
-            </a:r>
-            <a:r>
-              <a:rPr lang="en-US" dirty="0" smtClean="0">
-                <a:latin typeface="Arial" pitchFamily="34" charset="0"/>
-                <a:cs typeface="Arial" pitchFamily="34" charset="0"/>
-              </a:rPr>
-              <a:t>100)</a:t>
-            </a:r>
-            <a:endParaRPr lang="en-US" dirty="0" smtClean="0">
-              <a:latin typeface="Arial" pitchFamily="34" charset="0"/>
-              <a:cs typeface="Arial" pitchFamily="34" charset="0"/>
-            </a:endParaRPr>
-          </a:p>
-          <a:p>
-            <a:pPr lvl="2" algn="just">
-              <a:spcAft>
-                <a:spcPts val="600"/>
-              </a:spcAft>
-            </a:pPr>
-            <a:r>
-              <a:rPr lang="en-US" dirty="0" smtClean="0">
-                <a:latin typeface="Arial" pitchFamily="34" charset="0"/>
-                <a:cs typeface="Arial" pitchFamily="34" charset="0"/>
-              </a:rPr>
               <a:t>Keyword: </a:t>
             </a:r>
             <a:r>
@@ -7880,7 +7762,7 @@
     </p:spTree>
     <p:extLst>
       <p:ext uri="{BB962C8B-B14F-4D97-AF65-F5344CB8AC3E}">
-        <p14:creationId xmlns:p14="http://schemas.microsoft.com/office/powerpoint/2010/main" val="1898863101"/>
+        <p14:creationId xmlns="" xmlns:p14="http://schemas.microsoft.com/office/powerpoint/2010/main" val="1898863101"/>
       </p:ext>
     </p:extLst>
   </p:cSld>
@@ -7890,7 +7772,7 @@
   <p:timing>
     <p:tnLst>
       <p:par>
-        <p:cTn xmlns:p14="http://schemas.microsoft.com/office/powerpoint/2010/main" id="1" dur="indefinite" restart="never" nodeType="tmRoot"/>
+        <p:cTn id="1" dur="indefinite" restart="never" nodeType="tmRoot"/>
       </p:par>
     </p:tnLst>
   </p:timing>
@@ -8031,7 +7913,7 @@
           <a:blip r:embed="rId3">
             <a:extLst>
               <a:ext uri="{28A0092B-C50C-407E-A947-70E740481C1C}">
-                <a14:useLocalDpi xmlns:a14="http://schemas.microsoft.com/office/drawing/2010/main" val="0"/>
+                <a14:useLocalDpi xmlns="" xmlns:a14="http://schemas.microsoft.com/office/drawing/2010/main" val="0"/>
               </a:ext>
             </a:extLst>
           </a:blip>
@@ -8081,7 +7963,7 @@
     </p:spTree>
     <p:extLst>
       <p:ext uri="{BB962C8B-B14F-4D97-AF65-F5344CB8AC3E}">
-        <p14:creationId xmlns:p14="http://schemas.microsoft.com/office/powerpoint/2010/main" val="2383779861"/>
+        <p14:creationId xmlns="" xmlns:p14="http://schemas.microsoft.com/office/powerpoint/2010/main" val="2383779861"/>
       </p:ext>
     </p:extLst>
   </p:cSld>
@@ -8091,7 +7973,7 @@
   <p:timing>
     <p:tnLst>
       <p:par>
-        <p:cTn xmlns:p14="http://schemas.microsoft.com/office/powerpoint/2010/main" id="1" dur="indefinite" restart="never" nodeType="tmRoot"/>
+        <p:cTn id="1" dur="indefinite" restart="never" nodeType="tmRoot"/>
       </p:par>
     </p:tnLst>
   </p:timing>
@@ -8215,6 +8097,20 @@
             </a:r>
           </a:p>
           <a:p>
+            <a:pPr lvl="1" algn="just">
+              <a:spcAft>
+                <a:spcPts val="600"/>
+              </a:spcAft>
+            </a:pPr>
+            <a:r>
+              <a:rPr lang="en-US" dirty="0" smtClean="0">
+                <a:latin typeface="Arial" pitchFamily="34" charset="0"/>
+                <a:cs typeface="Arial" pitchFamily="34" charset="0"/>
+              </a:rPr>
+              <a:t>Given historical data</a:t>
+            </a:r>
+          </a:p>
+          <a:p>
             <a:pPr algn="just">
               <a:spcAft>
                 <a:spcPts val="600"/>
@@ -8225,14 +8121,7 @@
                 <a:latin typeface="Arial" pitchFamily="34" charset="0"/>
                 <a:cs typeface="Arial" pitchFamily="34" charset="0"/>
               </a:rPr>
-              <a:t>For </a:t>
-            </a:r>
-            <a:r>
-              <a:rPr lang="en-US" dirty="0" smtClean="0">
-                <a:latin typeface="Arial" pitchFamily="34" charset="0"/>
-                <a:cs typeface="Arial" pitchFamily="34" charset="0"/>
-              </a:rPr>
-              <a:t>week </a:t>
+              <a:t>For week </a:t>
             </a:r>
             <a:r>
               <a:rPr lang="en-US" dirty="0" err="1" smtClean="0">
@@ -8315,7 +8204,7 @@
     </p:spTree>
     <p:extLst>
       <p:ext uri="{BB962C8B-B14F-4D97-AF65-F5344CB8AC3E}">
-        <p14:creationId xmlns:p14="http://schemas.microsoft.com/office/powerpoint/2010/main" val="2938407280"/>
+        <p14:creationId xmlns="" xmlns:p14="http://schemas.microsoft.com/office/powerpoint/2010/main" val="2938407280"/>
       </p:ext>
     </p:extLst>
   </p:cSld>
@@ -8325,7 +8214,7 @@
   <p:timing>
     <p:tnLst>
       <p:par>
-        <p:cTn xmlns:p14="http://schemas.microsoft.com/office/powerpoint/2010/main" id="1" dur="indefinite" restart="never" nodeType="tmRoot"/>
+        <p:cTn id="1" dur="indefinite" restart="never" nodeType="tmRoot"/>
       </p:par>
     </p:tnLst>
   </p:timing>
@@ -8523,7 +8412,7 @@
     </p:spTree>
     <p:extLst>
       <p:ext uri="{BB962C8B-B14F-4D97-AF65-F5344CB8AC3E}">
-        <p14:creationId xmlns:p14="http://schemas.microsoft.com/office/powerpoint/2010/main" val="4004171504"/>
+        <p14:creationId xmlns="" xmlns:p14="http://schemas.microsoft.com/office/powerpoint/2010/main" val="4004171504"/>
       </p:ext>
     </p:extLst>
   </p:cSld>
@@ -8533,7 +8422,7 @@
   <p:timing>
     <p:tnLst>
       <p:par>
-        <p:cTn xmlns:p14="http://schemas.microsoft.com/office/powerpoint/2010/main" id="1" dur="indefinite" restart="never" nodeType="tmRoot"/>
+        <p:cTn id="1" dur="indefinite" restart="never" nodeType="tmRoot"/>
       </p:par>
     </p:tnLst>
   </p:timing>
@@ -8752,7 +8641,7 @@
   <p:timing>
     <p:tnLst>
       <p:par>
-        <p:cTn xmlns:p14="http://schemas.microsoft.com/office/powerpoint/2010/main" id="1" dur="indefinite" restart="never" nodeType="tmRoot"/>
+        <p:cTn id="1" dur="indefinite" restart="never" nodeType="tmRoot"/>
       </p:par>
     </p:tnLst>
   </p:timing>
@@ -8875,7 +8764,7 @@
           <a:blip r:embed="rId3">
             <a:extLst>
               <a:ext uri="{28A0092B-C50C-407E-A947-70E740481C1C}">
-                <a14:useLocalDpi xmlns:a14="http://schemas.microsoft.com/office/drawing/2010/main" val="0"/>
+                <a14:useLocalDpi xmlns="" xmlns:a14="http://schemas.microsoft.com/office/drawing/2010/main" val="0"/>
               </a:ext>
             </a:extLst>
           </a:blip>
@@ -8896,7 +8785,7 @@
     </p:spTree>
     <p:extLst>
       <p:ext uri="{BB962C8B-B14F-4D97-AF65-F5344CB8AC3E}">
-        <p14:creationId xmlns:p14="http://schemas.microsoft.com/office/powerpoint/2010/main" val="2248839819"/>
+        <p14:creationId xmlns="" xmlns:p14="http://schemas.microsoft.com/office/powerpoint/2010/main" val="2248839819"/>
       </p:ext>
     </p:extLst>
   </p:cSld>
@@ -8906,7 +8795,7 @@
   <p:timing>
     <p:tnLst>
       <p:par>
-        <p:cTn xmlns:p14="http://schemas.microsoft.com/office/powerpoint/2010/main" id="1" dur="indefinite" restart="never" nodeType="tmRoot"/>
+        <p:cTn id="1" dur="indefinite" restart="never" nodeType="tmRoot"/>
       </p:par>
     </p:tnLst>
   </p:timing>
@@ -9048,7 +8937,7 @@
     </p:spTree>
     <p:extLst>
       <p:ext uri="{BB962C8B-B14F-4D97-AF65-F5344CB8AC3E}">
-        <p14:creationId xmlns:p14="http://schemas.microsoft.com/office/powerpoint/2010/main" val="288134162"/>
+        <p14:creationId xmlns="" xmlns:p14="http://schemas.microsoft.com/office/powerpoint/2010/main" val="288134162"/>
       </p:ext>
     </p:extLst>
   </p:cSld>
@@ -9058,7 +8947,7 @@
   <p:timing>
     <p:tnLst>
       <p:par>
-        <p:cTn xmlns:p14="http://schemas.microsoft.com/office/powerpoint/2010/main" id="1" dur="indefinite" restart="never" nodeType="tmRoot"/>
+        <p:cTn id="1" dur="indefinite" restart="never" nodeType="tmRoot"/>
       </p:par>
     </p:tnLst>
   </p:timing>
@@ -9273,18 +9162,11 @@
             </a:r>
           </a:p>
           <a:p>
-            <a:pPr algn="just">
+            <a:pPr lvl="1" algn="just">
               <a:spcAft>
                 <a:spcPts val="600"/>
               </a:spcAft>
             </a:pPr>
-            <a:r>
-              <a:rPr lang="en-US" dirty="0" smtClean="0">
-                <a:latin typeface="Arial" pitchFamily="34" charset="0"/>
-                <a:cs typeface="Arial" pitchFamily="34" charset="0"/>
-              </a:rPr>
-              <a:t>Build an interactive graph for easier observation</a:t>
-            </a:r>
             <a:endParaRPr lang="en-US" dirty="0" smtClean="0">
               <a:latin typeface="Arial" pitchFamily="34" charset="0"/>
               <a:cs typeface="Arial" pitchFamily="34" charset="0"/>
@@ -9295,7 +9177,7 @@
     </p:spTree>
     <p:extLst>
       <p:ext uri="{BB962C8B-B14F-4D97-AF65-F5344CB8AC3E}">
-        <p14:creationId xmlns:p14="http://schemas.microsoft.com/office/powerpoint/2010/main" val="335122943"/>
+        <p14:creationId xmlns="" xmlns:p14="http://schemas.microsoft.com/office/powerpoint/2010/main" val="335122943"/>
       </p:ext>
     </p:extLst>
   </p:cSld>
@@ -9305,7 +9187,7 @@
   <p:timing>
     <p:tnLst>
       <p:par>
-        <p:cTn xmlns:p14="http://schemas.microsoft.com/office/powerpoint/2010/main" id="1" dur="indefinite" restart="never" nodeType="tmRoot"/>
+        <p:cTn id="1" dur="indefinite" restart="never" nodeType="tmRoot"/>
       </p:par>
     </p:tnLst>
   </p:timing>
@@ -9395,7 +9277,7 @@
           <a:blip r:embed="rId3">
             <a:extLst>
               <a:ext uri="{28A0092B-C50C-407E-A947-70E740481C1C}">
-                <a14:useLocalDpi xmlns:a14="http://schemas.microsoft.com/office/drawing/2010/main" val="0"/>
+                <a14:useLocalDpi xmlns="" xmlns:a14="http://schemas.microsoft.com/office/drawing/2010/main" val="0"/>
               </a:ext>
             </a:extLst>
           </a:blip>
@@ -9411,40 +9293,10 @@
           </a:xfrm>
         </p:spPr>
       </p:pic>
-      <p:sp>
-        <p:nvSpPr>
-          <p:cNvPr id="2" name="TextBox 1"/>
-          <p:cNvSpPr txBox="1"/>
-          <p:nvPr/>
-        </p:nvSpPr>
-        <p:spPr>
-          <a:xfrm>
-            <a:off x="3124200" y="5867400"/>
-            <a:ext cx="5900474" cy="369332"/>
-          </a:xfrm>
-          <a:prstGeom prst="rect">
-            <a:avLst/>
-          </a:prstGeom>
-          <a:noFill/>
-        </p:spPr>
-        <p:txBody>
-          <a:bodyPr wrap="none" rtlCol="0">
-            <a:spAutoFit/>
-          </a:bodyPr>
-          <a:lstStyle/>
-          <a:p>
-            <a:r>
-              <a:rPr lang="en-US" dirty="0" smtClean="0"/>
-              <a:t>Take away: only part of news has substantial effect</a:t>
-            </a:r>
-            <a:endParaRPr lang="en-US" dirty="0"/>
-          </a:p>
-        </p:txBody>
-      </p:sp>
     </p:spTree>
     <p:extLst>
       <p:ext uri="{BB962C8B-B14F-4D97-AF65-F5344CB8AC3E}">
-        <p14:creationId xmlns:p14="http://schemas.microsoft.com/office/powerpoint/2010/main" val="3429427913"/>
+        <p14:creationId xmlns="" xmlns:p14="http://schemas.microsoft.com/office/powerpoint/2010/main" val="3429427913"/>
       </p:ext>
     </p:extLst>
   </p:cSld>
@@ -9454,7 +9306,7 @@
   <p:timing>
     <p:tnLst>
       <p:par>
-        <p:cTn xmlns:p14="http://schemas.microsoft.com/office/powerpoint/2010/main" id="1" dur="indefinite" restart="never" nodeType="tmRoot"/>
+        <p:cTn id="1" dur="indefinite" restart="never" nodeType="tmRoot"/>
       </p:par>
     </p:tnLst>
   </p:timing>
@@ -9521,50 +9373,16 @@
                 <a:latin typeface="Arial" pitchFamily="34" charset="0"/>
                 <a:cs typeface="Arial" pitchFamily="34" charset="0"/>
               </a:rPr>
-              <a:t> price is not as good as analysis for the stock </a:t>
-            </a:r>
+              <a:t> price is not as good as analysis for the stock market;</a:t>
+            </a:r>
+          </a:p>
+          <a:p>
             <a:r>
               <a:rPr lang="en-US" dirty="0" smtClean="0">
                 <a:latin typeface="Arial" pitchFamily="34" charset="0"/>
                 <a:cs typeface="Arial" pitchFamily="34" charset="0"/>
               </a:rPr>
-              <a:t>market</a:t>
-            </a:r>
-            <a:r>
-              <a:rPr lang="zh-CN" altLang="en-US" dirty="0" smtClean="0">
-                <a:latin typeface="Arial" pitchFamily="34" charset="0"/>
-                <a:cs typeface="Arial" pitchFamily="34" charset="0"/>
-              </a:rPr>
-              <a:t>；</a:t>
-            </a:r>
-            <a:endParaRPr lang="en-US" altLang="zh-CN" dirty="0" smtClean="0">
-              <a:latin typeface="Arial" pitchFamily="34" charset="0"/>
-              <a:cs typeface="Arial" pitchFamily="34" charset="0"/>
-            </a:endParaRPr>
-          </a:p>
-          <a:p>
-            <a:r>
-              <a:rPr lang="en-US" dirty="0" smtClean="0">
-                <a:latin typeface="Arial" pitchFamily="34" charset="0"/>
-                <a:cs typeface="Arial" pitchFamily="34" charset="0"/>
-              </a:rPr>
-              <a:t>Alternative methods bear potential, but require specific tailoring</a:t>
-            </a:r>
-          </a:p>
-          <a:p>
-            <a:r>
-              <a:rPr lang="en-US" dirty="0" smtClean="0">
-                <a:latin typeface="Arial" pitchFamily="34" charset="0"/>
-                <a:cs typeface="Arial" pitchFamily="34" charset="0"/>
-              </a:rPr>
-              <a:t>More </a:t>
-            </a:r>
-            <a:r>
-              <a:rPr lang="en-US" dirty="0" smtClean="0">
-                <a:latin typeface="Arial" pitchFamily="34" charset="0"/>
-                <a:cs typeface="Arial" pitchFamily="34" charset="0"/>
-              </a:rPr>
-              <a:t>care needs to be taken to analyze </a:t>
+              <a:t>More care needs to be taken to analyze </a:t>
             </a:r>
             <a:r>
               <a:rPr lang="en-US" dirty="0" err="1" smtClean="0">
@@ -9658,7 +9476,7 @@
   <p:timing>
     <p:tnLst>
       <p:par>
-        <p:cTn xmlns:p14="http://schemas.microsoft.com/office/powerpoint/2010/main" id="1" dur="indefinite" restart="never" nodeType="tmRoot"/>
+        <p:cTn id="1" dur="indefinite" restart="never" nodeType="tmRoot"/>
       </p:par>
     </p:tnLst>
   </p:timing>
@@ -9744,7 +9562,7 @@
             <p:ph idx="1"/>
             <p:extLst>
               <p:ext uri="{D42A27DB-BD31-4B8C-83A1-F6EECF244321}">
-                <p14:modId xmlns:p14="http://schemas.microsoft.com/office/powerpoint/2010/main" val="3757271971"/>
+                <p14:modId xmlns="" xmlns:p14="http://schemas.microsoft.com/office/powerpoint/2010/main" val="3757271971"/>
               </p:ext>
             </p:extLst>
           </p:nvPr>
@@ -9767,7 +9585,7 @@
   <p:timing>
     <p:tnLst>
       <p:par>
-        <p:cTn xmlns:p14="http://schemas.microsoft.com/office/powerpoint/2010/main" id="1" dur="indefinite" restart="never" nodeType="tmRoot"/>
+        <p:cTn id="1" dur="indefinite" restart="never" nodeType="tmRoot"/>
       </p:par>
     </p:tnLst>
   </p:timing>
@@ -9953,7 +9771,7 @@
           <a:blip r:embed="rId3" cstate="print">
             <a:extLst>
               <a:ext uri="{28A0092B-C50C-407E-A947-70E740481C1C}">
-                <a14:useLocalDpi xmlns:a14="http://schemas.microsoft.com/office/drawing/2010/main" val="0"/>
+                <a14:useLocalDpi xmlns="" xmlns:a14="http://schemas.microsoft.com/office/drawing/2010/main" val="0"/>
               </a:ext>
             </a:extLst>
           </a:blip>
@@ -9983,7 +9801,7 @@
           <a:blip r:embed="rId4">
             <a:extLst>
               <a:ext uri="{28A0092B-C50C-407E-A947-70E740481C1C}">
-                <a14:useLocalDpi xmlns:a14="http://schemas.microsoft.com/office/drawing/2010/main" val="0"/>
+                <a14:useLocalDpi xmlns="" xmlns:a14="http://schemas.microsoft.com/office/drawing/2010/main" val="0"/>
               </a:ext>
             </a:extLst>
           </a:blip>
@@ -10049,7 +9867,7 @@
   <p:timing>
     <p:tnLst>
       <p:par>
-        <p:cTn xmlns:p14="http://schemas.microsoft.com/office/powerpoint/2010/main" id="1" dur="indefinite" restart="never" nodeType="tmRoot"/>
+        <p:cTn id="1" dur="indefinite" restart="never" nodeType="tmRoot"/>
       </p:par>
     </p:tnLst>
   </p:timing>
@@ -10231,7 +10049,7 @@
   <p:timing>
     <p:tnLst>
       <p:par>
-        <p:cTn xmlns:p14="http://schemas.microsoft.com/office/powerpoint/2010/main" id="1" dur="indefinite" restart="never" nodeType="tmRoot"/>
+        <p:cTn id="1" dur="indefinite" restart="never" nodeType="tmRoot"/>
       </p:par>
     </p:tnLst>
   </p:timing>
@@ -10408,7 +10226,7 @@
   <p:timing>
     <p:tnLst>
       <p:par>
-        <p:cTn xmlns:p14="http://schemas.microsoft.com/office/powerpoint/2010/main" id="1" dur="indefinite" restart="never" nodeType="tmRoot"/>
+        <p:cTn id="1" dur="indefinite" restart="never" nodeType="tmRoot"/>
       </p:par>
     </p:tnLst>
   </p:timing>
@@ -10578,7 +10396,7 @@
   <p:timing>
     <p:tnLst>
       <p:par>
-        <p:cTn xmlns:p14="http://schemas.microsoft.com/office/powerpoint/2010/main" id="1" dur="indefinite" restart="never" nodeType="tmRoot"/>
+        <p:cTn id="1" dur="indefinite" restart="never" nodeType="tmRoot"/>
       </p:par>
     </p:tnLst>
   </p:timing>
@@ -10766,7 +10584,7 @@
   <p:timing>
     <p:tnLst>
       <p:par>
-        <p:cTn xmlns:p14="http://schemas.microsoft.com/office/powerpoint/2010/main" id="1" dur="indefinite" restart="never" nodeType="tmRoot"/>
+        <p:cTn id="1" dur="indefinite" restart="never" nodeType="tmRoot"/>
       </p:par>
     </p:tnLst>
   </p:timing>
@@ -10954,7 +10772,7 @@
   <p:timing>
     <p:tnLst>
       <p:par>
-        <p:cTn xmlns:p14="http://schemas.microsoft.com/office/powerpoint/2010/main" id="1" dur="indefinite" restart="never" nodeType="tmRoot"/>
+        <p:cTn id="1" dur="indefinite" restart="never" nodeType="tmRoot"/>
       </p:par>
     </p:tnLst>
   </p:timing>
